--- a/operational_sep_directions.pptx
+++ b/operational_sep_directions.pptx
@@ -5,21 +5,29 @@
     <p:sldMasterId id="2147483648" r:id="rId1"/>
   </p:sldMasterIdLst>
   <p:notesMasterIdLst>
-    <p:notesMasterId r:id="rId14"/>
+    <p:notesMasterId r:id="rId22"/>
   </p:notesMasterIdLst>
   <p:sldIdLst>
     <p:sldId id="256" r:id="rId2"/>
     <p:sldId id="257" r:id="rId3"/>
     <p:sldId id="258" r:id="rId4"/>
-    <p:sldId id="259" r:id="rId5"/>
-    <p:sldId id="277" r:id="rId6"/>
-    <p:sldId id="278" r:id="rId7"/>
-    <p:sldId id="285" r:id="rId8"/>
-    <p:sldId id="261" r:id="rId9"/>
-    <p:sldId id="262" r:id="rId10"/>
-    <p:sldId id="283" r:id="rId11"/>
-    <p:sldId id="284" r:id="rId12"/>
-    <p:sldId id="286" r:id="rId13"/>
+    <p:sldId id="287" r:id="rId5"/>
+    <p:sldId id="291" r:id="rId6"/>
+    <p:sldId id="292" r:id="rId7"/>
+    <p:sldId id="293" r:id="rId8"/>
+    <p:sldId id="294" r:id="rId9"/>
+    <p:sldId id="295" r:id="rId10"/>
+    <p:sldId id="288" r:id="rId11"/>
+    <p:sldId id="259" r:id="rId12"/>
+    <p:sldId id="277" r:id="rId13"/>
+    <p:sldId id="278" r:id="rId14"/>
+    <p:sldId id="285" r:id="rId15"/>
+    <p:sldId id="261" r:id="rId16"/>
+    <p:sldId id="262" r:id="rId17"/>
+    <p:sldId id="283" r:id="rId18"/>
+    <p:sldId id="284" r:id="rId19"/>
+    <p:sldId id="290" r:id="rId20"/>
+    <p:sldId id="289" r:id="rId21"/>
   </p:sldIdLst>
   <p:sldSz cx="12192000" cy="6858000"/>
   <p:notesSz cx="6858000" cy="9144000"/>
@@ -208,7 +216,7 @@
           <a:p>
             <a:fld id="{ACFC4109-FC70-2746-BE3D-08A4706C42AF}" type="datetimeFigureOut">
               <a:rPr lang="en-US" smtClean="0"/>
-              <a:t>6/21/19</a:t>
+              <a:t>7/17/19</a:t>
             </a:fld>
             <a:endParaRPr lang="en-US"/>
           </a:p>
@@ -622,7 +630,7 @@
           <a:p>
             <a:fld id="{98B63C66-5BFA-D040-BA9B-6C264EE8953B}" type="datetime1">
               <a:rPr lang="en-US" smtClean="0"/>
-              <a:t>6/21/19</a:t>
+              <a:t>7/17/19</a:t>
             </a:fld>
             <a:endParaRPr lang="en-US"/>
           </a:p>
@@ -820,7 +828,7 @@
           <a:p>
             <a:fld id="{0590D9D8-0360-1C43-89D5-17083888E5A4}" type="datetime1">
               <a:rPr lang="en-US" smtClean="0"/>
-              <a:t>6/21/19</a:t>
+              <a:t>7/17/19</a:t>
             </a:fld>
             <a:endParaRPr lang="en-US"/>
           </a:p>
@@ -1028,7 +1036,7 @@
           <a:p>
             <a:fld id="{8CE32102-EA7F-6549-839E-1A85EE6508E4}" type="datetime1">
               <a:rPr lang="en-US" smtClean="0"/>
-              <a:t>6/21/19</a:t>
+              <a:t>7/17/19</a:t>
             </a:fld>
             <a:endParaRPr lang="en-US"/>
           </a:p>
@@ -1226,7 +1234,7 @@
           <a:p>
             <a:fld id="{515E09F4-AD37-124B-9683-34222C52AD71}" type="datetime1">
               <a:rPr lang="en-US" smtClean="0"/>
-              <a:t>6/21/19</a:t>
+              <a:t>7/17/19</a:t>
             </a:fld>
             <a:endParaRPr lang="en-US"/>
           </a:p>
@@ -1501,7 +1509,7 @@
           <a:p>
             <a:fld id="{46C7F2ED-DF5D-9946-8752-F6B57EA229B8}" type="datetime1">
               <a:rPr lang="en-US" smtClean="0"/>
-              <a:t>6/21/19</a:t>
+              <a:t>7/17/19</a:t>
             </a:fld>
             <a:endParaRPr lang="en-US"/>
           </a:p>
@@ -1766,7 +1774,7 @@
           <a:p>
             <a:fld id="{F89340DA-3FB3-A948-9058-4F9F91E97666}" type="datetime1">
               <a:rPr lang="en-US" smtClean="0"/>
-              <a:t>6/21/19</a:t>
+              <a:t>7/17/19</a:t>
             </a:fld>
             <a:endParaRPr lang="en-US"/>
           </a:p>
@@ -2178,7 +2186,7 @@
           <a:p>
             <a:fld id="{CC8EA9B6-1913-7C40-BA1E-7EFA5EB94D8B}" type="datetime1">
               <a:rPr lang="en-US" smtClean="0"/>
-              <a:t>6/21/19</a:t>
+              <a:t>7/17/19</a:t>
             </a:fld>
             <a:endParaRPr lang="en-US"/>
           </a:p>
@@ -2319,7 +2327,7 @@
           <a:p>
             <a:fld id="{7BC11421-51C4-C146-92C4-914625293B7B}" type="datetime1">
               <a:rPr lang="en-US" smtClean="0"/>
-              <a:t>6/21/19</a:t>
+              <a:t>7/17/19</a:t>
             </a:fld>
             <a:endParaRPr lang="en-US"/>
           </a:p>
@@ -2432,7 +2440,7 @@
           <a:p>
             <a:fld id="{950D87B4-0808-DC47-AD17-FA70F0FD3001}" type="datetime1">
               <a:rPr lang="en-US" smtClean="0"/>
-              <a:t>6/21/19</a:t>
+              <a:t>7/17/19</a:t>
             </a:fld>
             <a:endParaRPr lang="en-US"/>
           </a:p>
@@ -2743,7 +2751,7 @@
           <a:p>
             <a:fld id="{493EB9D4-5761-AC40-98DF-B894A216BCF2}" type="datetime1">
               <a:rPr lang="en-US" smtClean="0"/>
-              <a:t>6/21/19</a:t>
+              <a:t>7/17/19</a:t>
             </a:fld>
             <a:endParaRPr lang="en-US"/>
           </a:p>
@@ -3031,7 +3039,7 @@
           <a:p>
             <a:fld id="{F3CE5041-D5BC-714F-A2AA-C63D44FE72D3}" type="datetime1">
               <a:rPr lang="en-US" smtClean="0"/>
-              <a:t>6/21/19</a:t>
+              <a:t>7/17/19</a:t>
             </a:fld>
             <a:endParaRPr lang="en-US"/>
           </a:p>
@@ -3272,7 +3280,7 @@
           <a:p>
             <a:fld id="{DCDC3A1E-915E-9946-8F88-61D9CF38713D}" type="datetime1">
               <a:rPr lang="en-US" smtClean="0"/>
-              <a:t>6/21/19</a:t>
+              <a:t>7/17/19</a:t>
             </a:fld>
             <a:endParaRPr lang="en-US"/>
           </a:p>
@@ -3715,7 +3723,14 @@
           <a:p>
             <a:r>
               <a:rPr lang="en-US" dirty="0"/>
-              <a:t>Code to Calculate Operational Values from SEP Data and Models</a:t>
+              <a:t>SEP Modeling Challenge: Research to Operations</a:t>
+            </a:r>
+            <a:br>
+              <a:rPr lang="en-US" dirty="0"/>
+            </a:br>
+            <a:r>
+              <a:rPr lang="en-US" dirty="0"/>
+              <a:t>SHINE 2019</a:t>
             </a:r>
           </a:p>
         </p:txBody>
@@ -3744,13 +3759,22 @@
         </p:spPr>
         <p:txBody>
           <a:bodyPr>
-            <a:normAutofit/>
+            <a:normAutofit lnSpcReduction="10000"/>
           </a:bodyPr>
           <a:lstStyle/>
           <a:p>
             <a:r>
+              <a:rPr lang="en-US" sz="3200" dirty="0"/>
+              <a:t>Measurements for Challenge SEP Events</a:t>
+            </a:r>
+          </a:p>
+          <a:p>
+            <a:endParaRPr lang="en-US" dirty="0"/>
+          </a:p>
+          <a:p>
+            <a:r>
               <a:rPr lang="en-US" dirty="0"/>
-              <a:t>Kathryn Whitman</a:t>
+              <a:t>Organized by Kathryn Whitman and Ian Richardson</a:t>
             </a:r>
           </a:p>
           <a:p>
@@ -3763,6 +3787,12 @@
             <a:endParaRPr lang="en-US" dirty="0"/>
           </a:p>
           <a:p>
+            <a:r>
+              <a:rPr lang="en-US" dirty="0"/>
+              <a:t>July 2019</a:t>
+            </a:r>
+          </a:p>
+          <a:p>
             <a:endParaRPr lang="en-US" dirty="0"/>
           </a:p>
         </p:txBody>
@@ -3772,7 +3802,7 @@
           <p:cNvPr id="4" name="Slide Number Placeholder 3">
             <a:extLst>
               <a:ext uri="{FF2B5EF4-FFF2-40B4-BE49-F238E27FC236}">
-                <a16:creationId xmlns:a16="http://schemas.microsoft.com/office/drawing/2014/main" id="{C9BC8A2E-EFB9-514F-9F7C-8C094BD542FC}"/>
+                <a16:creationId xmlns:a16="http://schemas.microsoft.com/office/drawing/2014/main" id="{31A5EB19-367D-1D45-BAB8-7DBFFFB2A93F}"/>
               </a:ext>
             </a:extLst>
           </p:cNvPr>
@@ -3792,14 +3822,14 @@
               <a:rPr lang="en-US" smtClean="0"/>
               <a:t>1</a:t>
             </a:fld>
-            <a:endParaRPr lang="en-US"/>
+            <a:endParaRPr lang="en-US" dirty="0"/>
           </a:p>
         </p:txBody>
       </p:sp>
     </p:spTree>
     <p:extLst>
       <p:ext uri="{BB962C8B-B14F-4D97-AF65-F5344CB8AC3E}">
-        <p14:creationId xmlns:p14="http://schemas.microsoft.com/office/powerpoint/2010/main" val="349548103"/>
+        <p14:creationId xmlns:p14="http://schemas.microsoft.com/office/powerpoint/2010/main" val="275838848"/>
       </p:ext>
     </p:extLst>
   </p:cSld>
@@ -3831,6 +3861,2089 @@
           <p:cNvPr id="2" name="Title 1">
             <a:extLst>
               <a:ext uri="{FF2B5EF4-FFF2-40B4-BE49-F238E27FC236}">
+                <a16:creationId xmlns:a16="http://schemas.microsoft.com/office/drawing/2014/main" id="{1B55C572-E922-0F47-AE8B-1F8AFBF2600D}"/>
+              </a:ext>
+            </a:extLst>
+          </p:cNvPr>
+          <p:cNvSpPr>
+            <a:spLocks noGrp="1"/>
+          </p:cNvSpPr>
+          <p:nvPr>
+            <p:ph type="title"/>
+          </p:nvPr>
+        </p:nvSpPr>
+        <p:spPr/>
+        <p:txBody>
+          <a:bodyPr/>
+          <a:lstStyle/>
+          <a:p>
+            <a:r>
+              <a:rPr lang="en-US" dirty="0" err="1"/>
+              <a:t>operational_sep_quantities.py</a:t>
+            </a:r>
+            <a:endParaRPr lang="en-US" dirty="0"/>
+          </a:p>
+        </p:txBody>
+      </p:sp>
+      <p:sp>
+        <p:nvSpPr>
+          <p:cNvPr id="3" name="Text Placeholder 2">
+            <a:extLst>
+              <a:ext uri="{FF2B5EF4-FFF2-40B4-BE49-F238E27FC236}">
+                <a16:creationId xmlns:a16="http://schemas.microsoft.com/office/drawing/2014/main" id="{9BC89071-5E84-764B-B9BF-06DB839EA2BF}"/>
+              </a:ext>
+            </a:extLst>
+          </p:cNvPr>
+          <p:cNvSpPr>
+            <a:spLocks noGrp="1"/>
+          </p:cNvSpPr>
+          <p:nvPr>
+            <p:ph type="body" idx="1"/>
+          </p:nvPr>
+        </p:nvSpPr>
+        <p:spPr>
+          <a:xfrm>
+            <a:off x="831850" y="4589463"/>
+            <a:ext cx="10515600" cy="1895743"/>
+          </a:xfrm>
+        </p:spPr>
+        <p:txBody>
+          <a:bodyPr>
+            <a:normAutofit fontScale="70000" lnSpcReduction="20000"/>
+          </a:bodyPr>
+          <a:lstStyle/>
+          <a:p>
+            <a:r>
+              <a:rPr lang="en-US" b="1" dirty="0"/>
+              <a:t>PROVIDES:</a:t>
+            </a:r>
+          </a:p>
+          <a:p>
+            <a:r>
+              <a:rPr lang="en-US" b="1" dirty="0"/>
+              <a:t>Time to cross thresholds:</a:t>
+            </a:r>
+            <a:r>
+              <a:rPr lang="en-US" dirty="0"/>
+              <a:t> &gt;10 MeV exceeds 10 pfu; &gt;100 MeV exceeds 1 pfu</a:t>
+            </a:r>
+          </a:p>
+          <a:p>
+            <a:r>
+              <a:rPr lang="en-US" b="1" dirty="0"/>
+              <a:t>Time to Peak Flux</a:t>
+            </a:r>
+            <a:r>
+              <a:rPr lang="en-US" dirty="0"/>
+              <a:t> for &gt;10 MeV, &gt;100 MeV</a:t>
+            </a:r>
+          </a:p>
+          <a:p>
+            <a:r>
+              <a:rPr lang="en-US" b="1" dirty="0"/>
+              <a:t>Peak Flux </a:t>
+            </a:r>
+            <a:r>
+              <a:rPr lang="en-US" dirty="0"/>
+              <a:t>for &gt;10 MeV, &gt;100 MeV </a:t>
+            </a:r>
+          </a:p>
+          <a:p>
+            <a:r>
+              <a:rPr lang="en-US" b="1" dirty="0"/>
+              <a:t>Duration</a:t>
+            </a:r>
+            <a:r>
+              <a:rPr lang="en-US" dirty="0"/>
+              <a:t> &gt;10 MeV, &gt;100 MeV</a:t>
+            </a:r>
+          </a:p>
+          <a:p>
+            <a:r>
+              <a:rPr lang="en-US" b="1" dirty="0"/>
+              <a:t>Event fluence</a:t>
+            </a:r>
+            <a:r>
+              <a:rPr lang="en-US" dirty="0"/>
+              <a:t> (total integrated event intensity) for &gt;10 MeV, &gt;100 MeV and energy spectrum</a:t>
+            </a:r>
+          </a:p>
+        </p:txBody>
+      </p:sp>
+      <p:sp>
+        <p:nvSpPr>
+          <p:cNvPr id="4" name="Slide Number Placeholder 3">
+            <a:extLst>
+              <a:ext uri="{FF2B5EF4-FFF2-40B4-BE49-F238E27FC236}">
+                <a16:creationId xmlns:a16="http://schemas.microsoft.com/office/drawing/2014/main" id="{19CC7EB3-F5AD-0041-918C-636C10F6EE29}"/>
+              </a:ext>
+            </a:extLst>
+          </p:cNvPr>
+          <p:cNvSpPr>
+            <a:spLocks noGrp="1"/>
+          </p:cNvSpPr>
+          <p:nvPr>
+            <p:ph type="sldNum" sz="quarter" idx="12"/>
+          </p:nvPr>
+        </p:nvSpPr>
+        <p:spPr/>
+        <p:txBody>
+          <a:bodyPr/>
+          <a:lstStyle/>
+          <a:p>
+            <a:fld id="{BC9E6684-BBAF-2B44-BA0B-A4B011DBF27F}" type="slidenum">
+              <a:rPr lang="en-US" smtClean="0"/>
+              <a:t>10</a:t>
+            </a:fld>
+            <a:endParaRPr lang="en-US"/>
+          </a:p>
+        </p:txBody>
+      </p:sp>
+    </p:spTree>
+    <p:extLst>
+      <p:ext uri="{BB962C8B-B14F-4D97-AF65-F5344CB8AC3E}">
+        <p14:creationId xmlns:p14="http://schemas.microsoft.com/office/powerpoint/2010/main" val="851310422"/>
+      </p:ext>
+    </p:extLst>
+  </p:cSld>
+  <p:clrMapOvr>
+    <a:masterClrMapping/>
+  </p:clrMapOvr>
+</p:sld>
+</file>
+
+<file path=ppt/slides/slide11.xml><?xml version="1.0" encoding="utf-8"?>
+<p:sld xmlns:a="http://schemas.openxmlformats.org/drawingml/2006/main" xmlns:r="http://schemas.openxmlformats.org/officeDocument/2006/relationships" xmlns:p="http://schemas.openxmlformats.org/presentationml/2006/main">
+  <p:cSld>
+    <p:spTree>
+      <p:nvGrpSpPr>
+        <p:cNvPr id="1" name=""/>
+        <p:cNvGrpSpPr/>
+        <p:nvPr/>
+      </p:nvGrpSpPr>
+      <p:grpSpPr>
+        <a:xfrm>
+          <a:off x="0" y="0"/>
+          <a:ext cx="0" cy="0"/>
+          <a:chOff x="0" y="0"/>
+          <a:chExt cx="0" cy="0"/>
+        </a:xfrm>
+      </p:grpSpPr>
+      <p:sp>
+        <p:nvSpPr>
+          <p:cNvPr id="2" name="Title 1">
+            <a:extLst>
+              <a:ext uri="{FF2B5EF4-FFF2-40B4-BE49-F238E27FC236}">
+                <a16:creationId xmlns:a16="http://schemas.microsoft.com/office/drawing/2014/main" id="{D7D4E22E-7E71-764B-91AD-EEB77EE1531F}"/>
+              </a:ext>
+            </a:extLst>
+          </p:cNvPr>
+          <p:cNvSpPr>
+            <a:spLocks noGrp="1"/>
+          </p:cNvSpPr>
+          <p:nvPr>
+            <p:ph type="title"/>
+          </p:nvPr>
+        </p:nvSpPr>
+        <p:spPr/>
+        <p:txBody>
+          <a:bodyPr>
+            <a:normAutofit fontScale="90000"/>
+          </a:bodyPr>
+          <a:lstStyle/>
+          <a:p>
+            <a:r>
+              <a:rPr lang="en-US" sz="3600" dirty="0"/>
+              <a:t>Code to Calculate SEP Values: </a:t>
+            </a:r>
+            <a:r>
+              <a:rPr lang="en-US" sz="3600" dirty="0" err="1"/>
+              <a:t>operational_sep_quantities.py</a:t>
+            </a:r>
+            <a:r>
+              <a:rPr lang="en-US" sz="3600" dirty="0"/>
+              <a:t> </a:t>
+            </a:r>
+            <a:br>
+              <a:rPr lang="en-US" sz="3600" dirty="0"/>
+            </a:br>
+            <a:r>
+              <a:rPr lang="en-US" sz="3600" b="1" dirty="0">
+                <a:solidFill>
+                  <a:srgbClr val="FF0000"/>
+                </a:solidFill>
+              </a:rPr>
+              <a:t>Also for use with your time profile model</a:t>
+            </a:r>
+          </a:p>
+        </p:txBody>
+      </p:sp>
+      <p:sp>
+        <p:nvSpPr>
+          <p:cNvPr id="3" name="Content Placeholder 2">
+            <a:extLst>
+              <a:ext uri="{FF2B5EF4-FFF2-40B4-BE49-F238E27FC236}">
+                <a16:creationId xmlns:a16="http://schemas.microsoft.com/office/drawing/2014/main" id="{831CA6E5-AA66-894B-ACEA-4155931F76AA}"/>
+              </a:ext>
+            </a:extLst>
+          </p:cNvPr>
+          <p:cNvSpPr>
+            <a:spLocks noGrp="1"/>
+          </p:cNvSpPr>
+          <p:nvPr>
+            <p:ph idx="1"/>
+          </p:nvPr>
+        </p:nvSpPr>
+        <p:spPr>
+          <a:xfrm>
+            <a:off x="838200" y="1825624"/>
+            <a:ext cx="10515600" cy="4852577"/>
+          </a:xfrm>
+        </p:spPr>
+        <p:txBody>
+          <a:bodyPr>
+            <a:normAutofit/>
+          </a:bodyPr>
+          <a:lstStyle/>
+          <a:p>
+            <a:r>
+              <a:rPr lang="en-US" sz="2000" dirty="0"/>
+              <a:t>A user-friendly python 3 code was developed by Kathryn Whitman (</a:t>
+            </a:r>
+            <a:r>
+              <a:rPr lang="en-US" sz="2000" dirty="0">
+                <a:hlinkClick r:id="rId2"/>
+              </a:rPr>
+              <a:t>Kathryn.Whitman@nasa.gov</a:t>
+            </a:r>
+            <a:r>
+              <a:rPr lang="en-US" sz="2000" dirty="0"/>
+              <a:t>) to calculate the values requested for the SHINE 2019 SEP Modeling Challenge. </a:t>
+            </a:r>
+          </a:p>
+          <a:p>
+            <a:r>
+              <a:rPr lang="en-US" sz="2000" b="1" dirty="0"/>
+              <a:t>This code is sent along with this presentation to all SEP modelers so that the exact choices and methodology for determining the SEP values is transparent to all.</a:t>
+            </a:r>
+          </a:p>
+          <a:p>
+            <a:pPr>
+              <a:buFont typeface="Wingdings" pitchFamily="2" charset="2"/>
+              <a:buChar char="Ø"/>
+            </a:pPr>
+            <a:r>
+              <a:rPr lang="en-US" sz="2000" dirty="0"/>
+              <a:t>If the code is run with GOES-13 integral channels, the output will exactly match that generated by the SRAG operational alarm code.</a:t>
+            </a:r>
+          </a:p>
+          <a:p>
+            <a:endParaRPr lang="en-US" sz="2000" dirty="0"/>
+          </a:p>
+          <a:p>
+            <a:r>
+              <a:rPr lang="en-US" sz="2000" b="1" dirty="0"/>
+              <a:t>Additional intention of this code: </a:t>
+            </a:r>
+            <a:r>
+              <a:rPr lang="en-US" sz="2000" dirty="0"/>
+              <a:t>For </a:t>
+            </a:r>
+            <a:r>
+              <a:rPr lang="en-US" sz="2000" b="1" dirty="0">
+                <a:solidFill>
+                  <a:srgbClr val="FF0000"/>
+                </a:solidFill>
+              </a:rPr>
+              <a:t>models that produce SEP time profiles</a:t>
+            </a:r>
+            <a:r>
+              <a:rPr lang="en-US" sz="2000" dirty="0"/>
+              <a:t>, this code can be used to calculate exactly the same values in exactly the same way as data.</a:t>
+            </a:r>
+          </a:p>
+          <a:p>
+            <a:r>
+              <a:rPr lang="en-US" sz="2000" dirty="0"/>
+              <a:t>Users may input their own data set (e.g. model output or data with special post-processing, such as background subtraction)</a:t>
+            </a:r>
+          </a:p>
+          <a:p>
+            <a:r>
+              <a:rPr lang="en-US" sz="2000" dirty="0"/>
+              <a:t>Users may define their own threshold, e.g. &gt;50 MeV, 10 pfu, to control event start and end</a:t>
+            </a:r>
+          </a:p>
+          <a:p>
+            <a:r>
+              <a:rPr lang="en-US" sz="1600" dirty="0">
+                <a:solidFill>
+                  <a:srgbClr val="FF0000"/>
+                </a:solidFill>
+              </a:rPr>
+              <a:t>Note: The code is not smart enough to handle multiple SEP events in a row – please contact Katie if you want to use the code for a specific event and run into problems; Updates and modifications will be ongoing and made public</a:t>
+            </a:r>
+            <a:endParaRPr lang="en-US" sz="1600" dirty="0"/>
+          </a:p>
+          <a:p>
+            <a:pPr lvl="1"/>
+            <a:endParaRPr lang="en-US" sz="1600" dirty="0"/>
+          </a:p>
+        </p:txBody>
+      </p:sp>
+      <p:sp>
+        <p:nvSpPr>
+          <p:cNvPr id="4" name="Slide Number Placeholder 3">
+            <a:extLst>
+              <a:ext uri="{FF2B5EF4-FFF2-40B4-BE49-F238E27FC236}">
+                <a16:creationId xmlns:a16="http://schemas.microsoft.com/office/drawing/2014/main" id="{F33D2510-B8F9-4B4F-A7E9-87654BDE4480}"/>
+              </a:ext>
+            </a:extLst>
+          </p:cNvPr>
+          <p:cNvSpPr>
+            <a:spLocks noGrp="1"/>
+          </p:cNvSpPr>
+          <p:nvPr>
+            <p:ph type="sldNum" sz="quarter" idx="12"/>
+          </p:nvPr>
+        </p:nvSpPr>
+        <p:spPr/>
+        <p:txBody>
+          <a:bodyPr/>
+          <a:lstStyle/>
+          <a:p>
+            <a:fld id="{BC9E6684-BBAF-2B44-BA0B-A4B011DBF27F}" type="slidenum">
+              <a:rPr lang="en-US" smtClean="0"/>
+              <a:t>11</a:t>
+            </a:fld>
+            <a:endParaRPr lang="en-US"/>
+          </a:p>
+        </p:txBody>
+      </p:sp>
+    </p:spTree>
+    <p:extLst>
+      <p:ext uri="{BB962C8B-B14F-4D97-AF65-F5344CB8AC3E}">
+        <p14:creationId xmlns:p14="http://schemas.microsoft.com/office/powerpoint/2010/main" val="812761521"/>
+      </p:ext>
+    </p:extLst>
+  </p:cSld>
+  <p:clrMapOvr>
+    <a:masterClrMapping/>
+  </p:clrMapOvr>
+</p:sld>
+</file>
+
+<file path=ppt/slides/slide12.xml><?xml version="1.0" encoding="utf-8"?>
+<p:sld xmlns:a="http://schemas.openxmlformats.org/drawingml/2006/main" xmlns:r="http://schemas.openxmlformats.org/officeDocument/2006/relationships" xmlns:p="http://schemas.openxmlformats.org/presentationml/2006/main">
+  <p:cSld>
+    <p:spTree>
+      <p:nvGrpSpPr>
+        <p:cNvPr id="1" name=""/>
+        <p:cNvGrpSpPr/>
+        <p:nvPr/>
+      </p:nvGrpSpPr>
+      <p:grpSpPr>
+        <a:xfrm>
+          <a:off x="0" y="0"/>
+          <a:ext cx="0" cy="0"/>
+          <a:chOff x="0" y="0"/>
+          <a:chExt cx="0" cy="0"/>
+        </a:xfrm>
+      </p:grpSpPr>
+      <p:sp>
+        <p:nvSpPr>
+          <p:cNvPr id="2" name="Title 1">
+            <a:extLst>
+              <a:ext uri="{FF2B5EF4-FFF2-40B4-BE49-F238E27FC236}">
+                <a16:creationId xmlns:a16="http://schemas.microsoft.com/office/drawing/2014/main" id="{D7D4E22E-7E71-764B-91AD-EEB77EE1531F}"/>
+              </a:ext>
+            </a:extLst>
+          </p:cNvPr>
+          <p:cNvSpPr>
+            <a:spLocks noGrp="1"/>
+          </p:cNvSpPr>
+          <p:nvPr>
+            <p:ph type="title"/>
+          </p:nvPr>
+        </p:nvSpPr>
+        <p:spPr/>
+        <p:txBody>
+          <a:bodyPr>
+            <a:normAutofit/>
+          </a:bodyPr>
+          <a:lstStyle/>
+          <a:p>
+            <a:r>
+              <a:rPr lang="en-US" sz="3200" b="1" dirty="0"/>
+              <a:t>Description: </a:t>
+            </a:r>
+            <a:r>
+              <a:rPr lang="en-US" sz="3200" dirty="0"/>
+              <a:t>Code to Calculate SEP Operational Quantities</a:t>
+            </a:r>
+          </a:p>
+        </p:txBody>
+      </p:sp>
+      <p:sp>
+        <p:nvSpPr>
+          <p:cNvPr id="3" name="Content Placeholder 2">
+            <a:extLst>
+              <a:ext uri="{FF2B5EF4-FFF2-40B4-BE49-F238E27FC236}">
+                <a16:creationId xmlns:a16="http://schemas.microsoft.com/office/drawing/2014/main" id="{831CA6E5-AA66-894B-ACEA-4155931F76AA}"/>
+              </a:ext>
+            </a:extLst>
+          </p:cNvPr>
+          <p:cNvSpPr>
+            <a:spLocks noGrp="1"/>
+          </p:cNvSpPr>
+          <p:nvPr>
+            <p:ph idx="1"/>
+          </p:nvPr>
+        </p:nvSpPr>
+        <p:spPr>
+          <a:xfrm>
+            <a:off x="838200" y="1609871"/>
+            <a:ext cx="10515600" cy="4893668"/>
+          </a:xfrm>
+        </p:spPr>
+        <p:txBody>
+          <a:bodyPr>
+            <a:normAutofit lnSpcReduction="10000"/>
+          </a:bodyPr>
+          <a:lstStyle/>
+          <a:p>
+            <a:r>
+              <a:rPr lang="en-US" sz="2400" dirty="0"/>
+              <a:t>The code, </a:t>
+            </a:r>
+            <a:r>
+              <a:rPr lang="en-US" sz="2400" b="1" dirty="0" err="1"/>
+              <a:t>operational_sep_quantities.py</a:t>
+            </a:r>
+            <a:r>
+              <a:rPr lang="en-US" sz="2400" dirty="0"/>
+              <a:t>, does the following for a single SEP event:</a:t>
+            </a:r>
+            <a:endParaRPr lang="en-US" sz="1800" dirty="0"/>
+          </a:p>
+          <a:p>
+            <a:pPr marL="800100" lvl="1" indent="-342900">
+              <a:buFont typeface="+mj-lt"/>
+              <a:buAutoNum type="arabicPeriod"/>
+            </a:pPr>
+            <a:r>
+              <a:rPr lang="en-US" sz="2000" dirty="0"/>
+              <a:t>Creates “data” and ”output” directories</a:t>
+            </a:r>
+          </a:p>
+          <a:p>
+            <a:pPr marL="800100" lvl="1" indent="-342900">
+              <a:buFont typeface="+mj-lt"/>
+              <a:buAutoNum type="arabicPeriod"/>
+            </a:pPr>
+            <a:endParaRPr lang="en-US" sz="2000" dirty="0"/>
+          </a:p>
+          <a:p>
+            <a:pPr marL="800100" lvl="1" indent="-342900">
+              <a:buFont typeface="+mj-lt"/>
+              <a:buAutoNum type="arabicPeriod"/>
+            </a:pPr>
+            <a:r>
+              <a:rPr lang="en-US" sz="2000" dirty="0"/>
+              <a:t>Automatically downloads GOES-8 to GOES-15 data for requested time periods into “data”</a:t>
+            </a:r>
+          </a:p>
+          <a:p>
+            <a:pPr lvl="2"/>
+            <a:r>
+              <a:rPr lang="en-US" sz="1600" dirty="0"/>
+              <a:t>User must match spacecraft to requested time period</a:t>
+            </a:r>
+          </a:p>
+          <a:p>
+            <a:pPr lvl="2"/>
+            <a:endParaRPr lang="en-US" dirty="0"/>
+          </a:p>
+          <a:p>
+            <a:pPr marL="800100" lvl="1" indent="-342900">
+              <a:buFont typeface="+mj-lt"/>
+              <a:buAutoNum type="arabicPeriod"/>
+            </a:pPr>
+            <a:r>
+              <a:rPr lang="en-US" sz="2000" dirty="0"/>
+              <a:t>To use SEPEM data, the user must first manually download and unzip file (URL in code) into ”data” directory. The code will then break up the data set into yearly files for faster reading.</a:t>
+            </a:r>
+          </a:p>
+          <a:p>
+            <a:pPr marL="800100" lvl="1" indent="-342900">
+              <a:buFont typeface="+mj-lt"/>
+              <a:buAutoNum type="arabicPeriod"/>
+            </a:pPr>
+            <a:endParaRPr lang="en-US" sz="2000" dirty="0"/>
+          </a:p>
+          <a:p>
+            <a:pPr marL="800100" lvl="1" indent="-342900">
+              <a:buFont typeface="+mj-lt"/>
+              <a:buAutoNum type="arabicPeriod"/>
+            </a:pPr>
+            <a:r>
+              <a:rPr lang="en-US" sz="2000" dirty="0"/>
+              <a:t>Searches for data gaps (e.g. -999, assumes any negative flux is a data gap) and fills in the missing data by applying a </a:t>
+            </a:r>
+            <a:r>
+              <a:rPr lang="en-US" sz="2000" b="1" dirty="0">
+                <a:solidFill>
+                  <a:srgbClr val="FF0000"/>
+                </a:solidFill>
+              </a:rPr>
+              <a:t>linear interpolation with time</a:t>
+            </a:r>
+          </a:p>
+          <a:p>
+            <a:pPr lvl="2"/>
+            <a:r>
+              <a:rPr lang="en-US" sz="1600" dirty="0"/>
+              <a:t>Zero flux is treated as a valid value as model code may have real zero values</a:t>
+            </a:r>
+          </a:p>
+          <a:p>
+            <a:pPr lvl="2"/>
+            <a:endParaRPr lang="en-US" dirty="0"/>
+          </a:p>
+          <a:p>
+            <a:pPr marL="800100" lvl="1" indent="-342900">
+              <a:buFont typeface="+mj-lt"/>
+              <a:buAutoNum type="arabicPeriod"/>
+            </a:pPr>
+            <a:r>
+              <a:rPr lang="en-US" sz="2000" dirty="0"/>
+              <a:t>If user selects differential channels, code will estimate &gt;10 and &gt;100 MeV fluxes using </a:t>
+            </a:r>
+            <a:r>
+              <a:rPr lang="en-US" sz="2000" b="1" dirty="0">
+                <a:solidFill>
+                  <a:srgbClr val="FF0000"/>
+                </a:solidFill>
+              </a:rPr>
+              <a:t>power-law interpolation across the energy bins</a:t>
+            </a:r>
+          </a:p>
+        </p:txBody>
+      </p:sp>
+      <p:sp>
+        <p:nvSpPr>
+          <p:cNvPr id="4" name="Slide Number Placeholder 3">
+            <a:extLst>
+              <a:ext uri="{FF2B5EF4-FFF2-40B4-BE49-F238E27FC236}">
+                <a16:creationId xmlns:a16="http://schemas.microsoft.com/office/drawing/2014/main" id="{6739D861-DA24-B942-865A-EDC1A883394A}"/>
+              </a:ext>
+            </a:extLst>
+          </p:cNvPr>
+          <p:cNvSpPr>
+            <a:spLocks noGrp="1"/>
+          </p:cNvSpPr>
+          <p:nvPr>
+            <p:ph type="sldNum" sz="quarter" idx="12"/>
+          </p:nvPr>
+        </p:nvSpPr>
+        <p:spPr/>
+        <p:txBody>
+          <a:bodyPr/>
+          <a:lstStyle/>
+          <a:p>
+            <a:fld id="{BC9E6684-BBAF-2B44-BA0B-A4B011DBF27F}" type="slidenum">
+              <a:rPr lang="en-US" smtClean="0"/>
+              <a:t>12</a:t>
+            </a:fld>
+            <a:endParaRPr lang="en-US"/>
+          </a:p>
+        </p:txBody>
+      </p:sp>
+    </p:spTree>
+    <p:extLst>
+      <p:ext uri="{BB962C8B-B14F-4D97-AF65-F5344CB8AC3E}">
+        <p14:creationId xmlns:p14="http://schemas.microsoft.com/office/powerpoint/2010/main" val="712017210"/>
+      </p:ext>
+    </p:extLst>
+  </p:cSld>
+  <p:clrMapOvr>
+    <a:masterClrMapping/>
+  </p:clrMapOvr>
+</p:sld>
+</file>
+
+<file path=ppt/slides/slide13.xml><?xml version="1.0" encoding="utf-8"?>
+<p:sld xmlns:a="http://schemas.openxmlformats.org/drawingml/2006/main" xmlns:r="http://schemas.openxmlformats.org/officeDocument/2006/relationships" xmlns:p="http://schemas.openxmlformats.org/presentationml/2006/main">
+  <p:cSld>
+    <p:spTree>
+      <p:nvGrpSpPr>
+        <p:cNvPr id="1" name=""/>
+        <p:cNvGrpSpPr/>
+        <p:nvPr/>
+      </p:nvGrpSpPr>
+      <p:grpSpPr>
+        <a:xfrm>
+          <a:off x="0" y="0"/>
+          <a:ext cx="0" cy="0"/>
+          <a:chOff x="0" y="0"/>
+          <a:chExt cx="0" cy="0"/>
+        </a:xfrm>
+      </p:grpSpPr>
+      <p:sp>
+        <p:nvSpPr>
+          <p:cNvPr id="2" name="Title 1">
+            <a:extLst>
+              <a:ext uri="{FF2B5EF4-FFF2-40B4-BE49-F238E27FC236}">
+                <a16:creationId xmlns:a16="http://schemas.microsoft.com/office/drawing/2014/main" id="{D7D4E22E-7E71-764B-91AD-EEB77EE1531F}"/>
+              </a:ext>
+            </a:extLst>
+          </p:cNvPr>
+          <p:cNvSpPr>
+            <a:spLocks noGrp="1"/>
+          </p:cNvSpPr>
+          <p:nvPr>
+            <p:ph type="title"/>
+          </p:nvPr>
+        </p:nvSpPr>
+        <p:spPr/>
+        <p:txBody>
+          <a:bodyPr>
+            <a:normAutofit/>
+          </a:bodyPr>
+          <a:lstStyle/>
+          <a:p>
+            <a:r>
+              <a:rPr lang="en-US" sz="3200" b="1" dirty="0"/>
+              <a:t>Description: </a:t>
+            </a:r>
+            <a:r>
+              <a:rPr lang="en-US" sz="3200" dirty="0"/>
+              <a:t>Code to Calculate SEP Operational Quantities</a:t>
+            </a:r>
+          </a:p>
+        </p:txBody>
+      </p:sp>
+      <p:sp>
+        <p:nvSpPr>
+          <p:cNvPr id="3" name="Content Placeholder 2">
+            <a:extLst>
+              <a:ext uri="{FF2B5EF4-FFF2-40B4-BE49-F238E27FC236}">
+                <a16:creationId xmlns:a16="http://schemas.microsoft.com/office/drawing/2014/main" id="{831CA6E5-AA66-894B-ACEA-4155931F76AA}"/>
+              </a:ext>
+            </a:extLst>
+          </p:cNvPr>
+          <p:cNvSpPr>
+            <a:spLocks noGrp="1"/>
+          </p:cNvSpPr>
+          <p:nvPr>
+            <p:ph idx="1"/>
+          </p:nvPr>
+        </p:nvSpPr>
+        <p:spPr>
+          <a:xfrm>
+            <a:off x="838200" y="1609871"/>
+            <a:ext cx="10515600" cy="4893668"/>
+          </a:xfrm>
+        </p:spPr>
+        <p:txBody>
+          <a:bodyPr>
+            <a:normAutofit lnSpcReduction="10000"/>
+          </a:bodyPr>
+          <a:lstStyle/>
+          <a:p>
+            <a:r>
+              <a:rPr lang="en-US" sz="2400" dirty="0"/>
+              <a:t>The code, </a:t>
+            </a:r>
+            <a:r>
+              <a:rPr lang="en-US" sz="2400" b="1" dirty="0" err="1"/>
+              <a:t>operational_sep_quantities.py</a:t>
+            </a:r>
+            <a:r>
+              <a:rPr lang="en-US" sz="2400" dirty="0"/>
+              <a:t>, does the following for a single SEP event:</a:t>
+            </a:r>
+            <a:endParaRPr lang="en-US" sz="1800" dirty="0"/>
+          </a:p>
+          <a:p>
+            <a:pPr marL="800100" lvl="1" indent="-342900">
+              <a:buFont typeface="+mj-lt"/>
+              <a:buAutoNum type="arabicPeriod" startAt="6"/>
+            </a:pPr>
+            <a:r>
+              <a:rPr lang="en-US" sz="2000" dirty="0"/>
+              <a:t>Calculates threshold crossing times, peak flux, peak time, rise time (onset to peak), event end, and duration</a:t>
+            </a:r>
+          </a:p>
+          <a:p>
+            <a:pPr lvl="2"/>
+            <a:r>
+              <a:rPr lang="en-US" sz="1600" dirty="0"/>
+              <a:t>Calculates all for &gt;10 MeV, 10 pfu and &gt;100 MeV, 1 pfu thresholds; will additionally calculate for a user-input threshold</a:t>
+            </a:r>
+          </a:p>
+          <a:p>
+            <a:pPr lvl="2"/>
+            <a:r>
+              <a:rPr lang="en-US" sz="1600" b="1" dirty="0"/>
+              <a:t>An event ends when three consecutive data points fall below 0.85*threshold</a:t>
+            </a:r>
+          </a:p>
+          <a:p>
+            <a:pPr lvl="2"/>
+            <a:r>
+              <a:rPr lang="en-US" sz="1600" dirty="0"/>
+              <a:t>Peak flux is the highest flux measured between event start and end times</a:t>
+            </a:r>
+          </a:p>
+          <a:p>
+            <a:pPr marL="800100" lvl="1" indent="-342900">
+              <a:buFont typeface="+mj-lt"/>
+              <a:buAutoNum type="arabicPeriod" startAt="6"/>
+            </a:pPr>
+            <a:endParaRPr lang="en-US" sz="2000" dirty="0"/>
+          </a:p>
+          <a:p>
+            <a:pPr marL="800100" lvl="1" indent="-342900">
+              <a:buFont typeface="+mj-lt"/>
+              <a:buAutoNum type="arabicPeriod" startAt="6"/>
+            </a:pPr>
+            <a:r>
+              <a:rPr lang="en-US" sz="2000" dirty="0"/>
+              <a:t>Calculates event-integrated fluence of original channels (integral or differential) as well as event-integrated fluence corresponding to &gt;10 MeV and &gt;100 MeV fluxes (estimated if the original channels were differential)</a:t>
+            </a:r>
+          </a:p>
+          <a:p>
+            <a:pPr marL="800100" lvl="1" indent="-342900">
+              <a:buFont typeface="+mj-lt"/>
+              <a:buAutoNum type="arabicPeriod" startAt="6"/>
+            </a:pPr>
+            <a:endParaRPr lang="en-US" sz="2000" dirty="0"/>
+          </a:p>
+          <a:p>
+            <a:pPr marL="800100" lvl="1" indent="-342900">
+              <a:buFont typeface="+mj-lt"/>
+              <a:buAutoNum type="arabicPeriod" startAt="6"/>
+            </a:pPr>
+            <a:r>
+              <a:rPr lang="en-US" sz="2000" dirty="0"/>
+              <a:t>Fluences and event values are saved to files in “output” directory</a:t>
+            </a:r>
+          </a:p>
+          <a:p>
+            <a:pPr marL="800100" lvl="1" indent="-342900">
+              <a:buFont typeface="+mj-lt"/>
+              <a:buAutoNum type="arabicPeriod" startAt="6"/>
+            </a:pPr>
+            <a:endParaRPr lang="en-US" sz="2000" dirty="0"/>
+          </a:p>
+          <a:p>
+            <a:pPr marL="800100" lvl="1" indent="-342900">
+              <a:buFont typeface="+mj-lt"/>
+              <a:buAutoNum type="arabicPeriod" startAt="6"/>
+            </a:pPr>
+            <a:r>
+              <a:rPr lang="en-US" sz="2000" dirty="0"/>
+              <a:t>Shows useful plots with start and end times identified (</a:t>
+            </a:r>
+            <a:r>
+              <a:rPr lang="en-US" sz="2000" b="1" dirty="0"/>
+              <a:t>close plots for program to continue</a:t>
+            </a:r>
+            <a:r>
+              <a:rPr lang="en-US" sz="2000" dirty="0"/>
+              <a:t>)</a:t>
+            </a:r>
+          </a:p>
+        </p:txBody>
+      </p:sp>
+      <p:sp>
+        <p:nvSpPr>
+          <p:cNvPr id="4" name="Slide Number Placeholder 3">
+            <a:extLst>
+              <a:ext uri="{FF2B5EF4-FFF2-40B4-BE49-F238E27FC236}">
+                <a16:creationId xmlns:a16="http://schemas.microsoft.com/office/drawing/2014/main" id="{DE821631-36D8-914C-9E2E-223004E56E62}"/>
+              </a:ext>
+            </a:extLst>
+          </p:cNvPr>
+          <p:cNvSpPr>
+            <a:spLocks noGrp="1"/>
+          </p:cNvSpPr>
+          <p:nvPr>
+            <p:ph type="sldNum" sz="quarter" idx="12"/>
+          </p:nvPr>
+        </p:nvSpPr>
+        <p:spPr/>
+        <p:txBody>
+          <a:bodyPr/>
+          <a:lstStyle/>
+          <a:p>
+            <a:fld id="{BC9E6684-BBAF-2B44-BA0B-A4B011DBF27F}" type="slidenum">
+              <a:rPr lang="en-US" smtClean="0"/>
+              <a:t>13</a:t>
+            </a:fld>
+            <a:endParaRPr lang="en-US"/>
+          </a:p>
+        </p:txBody>
+      </p:sp>
+    </p:spTree>
+    <p:extLst>
+      <p:ext uri="{BB962C8B-B14F-4D97-AF65-F5344CB8AC3E}">
+        <p14:creationId xmlns:p14="http://schemas.microsoft.com/office/powerpoint/2010/main" val="3504079487"/>
+      </p:ext>
+    </p:extLst>
+  </p:cSld>
+  <p:clrMapOvr>
+    <a:masterClrMapping/>
+  </p:clrMapOvr>
+</p:sld>
+</file>
+
+<file path=ppt/slides/slide14.xml><?xml version="1.0" encoding="utf-8"?>
+<p:sld xmlns:a="http://schemas.openxmlformats.org/drawingml/2006/main" xmlns:r="http://schemas.openxmlformats.org/officeDocument/2006/relationships" xmlns:p="http://schemas.openxmlformats.org/presentationml/2006/main">
+  <p:cSld>
+    <p:spTree>
+      <p:nvGrpSpPr>
+        <p:cNvPr id="1" name=""/>
+        <p:cNvGrpSpPr/>
+        <p:nvPr/>
+      </p:nvGrpSpPr>
+      <p:grpSpPr>
+        <a:xfrm>
+          <a:off x="0" y="0"/>
+          <a:ext cx="0" cy="0"/>
+          <a:chOff x="0" y="0"/>
+          <a:chExt cx="0" cy="0"/>
+        </a:xfrm>
+      </p:grpSpPr>
+      <p:sp>
+        <p:nvSpPr>
+          <p:cNvPr id="2" name="Title 1">
+            <a:extLst>
+              <a:ext uri="{FF2B5EF4-FFF2-40B4-BE49-F238E27FC236}">
+                <a16:creationId xmlns:a16="http://schemas.microsoft.com/office/drawing/2014/main" id="{9E86FFA0-1D01-AC45-82EC-8F39E175F520}"/>
+              </a:ext>
+            </a:extLst>
+          </p:cNvPr>
+          <p:cNvSpPr>
+            <a:spLocks noGrp="1"/>
+          </p:cNvSpPr>
+          <p:nvPr>
+            <p:ph type="title"/>
+          </p:nvPr>
+        </p:nvSpPr>
+        <p:spPr/>
+        <p:txBody>
+          <a:bodyPr>
+            <a:normAutofit/>
+          </a:bodyPr>
+          <a:lstStyle/>
+          <a:p>
+            <a:r>
+              <a:rPr lang="en-US" sz="3600" dirty="0"/>
+              <a:t>INSTRUCTIONS: To Run the Code</a:t>
+            </a:r>
+          </a:p>
+        </p:txBody>
+      </p:sp>
+      <p:sp>
+        <p:nvSpPr>
+          <p:cNvPr id="3" name="TextBox 2">
+            <a:extLst>
+              <a:ext uri="{FF2B5EF4-FFF2-40B4-BE49-F238E27FC236}">
+                <a16:creationId xmlns:a16="http://schemas.microsoft.com/office/drawing/2014/main" id="{D2BBCC0E-D940-9D4C-9875-A702E1E78409}"/>
+              </a:ext>
+            </a:extLst>
+          </p:cNvPr>
+          <p:cNvSpPr txBox="1"/>
+          <p:nvPr/>
+        </p:nvSpPr>
+        <p:spPr>
+          <a:xfrm>
+            <a:off x="182880" y="1550829"/>
+            <a:ext cx="11718388" cy="5170646"/>
+          </a:xfrm>
+          <a:prstGeom prst="rect">
+            <a:avLst/>
+          </a:prstGeom>
+          <a:noFill/>
+        </p:spPr>
+        <p:txBody>
+          <a:bodyPr wrap="square" rtlCol="0">
+            <a:spAutoFit/>
+          </a:bodyPr>
+          <a:lstStyle/>
+          <a:p>
+            <a:r>
+              <a:rPr lang="en-US" sz="1600" b="1" dirty="0"/>
+              <a:t>RUN CODE FROM COMMAND LINE, e.g.:</a:t>
+            </a:r>
+          </a:p>
+          <a:p>
+            <a:r>
+              <a:rPr lang="en-US" sz="1600" dirty="0"/>
+              <a:t>python3 </a:t>
+            </a:r>
+            <a:r>
+              <a:rPr lang="en-US" sz="1600" dirty="0" err="1"/>
+              <a:t>operational_sep_quantities.py</a:t>
+            </a:r>
+            <a:r>
+              <a:rPr lang="en-US" sz="1600" dirty="0"/>
+              <a:t> --StartDate 2012-05-17 --</a:t>
+            </a:r>
+            <a:r>
+              <a:rPr lang="en-US" sz="1600" dirty="0" err="1"/>
+              <a:t>EndDate</a:t>
+            </a:r>
+            <a:r>
+              <a:rPr lang="en-US" sz="1600" dirty="0"/>
+              <a:t> '2012-05-19 12:00:00' --Experiment GOES-13 --</a:t>
+            </a:r>
+            <a:r>
+              <a:rPr lang="en-US" sz="1600" dirty="0" err="1"/>
+              <a:t>FluxType</a:t>
+            </a:r>
+            <a:r>
+              <a:rPr lang="en-US" sz="1600" dirty="0"/>
+              <a:t> integral   --</a:t>
+            </a:r>
+            <a:r>
+              <a:rPr lang="en-US" sz="1600" dirty="0" err="1"/>
+              <a:t>showplot</a:t>
+            </a:r>
+            <a:endParaRPr lang="en-US" sz="1600" dirty="0"/>
+          </a:p>
+          <a:p>
+            <a:endParaRPr lang="en-US" sz="1600" dirty="0"/>
+          </a:p>
+          <a:p>
+            <a:r>
+              <a:rPr lang="en-US" sz="1600" b="1" dirty="0"/>
+              <a:t>RUN CODE FROM COMMAND FOR USER DATA SET:</a:t>
+            </a:r>
+          </a:p>
+          <a:p>
+            <a:r>
+              <a:rPr lang="en-US" sz="1600" dirty="0"/>
+              <a:t>python3 </a:t>
+            </a:r>
+            <a:r>
+              <a:rPr lang="en-US" sz="1600" dirty="0" err="1"/>
+              <a:t>operational_sep_quantities.py</a:t>
+            </a:r>
+            <a:r>
+              <a:rPr lang="en-US" sz="1600" dirty="0"/>
+              <a:t> --StartDate 2012-05-17 --</a:t>
+            </a:r>
+            <a:r>
+              <a:rPr lang="en-US" sz="1600" dirty="0" err="1"/>
+              <a:t>EndDate</a:t>
+            </a:r>
+            <a:r>
+              <a:rPr lang="en-US" sz="1600" dirty="0"/>
+              <a:t> '2012-05-19 12:00:00' --Experiment user --</a:t>
+            </a:r>
+            <a:r>
+              <a:rPr lang="en-US" sz="1600" dirty="0" err="1"/>
+              <a:t>ModelName</a:t>
+            </a:r>
+            <a:r>
+              <a:rPr lang="en-US" sz="1600" dirty="0"/>
+              <a:t> </a:t>
+            </a:r>
+            <a:r>
+              <a:rPr lang="en-US" sz="1600" dirty="0" err="1"/>
+              <a:t>MyModel</a:t>
+            </a:r>
+            <a:r>
+              <a:rPr lang="en-US" sz="1600" dirty="0"/>
+              <a:t> --</a:t>
+            </a:r>
+            <a:r>
+              <a:rPr lang="en-US" sz="1600" dirty="0" err="1"/>
+              <a:t>UserFile</a:t>
+            </a:r>
+            <a:r>
+              <a:rPr lang="en-US" sz="1600" dirty="0"/>
+              <a:t> </a:t>
+            </a:r>
+            <a:r>
+              <a:rPr lang="en-US" sz="1600" dirty="0" err="1"/>
+              <a:t>MyFluxes.txt</a:t>
+            </a:r>
+            <a:r>
+              <a:rPr lang="en-US" sz="1600" dirty="0"/>
+              <a:t> --</a:t>
+            </a:r>
+            <a:r>
+              <a:rPr lang="en-US" sz="1600" dirty="0" err="1"/>
+              <a:t>FluxType</a:t>
+            </a:r>
+            <a:r>
+              <a:rPr lang="en-US" sz="1600" dirty="0"/>
+              <a:t> integral --</a:t>
+            </a:r>
+            <a:r>
+              <a:rPr lang="en-US" sz="1600" dirty="0" err="1"/>
+              <a:t>showplot</a:t>
+            </a:r>
+            <a:endParaRPr lang="en-US" sz="1600" dirty="0"/>
+          </a:p>
+          <a:p>
+            <a:endParaRPr lang="en-US" sz="1600" dirty="0"/>
+          </a:p>
+          <a:p>
+            <a:r>
+              <a:rPr lang="en-US" sz="1600" b="1" dirty="0"/>
+              <a:t>RUN CODE IMPORTED INTO ANOTHER PYTHON PROGRAM, e.g.:</a:t>
+            </a:r>
+          </a:p>
+          <a:p>
+            <a:r>
+              <a:rPr lang="en-US" sz="1600" dirty="0"/>
+              <a:t>import </a:t>
+            </a:r>
+            <a:r>
+              <a:rPr lang="en-US" sz="1600" dirty="0" err="1"/>
+              <a:t>operational_sep_quantities</a:t>
+            </a:r>
+            <a:r>
+              <a:rPr lang="en-US" sz="1600" dirty="0"/>
+              <a:t> as </a:t>
+            </a:r>
+            <a:r>
+              <a:rPr lang="en-US" sz="1600" dirty="0" err="1"/>
+              <a:t>sep</a:t>
+            </a:r>
+            <a:endParaRPr lang="en-US" sz="1600" dirty="0"/>
+          </a:p>
+          <a:p>
+            <a:r>
+              <a:rPr lang="en-US" sz="1600" dirty="0" err="1"/>
+              <a:t>start_date</a:t>
+            </a:r>
+            <a:r>
+              <a:rPr lang="en-US" sz="1600" dirty="0"/>
+              <a:t> = '2012-05-17'</a:t>
+            </a:r>
+          </a:p>
+          <a:p>
+            <a:r>
+              <a:rPr lang="en-US" sz="1600" dirty="0" err="1"/>
+              <a:t>end_date</a:t>
+            </a:r>
+            <a:r>
+              <a:rPr lang="en-US" sz="1600" dirty="0"/>
+              <a:t> = '2012-05-19 12:00:00'</a:t>
+            </a:r>
+          </a:p>
+          <a:p>
+            <a:r>
+              <a:rPr lang="en-US" sz="1600" dirty="0"/>
+              <a:t>experiment = 'GOES-13'</a:t>
+            </a:r>
+          </a:p>
+          <a:p>
+            <a:r>
+              <a:rPr lang="en-US" sz="1600" dirty="0" err="1"/>
+              <a:t>flux_type</a:t>
+            </a:r>
+            <a:r>
+              <a:rPr lang="en-US" sz="1600" dirty="0"/>
+              <a:t> = 'integral'</a:t>
+            </a:r>
+          </a:p>
+          <a:p>
+            <a:r>
+              <a:rPr lang="en-US" sz="1600" dirty="0" err="1"/>
+              <a:t>model_name</a:t>
+            </a:r>
+            <a:r>
+              <a:rPr lang="en-US" sz="1600" dirty="0"/>
+              <a:t> = '' #if experiment is user, set </a:t>
+            </a:r>
+            <a:r>
+              <a:rPr lang="en-US" sz="1600" dirty="0" err="1"/>
+              <a:t>model_name</a:t>
+            </a:r>
+            <a:r>
+              <a:rPr lang="en-US" sz="1600" dirty="0"/>
+              <a:t> to describe data set</a:t>
+            </a:r>
+          </a:p>
+          <a:p>
+            <a:r>
+              <a:rPr lang="en-US" sz="1600" dirty="0" err="1"/>
+              <a:t>user_file</a:t>
+            </a:r>
+            <a:r>
+              <a:rPr lang="en-US" sz="1600" dirty="0"/>
+              <a:t> = ''</a:t>
+            </a:r>
+          </a:p>
+          <a:p>
+            <a:r>
+              <a:rPr lang="en-US" sz="1600" dirty="0" err="1"/>
+              <a:t>showplot</a:t>
+            </a:r>
+            <a:r>
+              <a:rPr lang="en-US" sz="1600" dirty="0"/>
+              <a:t> = True</a:t>
+            </a:r>
+          </a:p>
+          <a:p>
+            <a:r>
+              <a:rPr lang="en-US" sz="1600" dirty="0" err="1"/>
+              <a:t>detect_prev_event</a:t>
+            </a:r>
+            <a:r>
+              <a:rPr lang="en-US" sz="1600" dirty="0"/>
+              <a:t> = True</a:t>
+            </a:r>
+          </a:p>
+          <a:p>
+            <a:r>
+              <a:rPr lang="en-US" sz="1600" dirty="0"/>
+              <a:t>threshold = '100,1' #default; modify to add a threshold to 10,10 and 100,1</a:t>
+            </a:r>
+          </a:p>
+          <a:p>
+            <a:r>
+              <a:rPr lang="en-US" sz="1600" dirty="0" err="1"/>
+              <a:t>sep.run_all</a:t>
+            </a:r>
+            <a:r>
+              <a:rPr lang="en-US" sz="1600" dirty="0"/>
+              <a:t>(</a:t>
+            </a:r>
+            <a:r>
+              <a:rPr lang="en-US" sz="1600" dirty="0" err="1"/>
+              <a:t>start_date</a:t>
+            </a:r>
+            <a:r>
+              <a:rPr lang="en-US" sz="1600" dirty="0"/>
+              <a:t>, </a:t>
+            </a:r>
+            <a:r>
+              <a:rPr lang="en-US" sz="1600" dirty="0" err="1"/>
+              <a:t>end_date</a:t>
+            </a:r>
+            <a:r>
+              <a:rPr lang="en-US" sz="1600" dirty="0"/>
+              <a:t>, experiment, </a:t>
+            </a:r>
+            <a:r>
+              <a:rPr lang="en-US" sz="1600" dirty="0" err="1"/>
+              <a:t>flux_type</a:t>
+            </a:r>
+            <a:r>
+              <a:rPr lang="en-US" sz="1600" dirty="0"/>
+              <a:t>, </a:t>
+            </a:r>
+            <a:r>
+              <a:rPr lang="en-US" sz="1600" dirty="0" err="1"/>
+              <a:t>model_name</a:t>
+            </a:r>
+            <a:r>
+              <a:rPr lang="en-US" sz="1600" dirty="0"/>
+              <a:t>, </a:t>
+            </a:r>
+            <a:r>
+              <a:rPr lang="en-US" sz="1600" dirty="0" err="1"/>
+              <a:t>user_file</a:t>
+            </a:r>
+            <a:r>
+              <a:rPr lang="en-US" sz="1600" dirty="0"/>
+              <a:t>, </a:t>
+            </a:r>
+            <a:r>
+              <a:rPr lang="en-US" sz="1600" dirty="0" err="1"/>
+              <a:t>showplot</a:t>
+            </a:r>
+            <a:r>
+              <a:rPr lang="en-US" sz="1600" dirty="0"/>
+              <a:t>, </a:t>
+            </a:r>
+            <a:r>
+              <a:rPr lang="en-US" sz="1600" dirty="0" err="1"/>
+              <a:t>detect_prev_event</a:t>
+            </a:r>
+            <a:r>
+              <a:rPr lang="en-US" sz="1600" dirty="0"/>
+              <a:t>, threshold)</a:t>
+            </a:r>
+          </a:p>
+        </p:txBody>
+      </p:sp>
+      <p:sp>
+        <p:nvSpPr>
+          <p:cNvPr id="4" name="Slide Number Placeholder 3">
+            <a:extLst>
+              <a:ext uri="{FF2B5EF4-FFF2-40B4-BE49-F238E27FC236}">
+                <a16:creationId xmlns:a16="http://schemas.microsoft.com/office/drawing/2014/main" id="{A77130CD-E32F-B441-9A1D-D937A56FA4AE}"/>
+              </a:ext>
+            </a:extLst>
+          </p:cNvPr>
+          <p:cNvSpPr>
+            <a:spLocks noGrp="1"/>
+          </p:cNvSpPr>
+          <p:nvPr>
+            <p:ph type="sldNum" sz="quarter" idx="12"/>
+          </p:nvPr>
+        </p:nvSpPr>
+        <p:spPr/>
+        <p:txBody>
+          <a:bodyPr/>
+          <a:lstStyle/>
+          <a:p>
+            <a:fld id="{BC9E6684-BBAF-2B44-BA0B-A4B011DBF27F}" type="slidenum">
+              <a:rPr lang="en-US" smtClean="0"/>
+              <a:t>14</a:t>
+            </a:fld>
+            <a:endParaRPr lang="en-US"/>
+          </a:p>
+        </p:txBody>
+      </p:sp>
+    </p:spTree>
+    <p:extLst>
+      <p:ext uri="{BB962C8B-B14F-4D97-AF65-F5344CB8AC3E}">
+        <p14:creationId xmlns:p14="http://schemas.microsoft.com/office/powerpoint/2010/main" val="537238397"/>
+      </p:ext>
+    </p:extLst>
+  </p:cSld>
+  <p:clrMapOvr>
+    <a:masterClrMapping/>
+  </p:clrMapOvr>
+</p:sld>
+</file>
+
+<file path=ppt/slides/slide15.xml><?xml version="1.0" encoding="utf-8"?>
+<p:sld xmlns:a="http://schemas.openxmlformats.org/drawingml/2006/main" xmlns:r="http://schemas.openxmlformats.org/officeDocument/2006/relationships" xmlns:p="http://schemas.openxmlformats.org/presentationml/2006/main">
+  <p:cSld>
+    <p:spTree>
+      <p:nvGrpSpPr>
+        <p:cNvPr id="1" name=""/>
+        <p:cNvGrpSpPr/>
+        <p:nvPr/>
+      </p:nvGrpSpPr>
+      <p:grpSpPr>
+        <a:xfrm>
+          <a:off x="0" y="0"/>
+          <a:ext cx="0" cy="0"/>
+          <a:chOff x="0" y="0"/>
+          <a:chExt cx="0" cy="0"/>
+        </a:xfrm>
+      </p:grpSpPr>
+      <p:sp>
+        <p:nvSpPr>
+          <p:cNvPr id="2" name="Title 1">
+            <a:extLst>
+              <a:ext uri="{FF2B5EF4-FFF2-40B4-BE49-F238E27FC236}">
+                <a16:creationId xmlns:a16="http://schemas.microsoft.com/office/drawing/2014/main" id="{5CF6014D-E8E0-6341-B485-C53A0818A376}"/>
+              </a:ext>
+            </a:extLst>
+          </p:cNvPr>
+          <p:cNvSpPr>
+            <a:spLocks noGrp="1"/>
+          </p:cNvSpPr>
+          <p:nvPr>
+            <p:ph type="title"/>
+          </p:nvPr>
+        </p:nvSpPr>
+        <p:spPr>
+          <a:xfrm>
+            <a:off x="839912" y="0"/>
+            <a:ext cx="10515600" cy="1325563"/>
+          </a:xfrm>
+        </p:spPr>
+        <p:txBody>
+          <a:bodyPr>
+            <a:normAutofit/>
+          </a:bodyPr>
+          <a:lstStyle/>
+          <a:p>
+            <a:r>
+              <a:rPr lang="en-US" sz="3600" b="1" dirty="0"/>
+              <a:t>Example</a:t>
+            </a:r>
+            <a:r>
+              <a:rPr lang="en-US" sz="3600" dirty="0"/>
+              <a:t> Run and Output – January 23, 2012 </a:t>
+            </a:r>
+          </a:p>
+        </p:txBody>
+      </p:sp>
+      <p:sp>
+        <p:nvSpPr>
+          <p:cNvPr id="6" name="TextBox 5">
+            <a:extLst>
+              <a:ext uri="{FF2B5EF4-FFF2-40B4-BE49-F238E27FC236}">
+                <a16:creationId xmlns:a16="http://schemas.microsoft.com/office/drawing/2014/main" id="{85BCFCD7-5005-B34B-B274-5404DDBFF933}"/>
+              </a:ext>
+            </a:extLst>
+          </p:cNvPr>
+          <p:cNvSpPr txBox="1"/>
+          <p:nvPr/>
+        </p:nvSpPr>
+        <p:spPr>
+          <a:xfrm>
+            <a:off x="133563" y="1119883"/>
+            <a:ext cx="11928297" cy="5647700"/>
+          </a:xfrm>
+          <a:prstGeom prst="rect">
+            <a:avLst/>
+          </a:prstGeom>
+          <a:noFill/>
+        </p:spPr>
+        <p:txBody>
+          <a:bodyPr wrap="square" rtlCol="0">
+            <a:spAutoFit/>
+          </a:bodyPr>
+          <a:lstStyle/>
+          <a:p>
+            <a:r>
+              <a:rPr lang="en-US" sz="1050" b="1" dirty="0" err="1">
+                <a:latin typeface="Courier New" panose="02070309020205020404" pitchFamily="49" charset="0"/>
+                <a:cs typeface="Courier New" panose="02070309020205020404" pitchFamily="49" charset="0"/>
+              </a:rPr>
+              <a:t>kwhitman</a:t>
+            </a:r>
+            <a:r>
+              <a:rPr lang="en-US" sz="1050" b="1" dirty="0">
+                <a:latin typeface="Courier New" panose="02070309020205020404" pitchFamily="49" charset="0"/>
+                <a:cs typeface="Courier New" panose="02070309020205020404" pitchFamily="49" charset="0"/>
+              </a:rPr>
+              <a:t>$ python3 </a:t>
+            </a:r>
+            <a:r>
+              <a:rPr lang="en-US" sz="1050" b="1" dirty="0" err="1">
+                <a:latin typeface="Courier New" panose="02070309020205020404" pitchFamily="49" charset="0"/>
+                <a:cs typeface="Courier New" panose="02070309020205020404" pitchFamily="49" charset="0"/>
+              </a:rPr>
+              <a:t>operational_sep_quantities.py</a:t>
+            </a:r>
+            <a:r>
+              <a:rPr lang="en-US" sz="1050" b="1" dirty="0">
+                <a:latin typeface="Courier New" panose="02070309020205020404" pitchFamily="49" charset="0"/>
+                <a:cs typeface="Courier New" panose="02070309020205020404" pitchFamily="49" charset="0"/>
+              </a:rPr>
+              <a:t> --StartDate 2012-01-22 --</a:t>
+            </a:r>
+            <a:r>
+              <a:rPr lang="en-US" sz="1050" b="1" dirty="0" err="1">
+                <a:latin typeface="Courier New" panose="02070309020205020404" pitchFamily="49" charset="0"/>
+                <a:cs typeface="Courier New" panose="02070309020205020404" pitchFamily="49" charset="0"/>
+              </a:rPr>
+              <a:t>EndDate</a:t>
+            </a:r>
+            <a:r>
+              <a:rPr lang="en-US" sz="1050" b="1" dirty="0">
+                <a:latin typeface="Courier New" panose="02070309020205020404" pitchFamily="49" charset="0"/>
+                <a:cs typeface="Courier New" panose="02070309020205020404" pitchFamily="49" charset="0"/>
+              </a:rPr>
+              <a:t> 2012-01-29 --Experiment GOES-13 --</a:t>
+            </a:r>
+            <a:r>
+              <a:rPr lang="en-US" sz="1050" b="1" dirty="0" err="1">
+                <a:latin typeface="Courier New" panose="02070309020205020404" pitchFamily="49" charset="0"/>
+                <a:cs typeface="Courier New" panose="02070309020205020404" pitchFamily="49" charset="0"/>
+              </a:rPr>
+              <a:t>FluxType</a:t>
+            </a:r>
+            <a:r>
+              <a:rPr lang="en-US" sz="1050" b="1" dirty="0">
+                <a:latin typeface="Courier New" panose="02070309020205020404" pitchFamily="49" charset="0"/>
+                <a:cs typeface="Courier New" panose="02070309020205020404" pitchFamily="49" charset="0"/>
+              </a:rPr>
+              <a:t> differential --</a:t>
+            </a:r>
+            <a:r>
+              <a:rPr lang="en-US" sz="1050" b="1" dirty="0" err="1">
+                <a:latin typeface="Courier New" panose="02070309020205020404" pitchFamily="49" charset="0"/>
+                <a:cs typeface="Courier New" panose="02070309020205020404" pitchFamily="49" charset="0"/>
+              </a:rPr>
+              <a:t>showplot</a:t>
+            </a:r>
+            <a:endParaRPr lang="en-US" sz="1050" b="1" dirty="0">
+              <a:latin typeface="Courier New" panose="02070309020205020404" pitchFamily="49" charset="0"/>
+              <a:cs typeface="Courier New" panose="02070309020205020404" pitchFamily="49" charset="0"/>
+            </a:endParaRPr>
+          </a:p>
+          <a:p>
+            <a:r>
+              <a:rPr lang="en-US" sz="1000" dirty="0">
+                <a:latin typeface="Courier New" panose="02070309020205020404" pitchFamily="49" charset="0"/>
+                <a:cs typeface="Courier New" panose="02070309020205020404" pitchFamily="49" charset="0"/>
+              </a:rPr>
+              <a:t>Checking that paths exist: data and output</a:t>
+            </a:r>
+          </a:p>
+          <a:p>
+            <a:r>
+              <a:rPr lang="en-US" sz="1000" dirty="0">
+                <a:latin typeface="Courier New" panose="02070309020205020404" pitchFamily="49" charset="0"/>
+                <a:cs typeface="Courier New" panose="02070309020205020404" pitchFamily="49" charset="0"/>
+              </a:rPr>
+              <a:t>Checking that the requested data is present on your computer.</a:t>
+            </a:r>
+          </a:p>
+          <a:p>
+            <a:r>
+              <a:rPr lang="en-US" sz="1000" dirty="0">
+                <a:latin typeface="Courier New" panose="02070309020205020404" pitchFamily="49" charset="0"/>
+                <a:cs typeface="Courier New" panose="02070309020205020404" pitchFamily="49" charset="0"/>
+              </a:rPr>
+              <a:t>Reading in data files for GOES-13.</a:t>
+            </a:r>
+          </a:p>
+          <a:p>
+            <a:r>
+              <a:rPr lang="en-US" sz="1000" dirty="0">
+                <a:latin typeface="Courier New" panose="02070309020205020404" pitchFamily="49" charset="0"/>
+                <a:cs typeface="Courier New" panose="02070309020205020404" pitchFamily="49" charset="0"/>
+              </a:rPr>
+              <a:t>Extracting fluxes for dates: 2012-01-22 00:00:00 to 2012-01-29 00:00:00</a:t>
+            </a:r>
+          </a:p>
+          <a:p>
+            <a:r>
+              <a:rPr lang="en-US" sz="1000" dirty="0">
+                <a:latin typeface="Courier New" panose="02070309020205020404" pitchFamily="49" charset="0"/>
+                <a:cs typeface="Courier New" panose="02070309020205020404" pitchFamily="49" charset="0"/>
+              </a:rPr>
+              <a:t>Checking for bad data values and filling with linear interpolation with time.</a:t>
+            </a:r>
+            <a:br>
+              <a:rPr lang="en-US" sz="1000" dirty="0">
+                <a:latin typeface="Courier New" panose="02070309020205020404" pitchFamily="49" charset="0"/>
+                <a:cs typeface="Courier New" panose="02070309020205020404" pitchFamily="49" charset="0"/>
+              </a:rPr>
+            </a:br>
+            <a:endParaRPr lang="en-US" sz="1000" dirty="0">
+              <a:latin typeface="Courier New" panose="02070309020205020404" pitchFamily="49" charset="0"/>
+              <a:cs typeface="Courier New" panose="02070309020205020404" pitchFamily="49" charset="0"/>
+            </a:endParaRPr>
+          </a:p>
+          <a:p>
+            <a:r>
+              <a:rPr lang="en-US" sz="1000" dirty="0">
+                <a:latin typeface="Courier New" panose="02070309020205020404" pitchFamily="49" charset="0"/>
+                <a:cs typeface="Courier New" panose="02070309020205020404" pitchFamily="49" charset="0"/>
+              </a:rPr>
+              <a:t>There is a data gap for time 2012-01-25 16:25:00 and energy 4.2 - 8.7 MeV. Filling in missing value with linear interpolation in time.</a:t>
+            </a:r>
+          </a:p>
+          <a:p>
+            <a:r>
+              <a:rPr lang="en-US" sz="1000" dirty="0">
+                <a:latin typeface="Courier New" panose="02070309020205020404" pitchFamily="49" charset="0"/>
+                <a:cs typeface="Courier New" panose="02070309020205020404" pitchFamily="49" charset="0"/>
+              </a:rPr>
+              <a:t>The first good value previous to gap is on 2012-01-25 16:20:00 with value 57.995</a:t>
+            </a:r>
+          </a:p>
+          <a:p>
+            <a:r>
+              <a:rPr lang="en-US" sz="1000" dirty="0">
+                <a:latin typeface="Courier New" panose="02070309020205020404" pitchFamily="49" charset="0"/>
+                <a:cs typeface="Courier New" panose="02070309020205020404" pitchFamily="49" charset="0"/>
+              </a:rPr>
+              <a:t>The first good value after to gap is on 2012-01-25 16:30:00 with value 58.943</a:t>
+            </a:r>
+          </a:p>
+          <a:p>
+            <a:r>
+              <a:rPr lang="en-US" sz="1000" dirty="0">
+                <a:latin typeface="Courier New" panose="02070309020205020404" pitchFamily="49" charset="0"/>
+                <a:cs typeface="Courier New" panose="02070309020205020404" pitchFamily="49" charset="0"/>
+              </a:rPr>
+              <a:t>Filling gap at time 2012-01-25 16:25:00 with interpolated flux 58.468999999999994</a:t>
+            </a:r>
+          </a:p>
+          <a:p>
+            <a:r>
+              <a:rPr lang="en-US" sz="1000" dirty="0">
+                <a:latin typeface="Courier New" panose="02070309020205020404" pitchFamily="49" charset="0"/>
+                <a:cs typeface="Courier New" panose="02070309020205020404" pitchFamily="49" charset="0"/>
+              </a:rPr>
+              <a:t>… (</a:t>
+            </a:r>
+            <a:r>
+              <a:rPr lang="en-US" sz="1000" dirty="0">
+                <a:cs typeface="Courier New" panose="02070309020205020404" pitchFamily="49" charset="0"/>
+              </a:rPr>
+              <a:t>More output for corrections to other energy channels but left out to save space</a:t>
+            </a:r>
+            <a:r>
+              <a:rPr lang="en-US" sz="1000" dirty="0">
+                <a:latin typeface="Courier New" panose="02070309020205020404" pitchFamily="49" charset="0"/>
+                <a:cs typeface="Courier New" panose="02070309020205020404" pitchFamily="49" charset="0"/>
+              </a:rPr>
+              <a:t>)</a:t>
+            </a:r>
+          </a:p>
+          <a:p>
+            <a:r>
+              <a:rPr lang="en-US" sz="1000" dirty="0">
+                <a:latin typeface="Courier New" panose="02070309020205020404" pitchFamily="49" charset="0"/>
+                <a:cs typeface="Courier New" panose="02070309020205020404" pitchFamily="49" charset="0"/>
+              </a:rPr>
+              <a:t>Finished checking for bad data.</a:t>
+            </a:r>
+          </a:p>
+          <a:p>
+            <a:endParaRPr lang="en-US" sz="1000" dirty="0">
+              <a:latin typeface="Courier New" panose="02070309020205020404" pitchFamily="49" charset="0"/>
+              <a:cs typeface="Courier New" panose="02070309020205020404" pitchFamily="49" charset="0"/>
+            </a:endParaRPr>
+          </a:p>
+          <a:p>
+            <a:r>
+              <a:rPr lang="en-US" sz="1000" dirty="0">
+                <a:latin typeface="Courier New" panose="02070309020205020404" pitchFamily="49" charset="0"/>
+                <a:cs typeface="Courier New" panose="02070309020205020404" pitchFamily="49" charset="0"/>
+              </a:rPr>
+              <a:t>Converting differential flux to integral flux for &gt;10MeV.</a:t>
+            </a:r>
+          </a:p>
+          <a:p>
+            <a:r>
+              <a:rPr lang="en-US" sz="1000" dirty="0">
+                <a:latin typeface="Courier New" panose="02070309020205020404" pitchFamily="49" charset="0"/>
+                <a:cs typeface="Courier New" panose="02070309020205020404" pitchFamily="49" charset="0"/>
+              </a:rPr>
+              <a:t>Converting differential flux to integral flux for &gt;100MeV.</a:t>
+            </a:r>
+          </a:p>
+          <a:p>
+            <a:r>
+              <a:rPr lang="en-US" sz="1000" dirty="0">
+                <a:latin typeface="Courier New" panose="02070309020205020404" pitchFamily="49" charset="0"/>
+                <a:cs typeface="Courier New" panose="02070309020205020404" pitchFamily="49" charset="0"/>
+              </a:rPr>
+              <a:t>Calculating threshold crossings and SEP event characteristics.</a:t>
+            </a:r>
+          </a:p>
+          <a:p>
+            <a:r>
+              <a:rPr lang="en-US" sz="1000" b="1" dirty="0">
+                <a:latin typeface="Courier New" panose="02070309020205020404" pitchFamily="49" charset="0"/>
+                <a:cs typeface="Courier New" panose="02070309020205020404" pitchFamily="49" charset="0"/>
+              </a:rPr>
+              <a:t>Flux      Threshold    Time Crossed         Peak Flux            Peak Time            Rise Time  End Time            Duration</a:t>
+            </a:r>
+          </a:p>
+          <a:p>
+            <a:r>
+              <a:rPr lang="en-US" sz="1000" b="1" dirty="0">
+                <a:latin typeface="Courier New" panose="02070309020205020404" pitchFamily="49" charset="0"/>
+                <a:cs typeface="Courier New" panose="02070309020205020404" pitchFamily="49" charset="0"/>
+              </a:rPr>
+              <a:t>&gt;10 MeV   10 pfu       2012-01-23 05:25:00  6740.972728430253   2012-01-24 15:30:00  1 day, 10:05:00    2012-01-27 15:15:00  4 days, 9:50:00</a:t>
+            </a:r>
+          </a:p>
+          <a:p>
+            <a:r>
+              <a:rPr lang="en-US" sz="1000" dirty="0">
+                <a:latin typeface="Courier New" panose="02070309020205020404" pitchFamily="49" charset="0"/>
+                <a:cs typeface="Courier New" panose="02070309020205020404" pitchFamily="49" charset="0"/>
+              </a:rPr>
+              <a:t>Calculating threshold crossings and SEP event characteristics.</a:t>
+            </a:r>
+          </a:p>
+          <a:p>
+            <a:r>
+              <a:rPr lang="en-US" sz="1000" b="1" dirty="0">
+                <a:latin typeface="Courier New" panose="02070309020205020404" pitchFamily="49" charset="0"/>
+                <a:cs typeface="Courier New" panose="02070309020205020404" pitchFamily="49" charset="0"/>
+              </a:rPr>
+              <a:t>Flux      Threshold    Time Crossed         Peak Flux            Peak Time            Rise Time  End Time            Duration</a:t>
+            </a:r>
+          </a:p>
+          <a:p>
+            <a:r>
+              <a:rPr lang="en-US" sz="1000" b="1" dirty="0">
+                <a:latin typeface="Courier New" panose="02070309020205020404" pitchFamily="49" charset="0"/>
+                <a:cs typeface="Courier New" panose="02070309020205020404" pitchFamily="49" charset="0"/>
+              </a:rPr>
+              <a:t>&gt;100 MeV   1 pfu       2012-01-23 04:35:00  4.2245477057861   2012-01-23 08:05:00  3:30:00    2012-01-24 18:40:00  1 day, 14:05:00</a:t>
+            </a:r>
+          </a:p>
+          <a:p>
+            <a:r>
+              <a:rPr lang="en-US" sz="1000" dirty="0">
+                <a:latin typeface="Courier New" panose="02070309020205020404" pitchFamily="49" charset="0"/>
+                <a:cs typeface="Courier New" panose="02070309020205020404" pitchFamily="49" charset="0"/>
+              </a:rPr>
+              <a:t>Extracting fluxes for dates: 2012-01-23 05:25:00 to 2012-01-27 15:15:00</a:t>
+            </a:r>
+          </a:p>
+          <a:p>
+            <a:r>
+              <a:rPr lang="en-US" sz="1000" b="1" dirty="0">
+                <a:latin typeface="Courier New" panose="02070309020205020404" pitchFamily="49" charset="0"/>
+                <a:cs typeface="Courier New" panose="02070309020205020404" pitchFamily="49" charset="0"/>
+              </a:rPr>
+              <a:t>=====Calculating event fluence for event defined by &gt;10 MeV, for 2012-01-23 05:25:00 to 2012-01-27 15:15:00</a:t>
+            </a:r>
+          </a:p>
+          <a:p>
+            <a:r>
+              <a:rPr lang="en-US" sz="1000" dirty="0">
+                <a:latin typeface="Courier New" panose="02070309020205020404" pitchFamily="49" charset="0"/>
+                <a:cs typeface="Courier New" panose="02070309020205020404" pitchFamily="49" charset="0"/>
+              </a:rPr>
+              <a:t>Extracting fluxes for dates: 2012-01-23 05:25:00 to 2012-01-27 15:15:00</a:t>
+            </a:r>
+          </a:p>
+          <a:p>
+            <a:r>
+              <a:rPr lang="en-US" sz="1000" dirty="0">
+                <a:latin typeface="Courier New" panose="02070309020205020404" pitchFamily="49" charset="0"/>
+                <a:cs typeface="Courier New" panose="02070309020205020404" pitchFamily="49" charset="0"/>
+              </a:rPr>
+              <a:t>Event-integrated fluence for &gt;10.0 MeV: 5028965340.697082 1/[cm^2]</a:t>
+            </a:r>
+          </a:p>
+          <a:p>
+            <a:r>
+              <a:rPr lang="en-US" sz="1000" dirty="0">
+                <a:latin typeface="Courier New" panose="02070309020205020404" pitchFamily="49" charset="0"/>
+                <a:cs typeface="Courier New" panose="02070309020205020404" pitchFamily="49" charset="0"/>
+              </a:rPr>
+              <a:t>Event-integrated fluence for &gt;100.0 MeV: 4867346.341940369 1/[cm^2]</a:t>
+            </a:r>
+          </a:p>
+          <a:p>
+            <a:r>
+              <a:rPr lang="en-US" sz="1000" dirty="0">
+                <a:latin typeface="Courier New" panose="02070309020205020404" pitchFamily="49" charset="0"/>
+                <a:cs typeface="Courier New" panose="02070309020205020404" pitchFamily="49" charset="0"/>
+              </a:rPr>
+              <a:t>Extracting fluxes for dates: 2012-01-23 04:35:00 to 2012-01-24 18:40:00</a:t>
+            </a:r>
+          </a:p>
+          <a:p>
+            <a:r>
+              <a:rPr lang="en-US" sz="1000" b="1" dirty="0">
+                <a:latin typeface="Courier New" panose="02070309020205020404" pitchFamily="49" charset="0"/>
+                <a:cs typeface="Courier New" panose="02070309020205020404" pitchFamily="49" charset="0"/>
+              </a:rPr>
+              <a:t>=====Calculating event fluence for event defined by &gt;100 MeV, for 2012-01-23 04:35:00 to 2012-01-24 18:40:00</a:t>
+            </a:r>
+          </a:p>
+          <a:p>
+            <a:r>
+              <a:rPr lang="en-US" sz="1000" dirty="0">
+                <a:latin typeface="Courier New" panose="02070309020205020404" pitchFamily="49" charset="0"/>
+                <a:cs typeface="Courier New" panose="02070309020205020404" pitchFamily="49" charset="0"/>
+              </a:rPr>
+              <a:t>Extracting fluxes for dates: 2012-01-23 04:35:00 to 2012-01-24 18:40:00</a:t>
+            </a:r>
+          </a:p>
+          <a:p>
+            <a:r>
+              <a:rPr lang="en-US" sz="1000" dirty="0">
+                <a:latin typeface="Courier New" panose="02070309020205020404" pitchFamily="49" charset="0"/>
+                <a:cs typeface="Courier New" panose="02070309020205020404" pitchFamily="49" charset="0"/>
+              </a:rPr>
+              <a:t>Event-integrated fluence for &gt;10.0 MeV: 4254464976.467603 1/[cm^2]</a:t>
+            </a:r>
+          </a:p>
+          <a:p>
+            <a:r>
+              <a:rPr lang="en-US" sz="1000" dirty="0">
+                <a:latin typeface="Courier New" panose="02070309020205020404" pitchFamily="49" charset="0"/>
+                <a:cs typeface="Courier New" panose="02070309020205020404" pitchFamily="49" charset="0"/>
+              </a:rPr>
+              <a:t>Event-integrated fluence for &gt;100.0 MeV: 3486739.9315438424 1/[cm^2]</a:t>
+            </a:r>
+          </a:p>
+          <a:p>
+            <a:r>
+              <a:rPr lang="en-US" sz="1000" dirty="0">
+                <a:latin typeface="Courier New" panose="02070309020205020404" pitchFamily="49" charset="0"/>
+                <a:cs typeface="Courier New" panose="02070309020205020404" pitchFamily="49" charset="0"/>
+              </a:rPr>
+              <a:t>Plotting estimated integral fluxes with threshold crossings.</a:t>
+            </a:r>
+          </a:p>
+          <a:p>
+            <a:r>
+              <a:rPr lang="en-US" sz="1000" dirty="0">
+                <a:latin typeface="Courier New" panose="02070309020205020404" pitchFamily="49" charset="0"/>
+                <a:cs typeface="Courier New" panose="02070309020205020404" pitchFamily="49" charset="0"/>
+              </a:rPr>
+              <a:t>Plotting fluxes in original energy bins. Any bad data points were interpolated. Lines indicate event start and stop for thresholds.</a:t>
+            </a:r>
+          </a:p>
+          <a:p>
+            <a:r>
+              <a:rPr lang="en-US" sz="1000" dirty="0">
+                <a:latin typeface="Courier New" panose="02070309020205020404" pitchFamily="49" charset="0"/>
+                <a:cs typeface="Courier New" panose="02070309020205020404" pitchFamily="49" charset="0"/>
+              </a:rPr>
+              <a:t>Plotting event-integrated fluence spectrum.</a:t>
+            </a:r>
+          </a:p>
+        </p:txBody>
+      </p:sp>
+      <p:sp>
+        <p:nvSpPr>
+          <p:cNvPr id="3" name="Slide Number Placeholder 2">
+            <a:extLst>
+              <a:ext uri="{FF2B5EF4-FFF2-40B4-BE49-F238E27FC236}">
+                <a16:creationId xmlns:a16="http://schemas.microsoft.com/office/drawing/2014/main" id="{E205661B-E934-F548-9A15-5B4ED89A603D}"/>
+              </a:ext>
+            </a:extLst>
+          </p:cNvPr>
+          <p:cNvSpPr>
+            <a:spLocks noGrp="1"/>
+          </p:cNvSpPr>
+          <p:nvPr>
+            <p:ph type="sldNum" sz="quarter" idx="12"/>
+          </p:nvPr>
+        </p:nvSpPr>
+        <p:spPr/>
+        <p:txBody>
+          <a:bodyPr/>
+          <a:lstStyle/>
+          <a:p>
+            <a:fld id="{BC9E6684-BBAF-2B44-BA0B-A4B011DBF27F}" type="slidenum">
+              <a:rPr lang="en-US" smtClean="0"/>
+              <a:t>15</a:t>
+            </a:fld>
+            <a:endParaRPr lang="en-US"/>
+          </a:p>
+        </p:txBody>
+      </p:sp>
+    </p:spTree>
+    <p:extLst>
+      <p:ext uri="{BB962C8B-B14F-4D97-AF65-F5344CB8AC3E}">
+        <p14:creationId xmlns:p14="http://schemas.microsoft.com/office/powerpoint/2010/main" val="1084682000"/>
+      </p:ext>
+    </p:extLst>
+  </p:cSld>
+  <p:clrMapOvr>
+    <a:masterClrMapping/>
+  </p:clrMapOvr>
+</p:sld>
+</file>
+
+<file path=ppt/slides/slide16.xml><?xml version="1.0" encoding="utf-8"?>
+<p:sld xmlns:a="http://schemas.openxmlformats.org/drawingml/2006/main" xmlns:r="http://schemas.openxmlformats.org/officeDocument/2006/relationships" xmlns:p="http://schemas.openxmlformats.org/presentationml/2006/main">
+  <p:cSld>
+    <p:spTree>
+      <p:nvGrpSpPr>
+        <p:cNvPr id="1" name=""/>
+        <p:cNvGrpSpPr/>
+        <p:nvPr/>
+      </p:nvGrpSpPr>
+      <p:grpSpPr>
+        <a:xfrm>
+          <a:off x="0" y="0"/>
+          <a:ext cx="0" cy="0"/>
+          <a:chOff x="0" y="0"/>
+          <a:chExt cx="0" cy="0"/>
+        </a:xfrm>
+      </p:grpSpPr>
+      <p:pic>
+        <p:nvPicPr>
+          <p:cNvPr id="7" name="Picture 6">
+            <a:extLst>
+              <a:ext uri="{FF2B5EF4-FFF2-40B4-BE49-F238E27FC236}">
+                <a16:creationId xmlns:a16="http://schemas.microsoft.com/office/drawing/2014/main" id="{A9FF4B14-7FD6-6445-A57A-89546F588A06}"/>
+              </a:ext>
+            </a:extLst>
+          </p:cNvPr>
+          <p:cNvPicPr>
+            <a:picLocks noChangeAspect="1"/>
+          </p:cNvPicPr>
+          <p:nvPr/>
+        </p:nvPicPr>
+        <p:blipFill>
+          <a:blip r:embed="rId2"/>
+          <a:stretch>
+            <a:fillRect/>
+          </a:stretch>
+        </p:blipFill>
+        <p:spPr>
+          <a:xfrm>
+            <a:off x="0" y="1690688"/>
+            <a:ext cx="4572000" cy="3048000"/>
+          </a:xfrm>
+          <a:prstGeom prst="rect">
+            <a:avLst/>
+          </a:prstGeom>
+        </p:spPr>
+      </p:pic>
+      <p:sp>
+        <p:nvSpPr>
+          <p:cNvPr id="2" name="Title 1">
+            <a:extLst>
+              <a:ext uri="{FF2B5EF4-FFF2-40B4-BE49-F238E27FC236}">
+                <a16:creationId xmlns:a16="http://schemas.microsoft.com/office/drawing/2014/main" id="{5CF6014D-E8E0-6341-B485-C53A0818A376}"/>
+              </a:ext>
+            </a:extLst>
+          </p:cNvPr>
+          <p:cNvSpPr>
+            <a:spLocks noGrp="1"/>
+          </p:cNvSpPr>
+          <p:nvPr>
+            <p:ph type="title"/>
+          </p:nvPr>
+        </p:nvSpPr>
+        <p:spPr/>
+        <p:txBody>
+          <a:bodyPr>
+            <a:normAutofit/>
+          </a:bodyPr>
+          <a:lstStyle/>
+          <a:p>
+            <a:r>
+              <a:rPr lang="en-US" sz="3600" b="1" dirty="0"/>
+              <a:t>Example </a:t>
+            </a:r>
+            <a:r>
+              <a:rPr lang="en-US" sz="3600" dirty="0"/>
+              <a:t>Run and Output – January 23, 2012 </a:t>
+            </a:r>
+          </a:p>
+        </p:txBody>
+      </p:sp>
+      <p:sp>
+        <p:nvSpPr>
+          <p:cNvPr id="10" name="TextBox 9">
+            <a:extLst>
+              <a:ext uri="{FF2B5EF4-FFF2-40B4-BE49-F238E27FC236}">
+                <a16:creationId xmlns:a16="http://schemas.microsoft.com/office/drawing/2014/main" id="{A5E933CB-A67F-8146-A23E-5B38684C17BF}"/>
+              </a:ext>
+            </a:extLst>
+          </p:cNvPr>
+          <p:cNvSpPr txBox="1"/>
+          <p:nvPr/>
+        </p:nvSpPr>
+        <p:spPr>
+          <a:xfrm>
+            <a:off x="410966" y="4859678"/>
+            <a:ext cx="3811713" cy="1754326"/>
+          </a:xfrm>
+          <a:prstGeom prst="rect">
+            <a:avLst/>
+          </a:prstGeom>
+          <a:noFill/>
+        </p:spPr>
+        <p:txBody>
+          <a:bodyPr wrap="square" rtlCol="0">
+            <a:spAutoFit/>
+          </a:bodyPr>
+          <a:lstStyle/>
+          <a:p>
+            <a:pPr algn="just"/>
+            <a:r>
+              <a:rPr lang="en-US" dirty="0"/>
+              <a:t>Integral fluxes estimated from the differential channels using power law interpolation across energy bins. Event start and end times for each threshold indicated by vertical black lines. Red line indicates 10 pfu threshold.</a:t>
+            </a:r>
+          </a:p>
+        </p:txBody>
+      </p:sp>
+      <p:sp>
+        <p:nvSpPr>
+          <p:cNvPr id="11" name="TextBox 10">
+            <a:extLst>
+              <a:ext uri="{FF2B5EF4-FFF2-40B4-BE49-F238E27FC236}">
+                <a16:creationId xmlns:a16="http://schemas.microsoft.com/office/drawing/2014/main" id="{440B152C-AD6A-804A-9DAE-B8F59AE893FD}"/>
+              </a:ext>
+            </a:extLst>
+          </p:cNvPr>
+          <p:cNvSpPr txBox="1"/>
+          <p:nvPr/>
+        </p:nvSpPr>
+        <p:spPr>
+          <a:xfrm>
+            <a:off x="4572000" y="4859678"/>
+            <a:ext cx="3698697" cy="1200329"/>
+          </a:xfrm>
+          <a:prstGeom prst="rect">
+            <a:avLst/>
+          </a:prstGeom>
+          <a:noFill/>
+        </p:spPr>
+        <p:txBody>
+          <a:bodyPr wrap="square" rtlCol="0">
+            <a:spAutoFit/>
+          </a:bodyPr>
+          <a:lstStyle/>
+          <a:p>
+            <a:pPr algn="just"/>
+            <a:r>
+              <a:rPr lang="en-US" dirty="0"/>
+              <a:t>Plot of differential channels with the event start and end times for &gt;100 MeV, 1 pfu threshold indicated by vertical black lines.</a:t>
+            </a:r>
+          </a:p>
+        </p:txBody>
+      </p:sp>
+      <p:sp>
+        <p:nvSpPr>
+          <p:cNvPr id="12" name="TextBox 11">
+            <a:extLst>
+              <a:ext uri="{FF2B5EF4-FFF2-40B4-BE49-F238E27FC236}">
+                <a16:creationId xmlns:a16="http://schemas.microsoft.com/office/drawing/2014/main" id="{4FD548FA-5585-FB4C-94D3-BBFF4A6DA5E8}"/>
+              </a:ext>
+            </a:extLst>
+          </p:cNvPr>
+          <p:cNvSpPr txBox="1"/>
+          <p:nvPr/>
+        </p:nvSpPr>
+        <p:spPr>
+          <a:xfrm>
+            <a:off x="8445357" y="4859678"/>
+            <a:ext cx="3695273" cy="1754326"/>
+          </a:xfrm>
+          <a:prstGeom prst="rect">
+            <a:avLst/>
+          </a:prstGeom>
+          <a:noFill/>
+        </p:spPr>
+        <p:txBody>
+          <a:bodyPr wrap="square" rtlCol="0">
+            <a:spAutoFit/>
+          </a:bodyPr>
+          <a:lstStyle/>
+          <a:p>
+            <a:pPr algn="just"/>
+            <a:r>
+              <a:rPr lang="en-US" dirty="0"/>
+              <a:t>Event-integrated fluence of differential channels for the start and end times defined by &gt;100 MeV, 1 pfu threshold. HEPAD channels could benefit from background-subtraction, especially when increase is small.</a:t>
+            </a:r>
+          </a:p>
+        </p:txBody>
+      </p:sp>
+      <p:pic>
+        <p:nvPicPr>
+          <p:cNvPr id="16" name="Picture 15">
+            <a:extLst>
+              <a:ext uri="{FF2B5EF4-FFF2-40B4-BE49-F238E27FC236}">
+                <a16:creationId xmlns:a16="http://schemas.microsoft.com/office/drawing/2014/main" id="{AC407723-D927-C34A-AA15-DB9E15ED3CFB}"/>
+              </a:ext>
+            </a:extLst>
+          </p:cNvPr>
+          <p:cNvPicPr>
+            <a:picLocks noChangeAspect="1"/>
+          </p:cNvPicPr>
+          <p:nvPr/>
+        </p:nvPicPr>
+        <p:blipFill>
+          <a:blip r:embed="rId3"/>
+          <a:stretch>
+            <a:fillRect/>
+          </a:stretch>
+        </p:blipFill>
+        <p:spPr>
+          <a:xfrm>
+            <a:off x="4171309" y="2198688"/>
+            <a:ext cx="4572000" cy="2032000"/>
+          </a:xfrm>
+          <a:prstGeom prst="rect">
+            <a:avLst/>
+          </a:prstGeom>
+        </p:spPr>
+      </p:pic>
+      <p:pic>
+        <p:nvPicPr>
+          <p:cNvPr id="18" name="Picture 17">
+            <a:extLst>
+              <a:ext uri="{FF2B5EF4-FFF2-40B4-BE49-F238E27FC236}">
+                <a16:creationId xmlns:a16="http://schemas.microsoft.com/office/drawing/2014/main" id="{F01DC71B-0897-454B-B9B6-9EFC05A7E139}"/>
+              </a:ext>
+            </a:extLst>
+          </p:cNvPr>
+          <p:cNvPicPr>
+            <a:picLocks noChangeAspect="1"/>
+          </p:cNvPicPr>
+          <p:nvPr/>
+        </p:nvPicPr>
+        <p:blipFill>
+          <a:blip r:embed="rId4"/>
+          <a:stretch>
+            <a:fillRect/>
+          </a:stretch>
+        </p:blipFill>
+        <p:spPr>
+          <a:xfrm>
+            <a:off x="8774985" y="2071688"/>
+            <a:ext cx="3200400" cy="2667000"/>
+          </a:xfrm>
+          <a:prstGeom prst="rect">
+            <a:avLst/>
+          </a:prstGeom>
+        </p:spPr>
+      </p:pic>
+      <p:sp>
+        <p:nvSpPr>
+          <p:cNvPr id="3" name="Slide Number Placeholder 2">
+            <a:extLst>
+              <a:ext uri="{FF2B5EF4-FFF2-40B4-BE49-F238E27FC236}">
+                <a16:creationId xmlns:a16="http://schemas.microsoft.com/office/drawing/2014/main" id="{A61E21E7-DD20-6444-8160-BCDC8F4A649A}"/>
+              </a:ext>
+            </a:extLst>
+          </p:cNvPr>
+          <p:cNvSpPr>
+            <a:spLocks noGrp="1"/>
+          </p:cNvSpPr>
+          <p:nvPr>
+            <p:ph type="sldNum" sz="quarter" idx="12"/>
+          </p:nvPr>
+        </p:nvSpPr>
+        <p:spPr/>
+        <p:txBody>
+          <a:bodyPr/>
+          <a:lstStyle/>
+          <a:p>
+            <a:fld id="{BC9E6684-BBAF-2B44-BA0B-A4B011DBF27F}" type="slidenum">
+              <a:rPr lang="en-US" smtClean="0"/>
+              <a:t>16</a:t>
+            </a:fld>
+            <a:endParaRPr lang="en-US"/>
+          </a:p>
+        </p:txBody>
+      </p:sp>
+    </p:spTree>
+    <p:extLst>
+      <p:ext uri="{BB962C8B-B14F-4D97-AF65-F5344CB8AC3E}">
+        <p14:creationId xmlns:p14="http://schemas.microsoft.com/office/powerpoint/2010/main" val="2522993303"/>
+      </p:ext>
+    </p:extLst>
+  </p:cSld>
+  <p:clrMapOvr>
+    <a:masterClrMapping/>
+  </p:clrMapOvr>
+</p:sld>
+</file>
+
+<file path=ppt/slides/slide17.xml><?xml version="1.0" encoding="utf-8"?>
+<p:sld xmlns:a="http://schemas.openxmlformats.org/drawingml/2006/main" xmlns:r="http://schemas.openxmlformats.org/officeDocument/2006/relationships" xmlns:p="http://schemas.openxmlformats.org/presentationml/2006/main">
+  <p:cSld>
+    <p:spTree>
+      <p:nvGrpSpPr>
+        <p:cNvPr id="1" name=""/>
+        <p:cNvGrpSpPr/>
+        <p:nvPr/>
+      </p:nvGrpSpPr>
+      <p:grpSpPr>
+        <a:xfrm>
+          <a:off x="0" y="0"/>
+          <a:ext cx="0" cy="0"/>
+          <a:chOff x="0" y="0"/>
+          <a:chExt cx="0" cy="0"/>
+        </a:xfrm>
+      </p:grpSpPr>
+      <p:sp>
+        <p:nvSpPr>
+          <p:cNvPr id="2" name="Title 1">
+            <a:extLst>
+              <a:ext uri="{FF2B5EF4-FFF2-40B4-BE49-F238E27FC236}">
                 <a16:creationId xmlns:a16="http://schemas.microsoft.com/office/drawing/2014/main" id="{452FBA67-D100-4140-BB9D-9396D6E36E7D}"/>
               </a:ext>
             </a:extLst>
@@ -3949,7 +6062,7 @@
           <p:cNvPr id="3" name="Slide Number Placeholder 2">
             <a:extLst>
               <a:ext uri="{FF2B5EF4-FFF2-40B4-BE49-F238E27FC236}">
-                <a16:creationId xmlns:a16="http://schemas.microsoft.com/office/drawing/2014/main" id="{F5F77C4B-1984-C84C-B973-2AE549FCF797}"/>
+                <a16:creationId xmlns:a16="http://schemas.microsoft.com/office/drawing/2014/main" id="{47281012-2854-7446-9E6E-B13A7D22871A}"/>
               </a:ext>
             </a:extLst>
           </p:cNvPr>
@@ -3967,7 +6080,7 @@
           <a:p>
             <a:fld id="{BC9E6684-BBAF-2B44-BA0B-A4B011DBF27F}" type="slidenum">
               <a:rPr lang="en-US" smtClean="0"/>
-              <a:t>10</a:t>
+              <a:t>17</a:t>
             </a:fld>
             <a:endParaRPr lang="en-US"/>
           </a:p>
@@ -3976,7 +6089,7 @@
     </p:spTree>
     <p:extLst>
       <p:ext uri="{BB962C8B-B14F-4D97-AF65-F5344CB8AC3E}">
-        <p14:creationId xmlns:p14="http://schemas.microsoft.com/office/powerpoint/2010/main" val="233091998"/>
+        <p14:creationId xmlns:p14="http://schemas.microsoft.com/office/powerpoint/2010/main" val="3623294425"/>
       </p:ext>
     </p:extLst>
   </p:cSld>
@@ -3986,7 +6099,7 @@
 </p:sld>
 </file>
 
-<file path=ppt/slides/slide11.xml><?xml version="1.0" encoding="utf-8"?>
+<file path=ppt/slides/slide18.xml><?xml version="1.0" encoding="utf-8"?>
 <p:sld xmlns:a="http://schemas.openxmlformats.org/drawingml/2006/main" xmlns:r="http://schemas.openxmlformats.org/officeDocument/2006/relationships" xmlns:p="http://schemas.openxmlformats.org/presentationml/2006/main">
   <p:cSld>
     <p:spTree>
@@ -4744,7 +6857,7 @@
           <p:cNvPr id="3" name="Slide Number Placeholder 2">
             <a:extLst>
               <a:ext uri="{FF2B5EF4-FFF2-40B4-BE49-F238E27FC236}">
-                <a16:creationId xmlns:a16="http://schemas.microsoft.com/office/drawing/2014/main" id="{D9CC4AA4-81F6-3446-B8EF-776B7A56F3E6}"/>
+                <a16:creationId xmlns:a16="http://schemas.microsoft.com/office/drawing/2014/main" id="{B2492C31-402B-244E-8A43-6962C8FC55EE}"/>
               </a:ext>
             </a:extLst>
           </p:cNvPr>
@@ -4762,7 +6875,7 @@
           <a:p>
             <a:fld id="{BC9E6684-BBAF-2B44-BA0B-A4B011DBF27F}" type="slidenum">
               <a:rPr lang="en-US" smtClean="0"/>
-              <a:t>11</a:t>
+              <a:t>18</a:t>
             </a:fld>
             <a:endParaRPr lang="en-US"/>
           </a:p>
@@ -4771,7 +6884,7 @@
     </p:spTree>
     <p:extLst>
       <p:ext uri="{BB962C8B-B14F-4D97-AF65-F5344CB8AC3E}">
-        <p14:creationId xmlns:p14="http://schemas.microsoft.com/office/powerpoint/2010/main" val="2272908054"/>
+        <p14:creationId xmlns:p14="http://schemas.microsoft.com/office/powerpoint/2010/main" val="1263179237"/>
       </p:ext>
     </p:extLst>
   </p:cSld>
@@ -4781,7 +6894,7 @@
 </p:sld>
 </file>
 
-<file path=ppt/slides/slide12.xml><?xml version="1.0" encoding="utf-8"?>
+<file path=ppt/slides/slide19.xml><?xml version="1.0" encoding="utf-8"?>
 <p:sld xmlns:a="http://schemas.openxmlformats.org/drawingml/2006/main" xmlns:r="http://schemas.openxmlformats.org/officeDocument/2006/relationships" xmlns:p="http://schemas.openxmlformats.org/presentationml/2006/main">
   <p:cSld>
     <p:spTree>
@@ -4803,7 +6916,7 @@
           <p:cNvPr id="2" name="Title 1">
             <a:extLst>
               <a:ext uri="{FF2B5EF4-FFF2-40B4-BE49-F238E27FC236}">
-                <a16:creationId xmlns:a16="http://schemas.microsoft.com/office/drawing/2014/main" id="{AE8223C0-2D85-0545-8EBA-83AD7A3481B5}"/>
+                <a16:creationId xmlns:a16="http://schemas.microsoft.com/office/drawing/2014/main" id="{25D18C66-0BC6-9A4B-BB33-98CF0AECCD6D}"/>
               </a:ext>
             </a:extLst>
           </p:cNvPr>
@@ -4820,98 +6933,58 @@
           <a:lstStyle/>
           <a:p>
             <a:r>
+              <a:rPr lang="en-US" dirty="0" err="1"/>
+              <a:t>compare_data_model.py</a:t>
+            </a:r>
+            <a:endParaRPr lang="en-US" dirty="0"/>
+          </a:p>
+        </p:txBody>
+      </p:sp>
+      <p:sp>
+        <p:nvSpPr>
+          <p:cNvPr id="3" name="Text Placeholder 2">
+            <a:extLst>
+              <a:ext uri="{FF2B5EF4-FFF2-40B4-BE49-F238E27FC236}">
+                <a16:creationId xmlns:a16="http://schemas.microsoft.com/office/drawing/2014/main" id="{22A843E7-7D07-F649-A13B-74F814E5ACAA}"/>
+              </a:ext>
+            </a:extLst>
+          </p:cNvPr>
+          <p:cNvSpPr>
+            <a:spLocks noGrp="1"/>
+          </p:cNvSpPr>
+          <p:nvPr>
+            <p:ph type="body" idx="1"/>
+          </p:nvPr>
+        </p:nvSpPr>
+        <p:spPr/>
+        <p:txBody>
+          <a:bodyPr>
+            <a:normAutofit fontScale="92500" lnSpcReduction="20000"/>
+          </a:bodyPr>
+          <a:lstStyle/>
+          <a:p>
+            <a:r>
               <a:rPr lang="en-US" dirty="0"/>
-              <a:t>Using the Code with Model Results</a:t>
-            </a:r>
-          </a:p>
-        </p:txBody>
-      </p:sp>
-      <p:sp>
-        <p:nvSpPr>
-          <p:cNvPr id="3" name="Content Placeholder 2">
-            <a:extLst>
-              <a:ext uri="{FF2B5EF4-FFF2-40B4-BE49-F238E27FC236}">
-                <a16:creationId xmlns:a16="http://schemas.microsoft.com/office/drawing/2014/main" id="{344F8AA2-34E1-CB46-858B-DCCC55F070C8}"/>
-              </a:ext>
-            </a:extLst>
-          </p:cNvPr>
-          <p:cNvSpPr>
-            <a:spLocks noGrp="1"/>
-          </p:cNvSpPr>
-          <p:nvPr>
-            <p:ph idx="1"/>
-          </p:nvPr>
-        </p:nvSpPr>
-        <p:spPr/>
-        <p:txBody>
-          <a:bodyPr>
-            <a:normAutofit/>
-          </a:bodyPr>
-          <a:lstStyle/>
-          <a:p>
-            <a:r>
-              <a:rPr lang="en-US" sz="2400" b="1" dirty="0"/>
-              <a:t>If you would like me (Katie Whitman) to fill out these values for you on the following slides, you may send me flux time profiles output from your model in a text or csv file (</a:t>
-            </a:r>
-            <a:r>
-              <a:rPr lang="en-US" sz="2400" b="1" dirty="0" err="1"/>
-              <a:t>Kathryn.Whitman@nasa.gov</a:t>
-            </a:r>
-            <a:r>
-              <a:rPr lang="en-US" sz="2400" b="1" dirty="0"/>
-              <a:t>). </a:t>
-            </a:r>
-          </a:p>
-          <a:p>
-            <a:pPr lvl="1"/>
-            <a:r>
-              <a:rPr lang="en-US" sz="2000" dirty="0"/>
-              <a:t>Time in YYYY-MM-DD HH:MM:SS in the first column</a:t>
-            </a:r>
-          </a:p>
-          <a:p>
-            <a:pPr lvl="1"/>
-            <a:r>
-              <a:rPr lang="en-US" sz="2000" dirty="0"/>
-              <a:t>Fluxes in each additional column</a:t>
-            </a:r>
-          </a:p>
-          <a:p>
-            <a:pPr lvl="1"/>
-            <a:r>
-              <a:rPr lang="en-US" sz="2000" dirty="0"/>
-              <a:t>Indicate the associated energy bins for each column</a:t>
-            </a:r>
-          </a:p>
-          <a:p>
-            <a:pPr lvl="1"/>
-            <a:r>
-              <a:rPr lang="en-US" sz="2000" dirty="0"/>
-              <a:t>If prepared by Katie, all model files and results will NOT be shared and will be sent only to you so you may choose to share at SHINE</a:t>
-            </a:r>
-          </a:p>
-          <a:p>
-            <a:r>
-              <a:rPr lang="en-US" sz="2400" b="1" dirty="0"/>
-              <a:t>You may also use the code distributed with this presentation: </a:t>
-            </a:r>
-            <a:r>
-              <a:rPr lang="en-US" sz="2400" b="1" dirty="0" err="1"/>
-              <a:t>operation_sep_quantities.py</a:t>
-            </a:r>
-            <a:r>
-              <a:rPr lang="en-US" sz="2400" b="1" dirty="0"/>
-              <a:t>. Write to Katie for support with the code.</a:t>
-            </a:r>
-          </a:p>
-          <a:p>
-            <a:r>
-              <a:rPr lang="en-US" sz="2400" dirty="0"/>
-              <a:t>Or use your own method, but we are trying to make this as easy as possible for modelers to participate!!</a:t>
-            </a:r>
-          </a:p>
-          <a:p>
-            <a:endParaRPr lang="en-US" sz="2400" dirty="0"/>
+              <a:t>Makes plots of:</a:t>
+            </a:r>
+          </a:p>
+          <a:p>
+            <a:r>
+              <a:rPr lang="en-US" dirty="0"/>
+              <a:t>Integral flux time profile</a:t>
+            </a:r>
+          </a:p>
+          <a:p>
+            <a:r>
+              <a:rPr lang="en-US" dirty="0"/>
+              <a:t>Fluence spectrum</a:t>
+            </a:r>
+          </a:p>
+          <a:p>
+            <a:r>
+              <a:rPr lang="en-US" dirty="0"/>
+              <a:t>Bar charts for timing and intensity</a:t>
+            </a:r>
           </a:p>
         </p:txBody>
       </p:sp>
@@ -4920,7 +6993,7 @@
           <p:cNvPr id="4" name="Slide Number Placeholder 3">
             <a:extLst>
               <a:ext uri="{FF2B5EF4-FFF2-40B4-BE49-F238E27FC236}">
-                <a16:creationId xmlns:a16="http://schemas.microsoft.com/office/drawing/2014/main" id="{4227C166-5E56-9147-9309-BE8C1977FB28}"/>
+                <a16:creationId xmlns:a16="http://schemas.microsoft.com/office/drawing/2014/main" id="{29C01E0D-B78C-6B46-AEC5-CFF272BE4E75}"/>
               </a:ext>
             </a:extLst>
           </p:cNvPr>
@@ -4938,7 +7011,7 @@
           <a:p>
             <a:fld id="{BC9E6684-BBAF-2B44-BA0B-A4B011DBF27F}" type="slidenum">
               <a:rPr lang="en-US" smtClean="0"/>
-              <a:t>12</a:t>
+              <a:t>19</a:t>
             </a:fld>
             <a:endParaRPr lang="en-US"/>
           </a:p>
@@ -4947,7 +7020,7 @@
     </p:spTree>
     <p:extLst>
       <p:ext uri="{BB962C8B-B14F-4D97-AF65-F5344CB8AC3E}">
-        <p14:creationId xmlns:p14="http://schemas.microsoft.com/office/powerpoint/2010/main" val="3272389343"/>
+        <p14:creationId xmlns:p14="http://schemas.microsoft.com/office/powerpoint/2010/main" val="3042386415"/>
       </p:ext>
     </p:extLst>
   </p:cSld>
@@ -5142,7 +7215,7 @@
           <p:cNvPr id="4" name="Slide Number Placeholder 3">
             <a:extLst>
               <a:ext uri="{FF2B5EF4-FFF2-40B4-BE49-F238E27FC236}">
-                <a16:creationId xmlns:a16="http://schemas.microsoft.com/office/drawing/2014/main" id="{E4073D40-3CAC-B94E-B698-8B236497A18E}"/>
+                <a16:creationId xmlns:a16="http://schemas.microsoft.com/office/drawing/2014/main" id="{2CA54A87-E9BB-C944-8613-FA5147DC1D1D}"/>
               </a:ext>
             </a:extLst>
           </p:cNvPr>
@@ -5169,7 +7242,258 @@
     </p:spTree>
     <p:extLst>
       <p:ext uri="{BB962C8B-B14F-4D97-AF65-F5344CB8AC3E}">
-        <p14:creationId xmlns:p14="http://schemas.microsoft.com/office/powerpoint/2010/main" val="1433766740"/>
+        <p14:creationId xmlns:p14="http://schemas.microsoft.com/office/powerpoint/2010/main" val="938250786"/>
+      </p:ext>
+    </p:extLst>
+  </p:cSld>
+  <p:clrMapOvr>
+    <a:masterClrMapping/>
+  </p:clrMapOvr>
+</p:sld>
+</file>
+
+<file path=ppt/slides/slide20.xml><?xml version="1.0" encoding="utf-8"?>
+<p:sld xmlns:a="http://schemas.openxmlformats.org/drawingml/2006/main" xmlns:r="http://schemas.openxmlformats.org/officeDocument/2006/relationships" xmlns:p="http://schemas.openxmlformats.org/presentationml/2006/main">
+  <p:cSld>
+    <p:spTree>
+      <p:nvGrpSpPr>
+        <p:cNvPr id="1" name=""/>
+        <p:cNvGrpSpPr/>
+        <p:nvPr/>
+      </p:nvGrpSpPr>
+      <p:grpSpPr>
+        <a:xfrm>
+          <a:off x="0" y="0"/>
+          <a:ext cx="0" cy="0"/>
+          <a:chOff x="0" y="0"/>
+          <a:chExt cx="0" cy="0"/>
+        </a:xfrm>
+      </p:grpSpPr>
+      <p:sp>
+        <p:nvSpPr>
+          <p:cNvPr id="2" name="Title 1">
+            <a:extLst>
+              <a:ext uri="{FF2B5EF4-FFF2-40B4-BE49-F238E27FC236}">
+                <a16:creationId xmlns:a16="http://schemas.microsoft.com/office/drawing/2014/main" id="{A4C7105B-6C33-194E-9520-39DDF1AF55D3}"/>
+              </a:ext>
+            </a:extLst>
+          </p:cNvPr>
+          <p:cNvSpPr>
+            <a:spLocks noGrp="1"/>
+          </p:cNvSpPr>
+          <p:nvPr>
+            <p:ph type="title"/>
+          </p:nvPr>
+        </p:nvSpPr>
+        <p:spPr/>
+        <p:txBody>
+          <a:bodyPr>
+            <a:normAutofit/>
+          </a:bodyPr>
+          <a:lstStyle/>
+          <a:p>
+            <a:r>
+              <a:rPr lang="en-US" sz="3600" dirty="0"/>
+              <a:t>Plotting Code: </a:t>
+            </a:r>
+            <a:r>
+              <a:rPr lang="en-US" sz="3600" dirty="0" err="1"/>
+              <a:t>compare_data_model.py</a:t>
+            </a:r>
+            <a:endParaRPr lang="en-US" sz="3600" dirty="0"/>
+          </a:p>
+        </p:txBody>
+      </p:sp>
+      <p:sp>
+        <p:nvSpPr>
+          <p:cNvPr id="3" name="Content Placeholder 2">
+            <a:extLst>
+              <a:ext uri="{FF2B5EF4-FFF2-40B4-BE49-F238E27FC236}">
+                <a16:creationId xmlns:a16="http://schemas.microsoft.com/office/drawing/2014/main" id="{CF00CC57-CCBA-EF43-8C30-4BD6515C6D14}"/>
+              </a:ext>
+            </a:extLst>
+          </p:cNvPr>
+          <p:cNvSpPr>
+            <a:spLocks noGrp="1"/>
+          </p:cNvSpPr>
+          <p:nvPr>
+            <p:ph idx="1"/>
+          </p:nvPr>
+        </p:nvSpPr>
+        <p:spPr>
+          <a:xfrm>
+            <a:off x="838200" y="1825625"/>
+            <a:ext cx="10515600" cy="2028923"/>
+          </a:xfrm>
+        </p:spPr>
+        <p:txBody>
+          <a:bodyPr>
+            <a:normAutofit/>
+          </a:bodyPr>
+          <a:lstStyle/>
+          <a:p>
+            <a:r>
+              <a:rPr lang="en-US" sz="2400" dirty="0"/>
+              <a:t>Read in output from </a:t>
+            </a:r>
+            <a:r>
+              <a:rPr lang="en-US" sz="2400" dirty="0" err="1"/>
+              <a:t>operational_sep_quantities.py</a:t>
+            </a:r>
+            <a:endParaRPr lang="en-US" sz="2400" dirty="0"/>
+          </a:p>
+          <a:p>
+            <a:r>
+              <a:rPr lang="en-US" sz="2400" dirty="0"/>
+              <a:t>Make useful visualizations to compare measurements with model results:</a:t>
+            </a:r>
+          </a:p>
+          <a:p>
+            <a:pPr lvl="1"/>
+            <a:r>
+              <a:rPr lang="en-US" sz="2000" dirty="0"/>
+              <a:t>Time profile of &gt;10 MeV and &gt;100 MeV fluxes</a:t>
+            </a:r>
+          </a:p>
+          <a:p>
+            <a:pPr lvl="1"/>
+            <a:r>
+              <a:rPr lang="en-US" sz="2000" dirty="0"/>
+              <a:t>Fluence spectrum</a:t>
+            </a:r>
+          </a:p>
+          <a:p>
+            <a:pPr lvl="1"/>
+            <a:r>
+              <a:rPr lang="en-US" sz="2000" dirty="0"/>
+              <a:t>Bar charts – rise time, duration, peak flux, &gt;10 MeV fluence, &gt;100 MeV fluence</a:t>
+            </a:r>
+          </a:p>
+        </p:txBody>
+      </p:sp>
+      <p:pic>
+        <p:nvPicPr>
+          <p:cNvPr id="5" name="Picture 4">
+            <a:extLst>
+              <a:ext uri="{FF2B5EF4-FFF2-40B4-BE49-F238E27FC236}">
+                <a16:creationId xmlns:a16="http://schemas.microsoft.com/office/drawing/2014/main" id="{E7D99DDD-5D65-FB4C-8A33-2640B7A15B7E}"/>
+              </a:ext>
+            </a:extLst>
+          </p:cNvPr>
+          <p:cNvPicPr>
+            <a:picLocks noChangeAspect="1"/>
+          </p:cNvPicPr>
+          <p:nvPr/>
+        </p:nvPicPr>
+        <p:blipFill>
+          <a:blip r:embed="rId2"/>
+          <a:stretch>
+            <a:fillRect/>
+          </a:stretch>
+        </p:blipFill>
+        <p:spPr>
+          <a:xfrm>
+            <a:off x="8900160" y="3989485"/>
+            <a:ext cx="3291840" cy="2743200"/>
+          </a:xfrm>
+          <a:prstGeom prst="rect">
+            <a:avLst/>
+          </a:prstGeom>
+        </p:spPr>
+      </p:pic>
+      <p:pic>
+        <p:nvPicPr>
+          <p:cNvPr id="7" name="Picture 6">
+            <a:extLst>
+              <a:ext uri="{FF2B5EF4-FFF2-40B4-BE49-F238E27FC236}">
+                <a16:creationId xmlns:a16="http://schemas.microsoft.com/office/drawing/2014/main" id="{A6FB6CAA-01D6-4440-BC22-203CC0466DF4}"/>
+              </a:ext>
+            </a:extLst>
+          </p:cNvPr>
+          <p:cNvPicPr>
+            <a:picLocks noChangeAspect="1"/>
+          </p:cNvPicPr>
+          <p:nvPr/>
+        </p:nvPicPr>
+        <p:blipFill>
+          <a:blip r:embed="rId3"/>
+          <a:stretch>
+            <a:fillRect/>
+          </a:stretch>
+        </p:blipFill>
+        <p:spPr>
+          <a:xfrm>
+            <a:off x="4511040" y="3989485"/>
+            <a:ext cx="4389120" cy="2743200"/>
+          </a:xfrm>
+          <a:prstGeom prst="rect">
+            <a:avLst/>
+          </a:prstGeom>
+        </p:spPr>
+      </p:pic>
+      <p:pic>
+        <p:nvPicPr>
+          <p:cNvPr id="9" name="Picture 8">
+            <a:extLst>
+              <a:ext uri="{FF2B5EF4-FFF2-40B4-BE49-F238E27FC236}">
+                <a16:creationId xmlns:a16="http://schemas.microsoft.com/office/drawing/2014/main" id="{E0F63FE8-7516-D141-B0AC-E4A7A22B1EF8}"/>
+              </a:ext>
+            </a:extLst>
+          </p:cNvPr>
+          <p:cNvPicPr>
+            <a:picLocks noChangeAspect="1"/>
+          </p:cNvPicPr>
+          <p:nvPr/>
+        </p:nvPicPr>
+        <p:blipFill>
+          <a:blip r:embed="rId4"/>
+          <a:stretch>
+            <a:fillRect/>
+          </a:stretch>
+        </p:blipFill>
+        <p:spPr>
+          <a:xfrm>
+            <a:off x="0" y="4218085"/>
+            <a:ext cx="4572000" cy="2286000"/>
+          </a:xfrm>
+          <a:prstGeom prst="rect">
+            <a:avLst/>
+          </a:prstGeom>
+        </p:spPr>
+      </p:pic>
+      <p:sp>
+        <p:nvSpPr>
+          <p:cNvPr id="10" name="Slide Number Placeholder 9">
+            <a:extLst>
+              <a:ext uri="{FF2B5EF4-FFF2-40B4-BE49-F238E27FC236}">
+                <a16:creationId xmlns:a16="http://schemas.microsoft.com/office/drawing/2014/main" id="{D9B0DC4E-B5EF-6146-8184-303D50A812F7}"/>
+              </a:ext>
+            </a:extLst>
+          </p:cNvPr>
+          <p:cNvSpPr>
+            <a:spLocks noGrp="1"/>
+          </p:cNvSpPr>
+          <p:nvPr>
+            <p:ph type="sldNum" sz="quarter" idx="12"/>
+          </p:nvPr>
+        </p:nvSpPr>
+        <p:spPr/>
+        <p:txBody>
+          <a:bodyPr/>
+          <a:lstStyle/>
+          <a:p>
+            <a:fld id="{BC9E6684-BBAF-2B44-BA0B-A4B011DBF27F}" type="slidenum">
+              <a:rPr lang="en-US" smtClean="0"/>
+              <a:t>20</a:t>
+            </a:fld>
+            <a:endParaRPr lang="en-US"/>
+          </a:p>
+        </p:txBody>
+      </p:sp>
+    </p:spTree>
+    <p:extLst>
+      <p:ext uri="{BB962C8B-B14F-4D97-AF65-F5344CB8AC3E}">
+        <p14:creationId xmlns:p14="http://schemas.microsoft.com/office/powerpoint/2010/main" val="1198806027"/>
       </p:ext>
     </p:extLst>
   </p:cSld>
@@ -5221,7 +7545,7 @@
           <a:p>
             <a:r>
               <a:rPr lang="en-US" sz="3600" dirty="0"/>
-              <a:t>Approach to Calculating SEP Values for this Challenge</a:t>
+              <a:t>SEP Definitions for this Challenge</a:t>
             </a:r>
           </a:p>
         </p:txBody>
@@ -5245,12 +7569,12 @@
         <p:spPr/>
         <p:txBody>
           <a:bodyPr>
-            <a:normAutofit/>
+            <a:normAutofit lnSpcReduction="10000"/>
           </a:bodyPr>
           <a:lstStyle/>
           <a:p>
             <a:r>
-              <a:rPr lang="en-US" sz="2000" b="1" dirty="0">
+              <a:rPr lang="en-US" sz="2400" b="1" dirty="0">
                 <a:solidFill>
                   <a:srgbClr val="FF0000"/>
                 </a:solidFill>
@@ -5261,88 +7585,88 @@
           <a:p>
             <a:pPr lvl="1"/>
             <a:r>
-              <a:rPr lang="en-US" sz="1800" b="1" dirty="0"/>
+              <a:rPr lang="en-US" sz="2000" b="1" dirty="0"/>
               <a:t>Threshold:</a:t>
             </a:r>
             <a:r>
-              <a:rPr lang="en-US" sz="1800" dirty="0"/>
+              <a:rPr lang="en-US" sz="2000" dirty="0"/>
               <a:t> &gt;10 MeV proton flux exceeds 10 pfu (1/[cm</a:t>
             </a:r>
             <a:r>
-              <a:rPr lang="en-US" sz="1800" baseline="30000" dirty="0"/>
+              <a:rPr lang="en-US" sz="2000" baseline="30000" dirty="0"/>
               <a:t>2</a:t>
             </a:r>
             <a:r>
-              <a:rPr lang="en-US" sz="1800" dirty="0"/>
+              <a:rPr lang="en-US" sz="2000" dirty="0"/>
               <a:t> s </a:t>
             </a:r>
             <a:r>
-              <a:rPr lang="en-US" sz="1800" dirty="0" err="1"/>
+              <a:rPr lang="en-US" sz="2000" dirty="0" err="1"/>
               <a:t>sr</a:t>
             </a:r>
             <a:r>
-              <a:rPr lang="en-US" sz="1800" dirty="0"/>
+              <a:rPr lang="en-US" sz="2000" dirty="0"/>
               <a:t>])</a:t>
             </a:r>
           </a:p>
           <a:p>
             <a:pPr lvl="2"/>
             <a:r>
-              <a:rPr lang="en-US" sz="1400" b="1" dirty="0"/>
+              <a:rPr lang="en-US" sz="1600" b="1" dirty="0"/>
               <a:t>Consequence: </a:t>
             </a:r>
             <a:r>
-              <a:rPr lang="en-US" sz="1400" dirty="0"/>
+              <a:rPr lang="en-US" sz="1600" dirty="0"/>
               <a:t>Awareness that proton levels are rising and provide support to Mission Control if an EVA is planned</a:t>
             </a:r>
           </a:p>
           <a:p>
             <a:pPr lvl="1"/>
             <a:r>
-              <a:rPr lang="en-US" sz="1800" b="1" dirty="0"/>
+              <a:rPr lang="en-US" sz="2000" b="1" dirty="0"/>
               <a:t>Threshold:</a:t>
             </a:r>
             <a:r>
-              <a:rPr lang="en-US" sz="1800" dirty="0"/>
+              <a:rPr lang="en-US" sz="2000" dirty="0"/>
               <a:t> &gt;100 MeV proton flux exceeds 1 pfu</a:t>
             </a:r>
           </a:p>
           <a:p>
             <a:pPr lvl="2"/>
             <a:r>
-              <a:rPr lang="en-US" sz="1400" b="1" dirty="0"/>
+              <a:rPr lang="en-US" sz="1600" b="1" dirty="0"/>
               <a:t>Consequence: </a:t>
             </a:r>
             <a:r>
-              <a:rPr lang="en-US" sz="1400" dirty="0"/>
+              <a:rPr lang="en-US" sz="1600" dirty="0"/>
               <a:t>24/7 support of Mission Control as proton levels can cause increased radiation dose behind shielding</a:t>
             </a:r>
           </a:p>
           <a:p>
             <a:pPr lvl="1"/>
             <a:r>
-              <a:rPr lang="en-US" sz="1800" dirty="0"/>
+              <a:rPr lang="en-US" sz="2000" dirty="0"/>
               <a:t>SRAG currently monitors GOES-13 &gt;10 MeV and &gt; 100 MeV integral channels</a:t>
             </a:r>
           </a:p>
           <a:p>
             <a:pPr lvl="1"/>
             <a:r>
-              <a:rPr lang="en-US" sz="1800" dirty="0"/>
+              <a:rPr lang="en-US" sz="2000" dirty="0"/>
               <a:t>Event end when 3 consecutive data points (15 minutes) fall below 0.85*threshold</a:t>
             </a:r>
           </a:p>
           <a:p>
             <a:pPr lvl="2"/>
             <a:r>
-              <a:rPr lang="en-US" sz="1400" dirty="0"/>
+              <a:rPr lang="en-US" sz="1600" dirty="0"/>
               <a:t>Definition is somewhat arbitrary and was defined to keep the SRAG alarm code from retriggering as the proton flux decays slowly away around the threshold levels</a:t>
             </a:r>
           </a:p>
           <a:p>
             <a:pPr lvl="2"/>
             <a:r>
-              <a:rPr lang="en-US" sz="1400" dirty="0"/>
+              <a:rPr lang="en-US" sz="1600" dirty="0"/>
               <a:t>&gt;100 MeV fluxes below 1 pfu will not cause significant increase in dose behind shielding, so the part of the event above these levels is the most important to quantify</a:t>
             </a:r>
           </a:p>
@@ -5353,7 +7677,7 @@
           <p:cNvPr id="4" name="Slide Number Placeholder 3">
             <a:extLst>
               <a:ext uri="{FF2B5EF4-FFF2-40B4-BE49-F238E27FC236}">
-                <a16:creationId xmlns:a16="http://schemas.microsoft.com/office/drawing/2014/main" id="{CEF10AA4-90CF-C249-9704-F0D8A01A8EC8}"/>
+                <a16:creationId xmlns:a16="http://schemas.microsoft.com/office/drawing/2014/main" id="{9CA0CB07-66B8-CA41-A27C-5CD101D65813}"/>
               </a:ext>
             </a:extLst>
           </p:cNvPr>
@@ -5380,7 +7704,7 @@
     </p:spTree>
     <p:extLst>
       <p:ext uri="{BB962C8B-B14F-4D97-AF65-F5344CB8AC3E}">
-        <p14:creationId xmlns:p14="http://schemas.microsoft.com/office/powerpoint/2010/main" val="1454666186"/>
+        <p14:creationId xmlns:p14="http://schemas.microsoft.com/office/powerpoint/2010/main" val="703770566"/>
       </p:ext>
     </p:extLst>
   </p:cSld>
@@ -5412,7 +7736,7 @@
           <p:cNvPr id="2" name="Title 1">
             <a:extLst>
               <a:ext uri="{FF2B5EF4-FFF2-40B4-BE49-F238E27FC236}">
-                <a16:creationId xmlns:a16="http://schemas.microsoft.com/office/drawing/2014/main" id="{D7D4E22E-7E71-764B-91AD-EEB77EE1531F}"/>
+                <a16:creationId xmlns:a16="http://schemas.microsoft.com/office/drawing/2014/main" id="{1669C2E0-76D7-AC48-B643-05BE0DBE1670}"/>
               </a:ext>
             </a:extLst>
           </p:cNvPr>
@@ -5431,16 +7755,12 @@
           <a:lstStyle/>
           <a:p>
             <a:r>
+              <a:rPr lang="en-US" sz="3600" b="1" dirty="0"/>
+              <a:t>For Modelers: </a:t>
+            </a:r>
+            <a:r>
               <a:rPr lang="en-US" sz="3600" dirty="0"/>
-              <a:t>Code used to Calculate SEP Operational Quantities – </a:t>
-            </a:r>
-            <a:r>
-              <a:rPr lang="en-US" sz="3600" b="1" dirty="0">
-                <a:solidFill>
-                  <a:srgbClr val="FF0000"/>
-                </a:solidFill>
-              </a:rPr>
-              <a:t>Also for use with your model</a:t>
+              <a:t>Data Preparation Package for SHINE 2019</a:t>
             </a:r>
           </a:p>
         </p:txBody>
@@ -5450,7 +7770,7 @@
           <p:cNvPr id="3" name="Content Placeholder 2">
             <a:extLst>
               <a:ext uri="{FF2B5EF4-FFF2-40B4-BE49-F238E27FC236}">
-                <a16:creationId xmlns:a16="http://schemas.microsoft.com/office/drawing/2014/main" id="{831CA6E5-AA66-894B-ACEA-4155931F76AA}"/>
+                <a16:creationId xmlns:a16="http://schemas.microsoft.com/office/drawing/2014/main" id="{813DE476-6CCA-794C-838A-3657107063B7}"/>
               </a:ext>
             </a:extLst>
           </p:cNvPr>
@@ -5463,82 +7783,141 @@
         </p:nvSpPr>
         <p:spPr>
           <a:xfrm>
-            <a:off x="838200" y="1825624"/>
-            <a:ext cx="10515600" cy="4852577"/>
+            <a:off x="838200" y="1572400"/>
+            <a:ext cx="10515600" cy="5067551"/>
           </a:xfrm>
         </p:spPr>
         <p:txBody>
           <a:bodyPr>
-            <a:normAutofit/>
+            <a:normAutofit lnSpcReduction="10000"/>
           </a:bodyPr>
           <a:lstStyle/>
           <a:p>
             <a:r>
-              <a:rPr lang="en-US" sz="2000" dirty="0"/>
-              <a:t>A user-friendly python 3 code was developed by Kathryn Whitman (</a:t>
-            </a:r>
-            <a:r>
-              <a:rPr lang="en-US" sz="2000" dirty="0">
+              <a:rPr lang="en-US" sz="2400" dirty="0"/>
+              <a:t>Kathryn Whitman developed a series of codes to help modelers calculate the values requested for the SHINE 2019 SEP Modeling Challenge session</a:t>
+            </a:r>
+          </a:p>
+          <a:p>
+            <a:pPr>
+              <a:buFont typeface="Wingdings" pitchFamily="2" charset="2"/>
+              <a:buChar char="Ø"/>
+            </a:pPr>
+            <a:r>
+              <a:rPr lang="en-US" sz="2400" dirty="0"/>
+              <a:t>All codes in repository: </a:t>
+            </a:r>
+            <a:r>
+              <a:rPr lang="en-US" sz="2400" dirty="0">
                 <a:hlinkClick r:id="rId2"/>
               </a:rPr>
-              <a:t>Kathryn.Whitman@nasa.gov</a:t>
-            </a:r>
+              <a:t>https://github.com/ktindiana/operational-sep</a:t>
+            </a:r>
+            <a:r>
+              <a:rPr lang="en-US" sz="2400" dirty="0"/>
+              <a:t> </a:t>
+            </a:r>
+          </a:p>
+          <a:p>
+            <a:r>
+              <a:rPr lang="en-US" sz="2400" b="1" dirty="0" err="1"/>
+              <a:t>operational_SEP_SHINE_wrapper.py</a:t>
+            </a:r>
+            <a:endParaRPr lang="en-US" sz="2400" b="1" dirty="0"/>
+          </a:p>
+          <a:p>
+            <a:pPr lvl="1"/>
             <a:r>
               <a:rPr lang="en-US" sz="2000" dirty="0"/>
-              <a:t>) to calculate the values requested for the SEP Modeling Challenge. </a:t>
-            </a:r>
-          </a:p>
-          <a:p>
+              <a:t>Runs </a:t>
+            </a:r>
+            <a:r>
+              <a:rPr lang="en-US" sz="2000" dirty="0" err="1"/>
+              <a:t>operational_sep_quantities.py</a:t>
+            </a:r>
+            <a:r>
+              <a:rPr lang="en-US" sz="2000" dirty="0"/>
+              <a:t> for all SHINE events for all combinations of GOES-13, GOES-13, and SEPEM data types</a:t>
+            </a:r>
+          </a:p>
+          <a:p>
+            <a:pPr lvl="1"/>
+            <a:r>
+              <a:rPr lang="en-US" sz="2000" dirty="0"/>
+              <a:t>Allows users to specify model info and runs </a:t>
+            </a:r>
+            <a:r>
+              <a:rPr lang="en-US" sz="2000" dirty="0" err="1"/>
+              <a:t>operational_sep_quantities.py</a:t>
+            </a:r>
+            <a:r>
+              <a:rPr lang="en-US" sz="2000" dirty="0"/>
+              <a:t> for model</a:t>
+            </a:r>
+          </a:p>
+          <a:p>
+            <a:pPr lvl="1"/>
+            <a:r>
+              <a:rPr lang="en-US" sz="2000" dirty="0"/>
+              <a:t>Makes comparison plots with </a:t>
+            </a:r>
+            <a:r>
+              <a:rPr lang="en-US" sz="2000" dirty="0" err="1"/>
+              <a:t>compare_data_model.py</a:t>
+            </a:r>
+            <a:r>
+              <a:rPr lang="en-US" sz="2000" dirty="0"/>
+              <a:t> and saves to file</a:t>
+            </a:r>
+            <a:endParaRPr lang="en-US" sz="2400" b="1" dirty="0"/>
+          </a:p>
+          <a:p>
+            <a:r>
+              <a:rPr lang="en-US" sz="2400" b="1" dirty="0" err="1"/>
+              <a:t>operational_sep_quantities.py</a:t>
+            </a:r>
+            <a:r>
+              <a:rPr lang="en-US" sz="2400" b="1" dirty="0"/>
+              <a:t> </a:t>
+            </a:r>
+          </a:p>
+          <a:p>
+            <a:pPr lvl="1"/>
+            <a:r>
+              <a:rPr lang="en-US" sz="2000" dirty="0"/>
+              <a:t>Calculates all values requested for shine session for GOES and SEPEM measurements (</a:t>
+            </a:r>
+            <a:r>
+              <a:rPr lang="en-US" sz="2000" dirty="0">
+                <a:hlinkClick r:id="rId3"/>
+              </a:rPr>
+              <a:t>https://shinecon.org/shine2019/session2019.php#session19</a:t>
+            </a:r>
+            <a:r>
+              <a:rPr lang="en-US" sz="2000" dirty="0"/>
+              <a:t> )</a:t>
+            </a:r>
+          </a:p>
+          <a:p>
+            <a:pPr lvl="1"/>
             <a:r>
               <a:rPr lang="en-US" sz="2000" b="1" dirty="0"/>
-              <a:t>This code is sent along with this presentation to all SEP modelers so that the exact choices and methodology for determining the SEP values is transparent to all.</a:t>
-            </a:r>
-          </a:p>
-          <a:p>
+              <a:t>Can calculate the same values for any model that outputs integral or differential flux time series</a:t>
+            </a:r>
+          </a:p>
+          <a:p>
+            <a:r>
+              <a:rPr lang="en-US" sz="2400" b="1" dirty="0" err="1"/>
+              <a:t>compare_data_model.py</a:t>
+            </a:r>
+            <a:endParaRPr lang="en-US" sz="2400" b="1" dirty="0"/>
+          </a:p>
+          <a:p>
+            <a:pPr lvl="1"/>
             <a:r>
               <a:rPr lang="en-US" sz="2000" dirty="0"/>
-              <a:t>If the code is run with GOES-13 integral channels, the output will exactly match that generated by the SRAG operational alarm code.</a:t>
-            </a:r>
-          </a:p>
-          <a:p>
-            <a:endParaRPr lang="en-US" sz="2000" dirty="0"/>
-          </a:p>
-          <a:p>
-            <a:r>
-              <a:rPr lang="en-US" sz="2000" b="1" dirty="0"/>
-              <a:t>Additional intention of this code: </a:t>
-            </a:r>
-            <a:r>
-              <a:rPr lang="en-US" sz="2000" dirty="0"/>
-              <a:t>For models that produce SEP time profiles, this code can be used to calculate exactly the same values in exactly the same way as data.</a:t>
-            </a:r>
-          </a:p>
-          <a:p>
-            <a:r>
-              <a:rPr lang="en-US" sz="2000" dirty="0"/>
-              <a:t>Users may input their own data set (e.g. model output or data with special post-processing, such as background subtraction)</a:t>
-            </a:r>
-          </a:p>
-          <a:p>
-            <a:r>
-              <a:rPr lang="en-US" sz="2000" dirty="0"/>
-              <a:t>Users may define their own threshold, e.g. &gt;50 MeV, 10 pfu, to control event start and end</a:t>
-            </a:r>
-          </a:p>
-          <a:p>
-            <a:r>
-              <a:rPr lang="en-US" sz="1600" dirty="0">
-                <a:solidFill>
-                  <a:srgbClr val="FF0000"/>
-                </a:solidFill>
-              </a:rPr>
-              <a:t>Note: The code is not smart enough to handle multiple SEP events in a row – please contact Katie if you want to use the code for a specific event and run into problems; Updates and modifications will be ongoing and made public</a:t>
-            </a:r>
-            <a:endParaRPr lang="en-US" sz="1600" dirty="0"/>
-          </a:p>
-          <a:p>
-            <a:pPr lvl="1"/>
-            <a:endParaRPr lang="en-US" sz="1600" dirty="0"/>
+              <a:t>Make comparison plots between measurements and model results</a:t>
+            </a:r>
           </a:p>
         </p:txBody>
       </p:sp>
@@ -5547,7 +7926,7 @@
           <p:cNvPr id="4" name="Slide Number Placeholder 3">
             <a:extLst>
               <a:ext uri="{FF2B5EF4-FFF2-40B4-BE49-F238E27FC236}">
-                <a16:creationId xmlns:a16="http://schemas.microsoft.com/office/drawing/2014/main" id="{122FDC94-2051-A543-A6FC-E622DE7E0891}"/>
+                <a16:creationId xmlns:a16="http://schemas.microsoft.com/office/drawing/2014/main" id="{374E1106-D986-DB42-8CDC-044519F62BD7}"/>
               </a:ext>
             </a:extLst>
           </p:cNvPr>
@@ -5574,7 +7953,7 @@
     </p:spTree>
     <p:extLst>
       <p:ext uri="{BB962C8B-B14F-4D97-AF65-F5344CB8AC3E}">
-        <p14:creationId xmlns:p14="http://schemas.microsoft.com/office/powerpoint/2010/main" val="3797192775"/>
+        <p14:creationId xmlns:p14="http://schemas.microsoft.com/office/powerpoint/2010/main" val="3164101303"/>
       </p:ext>
     </p:extLst>
   </p:cSld>
@@ -5606,7 +7985,7 @@
           <p:cNvPr id="2" name="Title 1">
             <a:extLst>
               <a:ext uri="{FF2B5EF4-FFF2-40B4-BE49-F238E27FC236}">
-                <a16:creationId xmlns:a16="http://schemas.microsoft.com/office/drawing/2014/main" id="{D7D4E22E-7E71-764B-91AD-EEB77EE1531F}"/>
+                <a16:creationId xmlns:a16="http://schemas.microsoft.com/office/drawing/2014/main" id="{2C4AB80B-05A3-4A44-A320-BE5A78037F13}"/>
               </a:ext>
             </a:extLst>
           </p:cNvPr>
@@ -5625,153 +8004,35 @@
           <a:lstStyle/>
           <a:p>
             <a:r>
-              <a:rPr lang="en-US" sz="3600" dirty="0"/>
-              <a:t>Code to Calculate SEP Operational Quantities</a:t>
-            </a:r>
-          </a:p>
-        </p:txBody>
-      </p:sp>
-      <p:sp>
-        <p:nvSpPr>
-          <p:cNvPr id="3" name="Content Placeholder 2">
-            <a:extLst>
-              <a:ext uri="{FF2B5EF4-FFF2-40B4-BE49-F238E27FC236}">
-                <a16:creationId xmlns:a16="http://schemas.microsoft.com/office/drawing/2014/main" id="{831CA6E5-AA66-894B-ACEA-4155931F76AA}"/>
-              </a:ext>
-            </a:extLst>
-          </p:cNvPr>
-          <p:cNvSpPr>
-            <a:spLocks noGrp="1"/>
-          </p:cNvSpPr>
-          <p:nvPr>
-            <p:ph idx="1"/>
-          </p:nvPr>
-        </p:nvSpPr>
-        <p:spPr>
-          <a:xfrm>
-            <a:off x="838200" y="1609871"/>
-            <a:ext cx="10515600" cy="4893668"/>
-          </a:xfrm>
-        </p:spPr>
-        <p:txBody>
-          <a:bodyPr>
-            <a:normAutofit/>
-          </a:bodyPr>
-          <a:lstStyle/>
-          <a:p>
-            <a:r>
-              <a:rPr lang="en-US" sz="2000" dirty="0"/>
-              <a:t>The code, </a:t>
-            </a:r>
-            <a:r>
-              <a:rPr lang="en-US" sz="2000" dirty="0" err="1"/>
-              <a:t>operational_sep_quantities.py</a:t>
-            </a:r>
-            <a:r>
-              <a:rPr lang="en-US" sz="2000" dirty="0"/>
-              <a:t>, does the following for a single SEP event:</a:t>
-            </a:r>
-            <a:endParaRPr lang="en-US" sz="1600" dirty="0"/>
-          </a:p>
-          <a:p>
-            <a:pPr marL="800100" lvl="1" indent="-342900">
-              <a:buFont typeface="+mj-lt"/>
-              <a:buAutoNum type="arabicPeriod"/>
-            </a:pPr>
-            <a:r>
-              <a:rPr lang="en-US" sz="1800" dirty="0"/>
-              <a:t>Creates “data” and ”output” directories</a:t>
-            </a:r>
-          </a:p>
-          <a:p>
-            <a:pPr marL="800100" lvl="1" indent="-342900">
-              <a:buFont typeface="+mj-lt"/>
-              <a:buAutoNum type="arabicPeriod"/>
-            </a:pPr>
-            <a:endParaRPr lang="en-US" sz="1800" dirty="0"/>
-          </a:p>
-          <a:p>
-            <a:pPr marL="800100" lvl="1" indent="-342900">
-              <a:buFont typeface="+mj-lt"/>
-              <a:buAutoNum type="arabicPeriod"/>
-            </a:pPr>
-            <a:r>
-              <a:rPr lang="en-US" sz="1800" dirty="0"/>
-              <a:t>Automatically downloads GOES-8 to GOES-15 data for requested time periods into “data”</a:t>
-            </a:r>
-          </a:p>
-          <a:p>
-            <a:pPr lvl="2"/>
-            <a:r>
-              <a:rPr lang="en-US" sz="1400" dirty="0"/>
-              <a:t>User must match spacecraft to requested time period</a:t>
-            </a:r>
-          </a:p>
-          <a:p>
-            <a:pPr marL="800100" lvl="1" indent="-342900">
-              <a:buFont typeface="+mj-lt"/>
-              <a:buAutoNum type="arabicPeriod"/>
-            </a:pPr>
-            <a:endParaRPr lang="en-US" sz="1800" dirty="0"/>
-          </a:p>
-          <a:p>
-            <a:pPr marL="800100" lvl="1" indent="-342900">
-              <a:buFont typeface="+mj-lt"/>
-              <a:buAutoNum type="arabicPeriod"/>
-            </a:pPr>
-            <a:r>
-              <a:rPr lang="en-US" sz="1800" dirty="0"/>
-              <a:t>To use SEPEM data, the user must first manually download and unzip file (URL in code) into ”data” directory. The code will then break up the data set into yearly files for faster reading.</a:t>
-            </a:r>
-          </a:p>
-          <a:p>
-            <a:pPr marL="800100" lvl="1" indent="-342900">
-              <a:buFont typeface="+mj-lt"/>
-              <a:buAutoNum type="arabicPeriod"/>
-            </a:pPr>
-            <a:endParaRPr lang="en-US" sz="1800" dirty="0"/>
-          </a:p>
-          <a:p>
-            <a:pPr marL="800100" lvl="1" indent="-342900">
-              <a:buFont typeface="+mj-lt"/>
-              <a:buAutoNum type="arabicPeriod"/>
-            </a:pPr>
-            <a:r>
-              <a:rPr lang="en-US" sz="1800" dirty="0"/>
-              <a:t>Searches for data gaps (e.g. -999, assumes any negative flux is a data gap) and fills in the missing data by applying a </a:t>
-            </a:r>
-            <a:r>
-              <a:rPr lang="en-US" sz="1800" b="1" dirty="0"/>
-              <a:t>linear interpolation with time</a:t>
-            </a:r>
-          </a:p>
-          <a:p>
-            <a:pPr lvl="2"/>
-            <a:r>
-              <a:rPr lang="en-US" sz="1400" dirty="0"/>
-              <a:t>Zero flux is treated as a valid value as model code may have real zero values</a:t>
-            </a:r>
-          </a:p>
-          <a:p>
-            <a:pPr marL="800100" lvl="1" indent="-342900">
-              <a:buFont typeface="+mj-lt"/>
-              <a:buAutoNum type="arabicPeriod"/>
-            </a:pPr>
-            <a:endParaRPr lang="en-US" sz="1800" dirty="0"/>
-          </a:p>
-          <a:p>
-            <a:pPr marL="800100" lvl="1" indent="-342900">
-              <a:buFont typeface="+mj-lt"/>
-              <a:buAutoNum type="arabicPeriod"/>
-            </a:pPr>
-            <a:r>
-              <a:rPr lang="en-US" sz="1800" dirty="0"/>
-              <a:t>If user selects differential channels, code will estimate &gt;10 and &gt;100 MeV fluxes using </a:t>
-            </a:r>
-            <a:r>
-              <a:rPr lang="en-US" sz="1800" b="1" dirty="0"/>
-              <a:t>power-law interpolation across the energy bins</a:t>
-            </a:r>
+              <a:rPr lang="en-US" sz="5400" dirty="0" err="1"/>
+              <a:t>operational_SEP_SHINE_wrapper.py</a:t>
+            </a:r>
+            <a:endParaRPr lang="en-US" sz="5400" dirty="0"/>
+          </a:p>
+        </p:txBody>
+      </p:sp>
+      <p:sp>
+        <p:nvSpPr>
+          <p:cNvPr id="3" name="Text Placeholder 2">
+            <a:extLst>
+              <a:ext uri="{FF2B5EF4-FFF2-40B4-BE49-F238E27FC236}">
+                <a16:creationId xmlns:a16="http://schemas.microsoft.com/office/drawing/2014/main" id="{F237E3C7-3299-5C47-96A8-3AF79CC3DEC1}"/>
+              </a:ext>
+            </a:extLst>
+          </p:cNvPr>
+          <p:cNvSpPr>
+            <a:spLocks noGrp="1"/>
+          </p:cNvSpPr>
+          <p:nvPr>
+            <p:ph type="body" idx="1"/>
+          </p:nvPr>
+        </p:nvSpPr>
+        <p:spPr/>
+        <p:txBody>
+          <a:bodyPr/>
+          <a:lstStyle/>
+          <a:p>
+            <a:endParaRPr lang="en-US" dirty="0"/>
           </a:p>
         </p:txBody>
       </p:sp>
@@ -5780,7 +8041,7 @@
           <p:cNvPr id="4" name="Slide Number Placeholder 3">
             <a:extLst>
               <a:ext uri="{FF2B5EF4-FFF2-40B4-BE49-F238E27FC236}">
-                <a16:creationId xmlns:a16="http://schemas.microsoft.com/office/drawing/2014/main" id="{D9A7C55C-48F6-C047-BC6F-8E0FB20D570A}"/>
+                <a16:creationId xmlns:a16="http://schemas.microsoft.com/office/drawing/2014/main" id="{FAD75C47-6BF7-8D4F-A362-6098D00681BF}"/>
               </a:ext>
             </a:extLst>
           </p:cNvPr>
@@ -5807,7 +8068,7 @@
     </p:spTree>
     <p:extLst>
       <p:ext uri="{BB962C8B-B14F-4D97-AF65-F5344CB8AC3E}">
-        <p14:creationId xmlns:p14="http://schemas.microsoft.com/office/powerpoint/2010/main" val="1327629029"/>
+        <p14:creationId xmlns:p14="http://schemas.microsoft.com/office/powerpoint/2010/main" val="2810716047"/>
       </p:ext>
     </p:extLst>
   </p:cSld>
@@ -5839,7 +8100,7 @@
           <p:cNvPr id="2" name="Title 1">
             <a:extLst>
               <a:ext uri="{FF2B5EF4-FFF2-40B4-BE49-F238E27FC236}">
-                <a16:creationId xmlns:a16="http://schemas.microsoft.com/office/drawing/2014/main" id="{D7D4E22E-7E71-764B-91AD-EEB77EE1531F}"/>
+                <a16:creationId xmlns:a16="http://schemas.microsoft.com/office/drawing/2014/main" id="{C5631D4C-EA32-D14B-805D-5453CA687174}"/>
               </a:ext>
             </a:extLst>
           </p:cNvPr>
@@ -5859,8 +8120,16 @@
           <a:p>
             <a:r>
               <a:rPr lang="en-US" sz="3600" dirty="0"/>
-              <a:t>Code to Calculate SEP Operational Quantities</a:t>
-            </a:r>
+              <a:t>Analysis and Plots for All SHINE Events:</a:t>
+            </a:r>
+            <a:br>
+              <a:rPr lang="en-US" sz="3600" dirty="0"/>
+            </a:br>
+            <a:r>
+              <a:rPr lang="en-US" sz="3600" dirty="0" err="1"/>
+              <a:t>operational_SEP_SHINE_wrapper.py</a:t>
+            </a:r>
+            <a:endParaRPr lang="en-US" sz="3600" dirty="0"/>
           </a:p>
         </p:txBody>
       </p:sp>
@@ -5869,7 +8138,7 @@
           <p:cNvPr id="3" name="Content Placeholder 2">
             <a:extLst>
               <a:ext uri="{FF2B5EF4-FFF2-40B4-BE49-F238E27FC236}">
-                <a16:creationId xmlns:a16="http://schemas.microsoft.com/office/drawing/2014/main" id="{831CA6E5-AA66-894B-ACEA-4155931F76AA}"/>
+                <a16:creationId xmlns:a16="http://schemas.microsoft.com/office/drawing/2014/main" id="{9D866B01-490A-564C-988A-9EB7DA26624F}"/>
               </a:ext>
             </a:extLst>
           </p:cNvPr>
@@ -5882,8 +8151,8 @@
         </p:nvSpPr>
         <p:spPr>
           <a:xfrm>
-            <a:off x="838200" y="1609871"/>
-            <a:ext cx="10515600" cy="4893668"/>
+            <a:off x="838200" y="1825625"/>
+            <a:ext cx="10515600" cy="4351338"/>
           </a:xfrm>
         </p:spPr>
         <p:txBody>
@@ -5893,117 +8162,73 @@
           <a:lstStyle/>
           <a:p>
             <a:r>
+              <a:rPr lang="en-US" sz="2400" dirty="0"/>
+              <a:t>Runs </a:t>
+            </a:r>
+            <a:r>
+              <a:rPr lang="en-US" sz="2400" dirty="0" err="1"/>
+              <a:t>operational_sep_quantities.py</a:t>
+            </a:r>
+            <a:r>
+              <a:rPr lang="en-US" sz="2400" dirty="0"/>
+              <a:t> for all GOES and SEPEM experiments</a:t>
+            </a:r>
+          </a:p>
+          <a:p>
+            <a:pPr lvl="1"/>
+            <a:r>
               <a:rPr lang="en-US" sz="2000" dirty="0"/>
-              <a:t>The code, </a:t>
+              <a:t>All values in the tables in this </a:t>
             </a:r>
             <a:r>
               <a:rPr lang="en-US" sz="2000" dirty="0" err="1"/>
+              <a:t>powerpoint</a:t>
+            </a:r>
+            <a:r>
+              <a:rPr lang="en-US" sz="2000" dirty="0"/>
+              <a:t> template are saved in output files</a:t>
+            </a:r>
+          </a:p>
+          <a:p>
+            <a:r>
+              <a:rPr lang="en-US" sz="2400" dirty="0"/>
+              <a:t>Runs </a:t>
+            </a:r>
+            <a:r>
+              <a:rPr lang="en-US" sz="2400" dirty="0" err="1"/>
               <a:t>operational_sep_quantities.py</a:t>
             </a:r>
             <a:r>
+              <a:rPr lang="en-US" sz="2400" dirty="0"/>
+              <a:t> for your model</a:t>
+            </a:r>
+          </a:p>
+          <a:p>
+            <a:pPr lvl="1"/>
+            <a:r>
               <a:rPr lang="en-US" sz="2000" dirty="0"/>
-              <a:t>, does the following for a single SEP event:</a:t>
-            </a:r>
-            <a:endParaRPr lang="en-US" sz="1600" dirty="0"/>
-          </a:p>
-          <a:p>
-            <a:pPr marL="800100" lvl="1" indent="-342900">
-              <a:buFont typeface="+mj-lt"/>
-              <a:buAutoNum type="arabicPeriod" startAt="6"/>
-            </a:pPr>
-            <a:r>
-              <a:rPr lang="en-US" sz="1800" dirty="0"/>
-              <a:t>Calculates threshold crossing times, peak flux, peak time, rise time (onset to peak), event end, and duration</a:t>
-            </a:r>
-          </a:p>
-          <a:p>
-            <a:pPr lvl="2"/>
-            <a:r>
-              <a:rPr lang="en-US" sz="1400" dirty="0"/>
-              <a:t>Calculates all for &gt;10 MeV, 10 pfu and &gt;100 MeV, 1 pfu thresholds; will additionally calculate for a user-input threshold</a:t>
-            </a:r>
-          </a:p>
-          <a:p>
-            <a:pPr lvl="2"/>
-            <a:r>
-              <a:rPr lang="en-US" sz="1400" b="1" dirty="0"/>
-              <a:t>An event ends when three consecutive data points fall below 0.85*threshold</a:t>
-            </a:r>
-          </a:p>
-          <a:p>
-            <a:pPr lvl="2"/>
-            <a:r>
-              <a:rPr lang="en-US" sz="1400" dirty="0"/>
-              <a:t>Peak flux is the highest flux measured between event start and end times</a:t>
-            </a:r>
-          </a:p>
-          <a:p>
-            <a:pPr marL="800100" lvl="1" indent="-342900">
-              <a:buFont typeface="+mj-lt"/>
-              <a:buAutoNum type="arabicPeriod" startAt="6"/>
-            </a:pPr>
-            <a:endParaRPr lang="en-US" sz="1800" dirty="0"/>
-          </a:p>
-          <a:p>
-            <a:pPr marL="800100" lvl="1" indent="-342900">
-              <a:buFont typeface="+mj-lt"/>
-              <a:buAutoNum type="arabicPeriod" startAt="6"/>
-            </a:pPr>
-            <a:r>
-              <a:rPr lang="en-US" sz="1800" dirty="0"/>
-              <a:t>Calculates event-integrated fluence of original channels (integral or differential) as well as event-integrated fluence corresponding to &gt;10 MeV and &gt;100 MeV fluxes (estimated if the original channels were differential)</a:t>
-            </a:r>
-          </a:p>
-          <a:p>
-            <a:pPr marL="800100" lvl="1" indent="-342900">
-              <a:buFont typeface="+mj-lt"/>
-              <a:buAutoNum type="arabicPeriod" startAt="6"/>
-            </a:pPr>
-            <a:endParaRPr lang="en-US" sz="1800" dirty="0"/>
-          </a:p>
-          <a:p>
-            <a:pPr marL="800100" lvl="1" indent="-342900">
-              <a:buFont typeface="+mj-lt"/>
-              <a:buAutoNum type="arabicPeriod" startAt="6"/>
-            </a:pPr>
-            <a:r>
-              <a:rPr lang="en-US" sz="1800" dirty="0"/>
-              <a:t>Fluences and event values are saved to files in “output” directory</a:t>
-            </a:r>
-          </a:p>
-          <a:p>
-            <a:pPr marL="800100" lvl="1" indent="-342900">
-              <a:buFont typeface="+mj-lt"/>
-              <a:buAutoNum type="arabicPeriod" startAt="6"/>
-            </a:pPr>
-            <a:endParaRPr lang="en-US" sz="1800" dirty="0"/>
-          </a:p>
-          <a:p>
-            <a:pPr marL="800100" lvl="1" indent="-342900">
-              <a:buFont typeface="+mj-lt"/>
-              <a:buAutoNum type="arabicPeriod" startAt="6"/>
-            </a:pPr>
-            <a:r>
-              <a:rPr lang="en-US" sz="1800" dirty="0"/>
-              <a:t>Shows useful plots with start and end times identified (</a:t>
-            </a:r>
-            <a:r>
-              <a:rPr lang="en-US" sz="1800" b="1" dirty="0"/>
-              <a:t>close plots for program to continue</a:t>
-            </a:r>
-            <a:r>
-              <a:rPr lang="en-US" sz="1800" dirty="0"/>
-              <a:t>)</a:t>
-            </a:r>
-          </a:p>
-        </p:txBody>
-      </p:sp>
-      <p:sp>
-        <p:nvSpPr>
-          <p:cNvPr id="4" name="Slide Number Placeholder 3">
-            <a:extLst>
-              <a:ext uri="{FF2B5EF4-FFF2-40B4-BE49-F238E27FC236}">
-                <a16:creationId xmlns:a16="http://schemas.microsoft.com/office/drawing/2014/main" id="{8AFAB73E-4FCC-D04A-BC9A-3A566530BBAA}"/>
+              <a:t>All values requested for SHINE are saved in output files</a:t>
+            </a:r>
+          </a:p>
+          <a:p>
+            <a:r>
+              <a:rPr lang="en-US" sz="2400" dirty="0"/>
+              <a:t>Makes plots of measurements and model for easy visualization of model performance by running </a:t>
+            </a:r>
+            <a:r>
+              <a:rPr lang="en-US" sz="2400" dirty="0" err="1"/>
+              <a:t>compare_data_model.py</a:t>
+            </a:r>
+            <a:endParaRPr lang="en-US" sz="2400" dirty="0"/>
+          </a:p>
+        </p:txBody>
+      </p:sp>
+      <p:sp>
+        <p:nvSpPr>
+          <p:cNvPr id="6" name="Slide Number Placeholder 5">
+            <a:extLst>
+              <a:ext uri="{FF2B5EF4-FFF2-40B4-BE49-F238E27FC236}">
+                <a16:creationId xmlns:a16="http://schemas.microsoft.com/office/drawing/2014/main" id="{53BA34BD-5D7E-6F44-9E35-1F4C4C0B2FC1}"/>
               </a:ext>
             </a:extLst>
           </p:cNvPr>
@@ -6030,7 +8255,7 @@
     </p:spTree>
     <p:extLst>
       <p:ext uri="{BB962C8B-B14F-4D97-AF65-F5344CB8AC3E}">
-        <p14:creationId xmlns:p14="http://schemas.microsoft.com/office/powerpoint/2010/main" val="2975639970"/>
+        <p14:creationId xmlns:p14="http://schemas.microsoft.com/office/powerpoint/2010/main" val="835614856"/>
       </p:ext>
     </p:extLst>
   </p:cSld>
@@ -6062,7 +8287,7 @@
           <p:cNvPr id="2" name="Title 1">
             <a:extLst>
               <a:ext uri="{FF2B5EF4-FFF2-40B4-BE49-F238E27FC236}">
-                <a16:creationId xmlns:a16="http://schemas.microsoft.com/office/drawing/2014/main" id="{9E86FFA0-1D01-AC45-82EC-8F39E175F520}"/>
+                <a16:creationId xmlns:a16="http://schemas.microsoft.com/office/drawing/2014/main" id="{4E52185B-942C-5342-AF8E-02A4494345E4}"/>
               </a:ext>
             </a:extLst>
           </p:cNvPr>
@@ -6082,17 +8307,93 @@
           <a:p>
             <a:r>
               <a:rPr lang="en-US" sz="3600" dirty="0"/>
-              <a:t>To Run the Code (Copy-paste for Mac)</a:t>
-            </a:r>
-          </a:p>
-        </p:txBody>
-      </p:sp>
-      <p:sp>
-        <p:nvSpPr>
-          <p:cNvPr id="3" name="TextBox 2">
-            <a:extLst>
-              <a:ext uri="{FF2B5EF4-FFF2-40B4-BE49-F238E27FC236}">
-                <a16:creationId xmlns:a16="http://schemas.microsoft.com/office/drawing/2014/main" id="{D2BBCC0E-D940-9D4C-9875-A702E1E78409}"/>
+              <a:t>Modify </a:t>
+            </a:r>
+            <a:r>
+              <a:rPr lang="en-US" sz="3600" dirty="0" err="1"/>
+              <a:t>operational_SEP_SHINE_wrapper.py</a:t>
+            </a:r>
+            <a:r>
+              <a:rPr lang="en-US" sz="3600" dirty="0"/>
+              <a:t> and </a:t>
+            </a:r>
+            <a:r>
+              <a:rPr lang="en-US" sz="3600" dirty="0" err="1"/>
+              <a:t>operational_sep_values.py</a:t>
+            </a:r>
+            <a:r>
+              <a:rPr lang="en-US" sz="3600" dirty="0"/>
+              <a:t> for your Model</a:t>
+            </a:r>
+          </a:p>
+        </p:txBody>
+      </p:sp>
+      <p:pic>
+        <p:nvPicPr>
+          <p:cNvPr id="5" name="Picture 4">
+            <a:extLst>
+              <a:ext uri="{FF2B5EF4-FFF2-40B4-BE49-F238E27FC236}">
+                <a16:creationId xmlns:a16="http://schemas.microsoft.com/office/drawing/2014/main" id="{A385979B-1224-0D49-94CB-ACCEE9AC66AA}"/>
+              </a:ext>
+            </a:extLst>
+          </p:cNvPr>
+          <p:cNvPicPr>
+            <a:picLocks noChangeAspect="1"/>
+          </p:cNvPicPr>
+          <p:nvPr/>
+        </p:nvPicPr>
+        <p:blipFill>
+          <a:blip r:embed="rId2"/>
+          <a:stretch>
+            <a:fillRect/>
+          </a:stretch>
+        </p:blipFill>
+        <p:spPr>
+          <a:xfrm>
+            <a:off x="70340" y="3288018"/>
+            <a:ext cx="5943600" cy="3201041"/>
+          </a:xfrm>
+          <a:prstGeom prst="rect">
+            <a:avLst/>
+          </a:prstGeom>
+        </p:spPr>
+      </p:pic>
+      <p:pic>
+        <p:nvPicPr>
+          <p:cNvPr id="7" name="Picture 6">
+            <a:extLst>
+              <a:ext uri="{FF2B5EF4-FFF2-40B4-BE49-F238E27FC236}">
+                <a16:creationId xmlns:a16="http://schemas.microsoft.com/office/drawing/2014/main" id="{474CC7C4-9889-7743-A36E-FA8FAAF9BC34}"/>
+              </a:ext>
+            </a:extLst>
+          </p:cNvPr>
+          <p:cNvPicPr>
+            <a:picLocks noChangeAspect="1"/>
+          </p:cNvPicPr>
+          <p:nvPr/>
+        </p:nvPicPr>
+        <p:blipFill>
+          <a:blip r:embed="rId3"/>
+          <a:stretch>
+            <a:fillRect/>
+          </a:stretch>
+        </p:blipFill>
+        <p:spPr>
+          <a:xfrm>
+            <a:off x="6186852" y="3288018"/>
+            <a:ext cx="5943600" cy="2437544"/>
+          </a:xfrm>
+          <a:prstGeom prst="rect">
+            <a:avLst/>
+          </a:prstGeom>
+        </p:spPr>
+      </p:pic>
+      <p:sp>
+        <p:nvSpPr>
+          <p:cNvPr id="8" name="TextBox 7">
+            <a:extLst>
+              <a:ext uri="{FF2B5EF4-FFF2-40B4-BE49-F238E27FC236}">
+                <a16:creationId xmlns:a16="http://schemas.microsoft.com/office/drawing/2014/main" id="{B94E4A13-F892-E44C-9994-7077F26A35B1}"/>
               </a:ext>
             </a:extLst>
           </p:cNvPr>
@@ -6101,8 +8402,8 @@
         </p:nvSpPr>
         <p:spPr>
           <a:xfrm>
-            <a:off x="838200" y="1510145"/>
-            <a:ext cx="10744200" cy="5232202"/>
+            <a:off x="6816381" y="1975535"/>
+            <a:ext cx="4684541" cy="1200329"/>
           </a:xfrm>
           <a:prstGeom prst="rect">
             <a:avLst/>
@@ -6116,332 +8417,69 @@
           <a:lstStyle/>
           <a:p>
             <a:r>
-              <a:rPr lang="en-US" dirty="0"/>
-              <a:t>For Macs, I prefer using Homebrew. If you don’t have homebrew, you may install with:</a:t>
-            </a:r>
-          </a:p>
-          <a:p>
-            <a:r>
-              <a:rPr lang="en-US" sz="1400" dirty="0">
-                <a:latin typeface="Courier New" panose="02070309020205020404" pitchFamily="49" charset="0"/>
-                <a:cs typeface="Courier New" panose="02070309020205020404" pitchFamily="49" charset="0"/>
-              </a:rPr>
-              <a:t>/</a:t>
-            </a:r>
-            <a:r>
-              <a:rPr lang="en-US" sz="1400" dirty="0" err="1">
-                <a:latin typeface="Courier New" panose="02070309020205020404" pitchFamily="49" charset="0"/>
-                <a:cs typeface="Courier New" panose="02070309020205020404" pitchFamily="49" charset="0"/>
-              </a:rPr>
-              <a:t>usr</a:t>
-            </a:r>
-            <a:r>
-              <a:rPr lang="en-US" sz="1400" dirty="0">
-                <a:latin typeface="Courier New" panose="02070309020205020404" pitchFamily="49" charset="0"/>
-                <a:cs typeface="Courier New" panose="02070309020205020404" pitchFamily="49" charset="0"/>
-              </a:rPr>
-              <a:t>/bin/ruby -e "$(curl -</a:t>
-            </a:r>
-            <a:r>
-              <a:rPr lang="en-US" sz="1400" dirty="0" err="1">
-                <a:latin typeface="Courier New" panose="02070309020205020404" pitchFamily="49" charset="0"/>
-                <a:cs typeface="Courier New" panose="02070309020205020404" pitchFamily="49" charset="0"/>
-              </a:rPr>
-              <a:t>fsSL</a:t>
-            </a:r>
-            <a:r>
-              <a:rPr lang="en-US" sz="1400" dirty="0">
-                <a:latin typeface="Courier New" panose="02070309020205020404" pitchFamily="49" charset="0"/>
-                <a:cs typeface="Courier New" panose="02070309020205020404" pitchFamily="49" charset="0"/>
-              </a:rPr>
-              <a:t> </a:t>
-            </a:r>
-            <a:r>
-              <a:rPr lang="en-US" sz="1400" u="sng" dirty="0">
-                <a:latin typeface="Courier New" panose="02070309020205020404" pitchFamily="49" charset="0"/>
-                <a:cs typeface="Courier New" panose="02070309020205020404" pitchFamily="49" charset="0"/>
-                <a:hlinkClick r:id="rId2"/>
-              </a:rPr>
-              <a:t>https://raw.githubusercontent.com/Homebrew/install/master/install)</a:t>
-            </a:r>
-            <a:r>
-              <a:rPr lang="en-US" sz="1400" dirty="0">
-                <a:latin typeface="Courier New" panose="02070309020205020404" pitchFamily="49" charset="0"/>
-                <a:cs typeface="Courier New" panose="02070309020205020404" pitchFamily="49" charset="0"/>
-              </a:rPr>
-              <a:t>”</a:t>
-            </a:r>
-          </a:p>
-          <a:p>
-            <a:endParaRPr lang="en-US" dirty="0"/>
-          </a:p>
-          <a:p>
-            <a:pPr marL="342900" indent="-342900">
-              <a:buFont typeface="+mj-lt"/>
-              <a:buAutoNum type="arabicPeriod"/>
-            </a:pPr>
-            <a:r>
-              <a:rPr lang="en-US" dirty="0"/>
-              <a:t>Install python3. </a:t>
-            </a:r>
-          </a:p>
-          <a:p>
-            <a:pPr marL="800100" lvl="1" indent="-342900">
-              <a:buFont typeface="Arial" panose="020B0604020202020204" pitchFamily="34" charset="0"/>
-              <a:buChar char="•"/>
-            </a:pPr>
-            <a:r>
-              <a:rPr lang="en-US" dirty="0"/>
-              <a:t>If you have a mac and use homebrew, you may use this command in the terminal:</a:t>
-            </a:r>
-            <a:br>
-              <a:rPr lang="en-US" dirty="0"/>
-            </a:br>
-            <a:r>
-              <a:rPr lang="en-US" dirty="0">
-                <a:latin typeface="Courier New" panose="02070309020205020404" pitchFamily="49" charset="0"/>
-                <a:cs typeface="Courier New" panose="02070309020205020404" pitchFamily="49" charset="0"/>
-              </a:rPr>
-              <a:t>brew install python</a:t>
-            </a:r>
-          </a:p>
-          <a:p>
-            <a:pPr marL="342900" indent="-342900">
-              <a:buFont typeface="+mj-lt"/>
-              <a:buAutoNum type="arabicPeriod"/>
-            </a:pPr>
-            <a:r>
-              <a:rPr lang="en-US" dirty="0"/>
-              <a:t>Install additional libraries matplotlib, </a:t>
-            </a:r>
-            <a:r>
-              <a:rPr lang="en-US" dirty="0" err="1"/>
-              <a:t>wget</a:t>
-            </a:r>
-            <a:r>
-              <a:rPr lang="en-US" dirty="0"/>
-              <a:t>, </a:t>
-            </a:r>
-            <a:r>
-              <a:rPr lang="en-US" dirty="0" err="1"/>
-              <a:t>scipy</a:t>
-            </a:r>
-            <a:endParaRPr lang="en-US" dirty="0"/>
-          </a:p>
-          <a:p>
-            <a:pPr marL="800100" lvl="1" indent="-342900">
-              <a:buFont typeface="Arial" panose="020B0604020202020204" pitchFamily="34" charset="0"/>
-              <a:buChar char="•"/>
-            </a:pPr>
-            <a:r>
-              <a:rPr lang="en-US" dirty="0"/>
-              <a:t>For Mac, type in the terminal:</a:t>
-            </a:r>
-            <a:br>
-              <a:rPr lang="en-US" dirty="0"/>
-            </a:br>
-            <a:r>
-              <a:rPr lang="en-US" dirty="0">
-                <a:latin typeface="Courier New" panose="02070309020205020404" pitchFamily="49" charset="0"/>
-                <a:cs typeface="Courier New" panose="02070309020205020404" pitchFamily="49" charset="0"/>
-              </a:rPr>
-              <a:t>pip3 install matplotlib</a:t>
-            </a:r>
-            <a:br>
-              <a:rPr lang="en-US" dirty="0">
-                <a:latin typeface="Courier New" panose="02070309020205020404" pitchFamily="49" charset="0"/>
-                <a:cs typeface="Courier New" panose="02070309020205020404" pitchFamily="49" charset="0"/>
-              </a:rPr>
-            </a:br>
-            <a:r>
-              <a:rPr lang="en-US" dirty="0">
-                <a:latin typeface="Courier New" panose="02070309020205020404" pitchFamily="49" charset="0"/>
-                <a:cs typeface="Courier New" panose="02070309020205020404" pitchFamily="49" charset="0"/>
-              </a:rPr>
-              <a:t>pip3 install </a:t>
-            </a:r>
-            <a:r>
-              <a:rPr lang="en-US" dirty="0" err="1">
-                <a:latin typeface="Courier New" panose="02070309020205020404" pitchFamily="49" charset="0"/>
-                <a:cs typeface="Courier New" panose="02070309020205020404" pitchFamily="49" charset="0"/>
-              </a:rPr>
-              <a:t>wget</a:t>
-            </a:r>
-            <a:br>
-              <a:rPr lang="en-US" dirty="0">
-                <a:latin typeface="Courier New" panose="02070309020205020404" pitchFamily="49" charset="0"/>
-                <a:cs typeface="Courier New" panose="02070309020205020404" pitchFamily="49" charset="0"/>
-              </a:rPr>
-            </a:br>
-            <a:r>
-              <a:rPr lang="en-US" dirty="0">
-                <a:latin typeface="Courier New" panose="02070309020205020404" pitchFamily="49" charset="0"/>
-                <a:cs typeface="Courier New" panose="02070309020205020404" pitchFamily="49" charset="0"/>
-              </a:rPr>
-              <a:t>pip3 install </a:t>
-            </a:r>
-            <a:r>
-              <a:rPr lang="en-US" dirty="0" err="1">
-                <a:latin typeface="Courier New" panose="02070309020205020404" pitchFamily="49" charset="0"/>
-                <a:cs typeface="Courier New" panose="02070309020205020404" pitchFamily="49" charset="0"/>
-              </a:rPr>
-              <a:t>scipy</a:t>
-            </a:r>
-            <a:endParaRPr lang="en-US" dirty="0">
-              <a:latin typeface="Courier New" panose="02070309020205020404" pitchFamily="49" charset="0"/>
-              <a:cs typeface="Courier New" panose="02070309020205020404" pitchFamily="49" charset="0"/>
-            </a:endParaRPr>
-          </a:p>
-          <a:p>
-            <a:pPr marL="342900" indent="-342900">
-              <a:buFont typeface="+mj-lt"/>
-              <a:buAutoNum type="arabicPeriod"/>
-            </a:pPr>
-            <a:r>
-              <a:rPr lang="en-US" dirty="0"/>
-              <a:t>If you try to run the code and get an error related to certificates, you may need to also run:</a:t>
-            </a:r>
-            <a:br>
-              <a:rPr lang="en-US" dirty="0"/>
-            </a:br>
-            <a:r>
-              <a:rPr lang="en-US" dirty="0">
-                <a:latin typeface="Courier New" panose="02070309020205020404" pitchFamily="49" charset="0"/>
-                <a:cs typeface="Courier New" panose="02070309020205020404" pitchFamily="49" charset="0"/>
-              </a:rPr>
-              <a:t>pip3 install </a:t>
-            </a:r>
-            <a:r>
-              <a:rPr lang="en-US" dirty="0" err="1">
-                <a:latin typeface="Courier New" panose="02070309020205020404" pitchFamily="49" charset="0"/>
-                <a:cs typeface="Courier New" panose="02070309020205020404" pitchFamily="49" charset="0"/>
-              </a:rPr>
-              <a:t>certifi</a:t>
-            </a:r>
-            <a:endParaRPr lang="en-US" dirty="0">
-              <a:latin typeface="Courier New" panose="02070309020205020404" pitchFamily="49" charset="0"/>
-              <a:cs typeface="Courier New" panose="02070309020205020404" pitchFamily="49" charset="0"/>
-            </a:endParaRPr>
-          </a:p>
-          <a:p>
-            <a:pPr marL="342900" indent="-342900">
-              <a:buFont typeface="+mj-lt"/>
-              <a:buAutoNum type="arabicPeriod"/>
-            </a:pPr>
-            <a:r>
-              <a:rPr lang="en-US" dirty="0"/>
-              <a:t>Run the code in terminal while inside the directory containing the code (try python if python3 doesn’t work):</a:t>
-            </a:r>
-            <a:br>
-              <a:rPr lang="en-US" dirty="0"/>
-            </a:br>
-            <a:r>
-              <a:rPr lang="en-US" sz="1600" dirty="0">
-                <a:latin typeface="Courier New" panose="02070309020205020404" pitchFamily="49" charset="0"/>
-                <a:cs typeface="Courier New" panose="02070309020205020404" pitchFamily="49" charset="0"/>
-              </a:rPr>
-              <a:t>python3 </a:t>
-            </a:r>
-            <a:r>
-              <a:rPr lang="en-US" sz="1600" dirty="0" err="1">
-                <a:latin typeface="Courier New" panose="02070309020205020404" pitchFamily="49" charset="0"/>
-                <a:cs typeface="Courier New" panose="02070309020205020404" pitchFamily="49" charset="0"/>
-              </a:rPr>
+              <a:rPr lang="en-US" sz="2400" dirty="0"/>
+              <a:t>Values that should be changed in </a:t>
+            </a:r>
+            <a:r>
+              <a:rPr lang="en-US" sz="2400" dirty="0" err="1"/>
               <a:t>operational_sep_quantities.py</a:t>
             </a:r>
             <a:r>
-              <a:rPr lang="en-US" sz="1600" dirty="0">
-                <a:latin typeface="Courier New" panose="02070309020205020404" pitchFamily="49" charset="0"/>
-                <a:cs typeface="Courier New" panose="02070309020205020404" pitchFamily="49" charset="0"/>
-              </a:rPr>
-              <a:t> --StartDate 2012-05-17 --</a:t>
-            </a:r>
-            <a:r>
-              <a:rPr lang="en-US" sz="1600" dirty="0" err="1">
-                <a:latin typeface="Courier New" panose="02070309020205020404" pitchFamily="49" charset="0"/>
-                <a:cs typeface="Courier New" panose="02070309020205020404" pitchFamily="49" charset="0"/>
-              </a:rPr>
-              <a:t>EndDate</a:t>
-            </a:r>
-            <a:r>
-              <a:rPr lang="en-US" sz="1600" dirty="0">
-                <a:latin typeface="Courier New" panose="02070309020205020404" pitchFamily="49" charset="0"/>
-                <a:cs typeface="Courier New" panose="02070309020205020404" pitchFamily="49" charset="0"/>
-              </a:rPr>
-              <a:t> 2012-05-20 --Experiment GOES-13 --</a:t>
-            </a:r>
-            <a:r>
-              <a:rPr lang="en-US" sz="1600" dirty="0" err="1">
-                <a:latin typeface="Courier New" panose="02070309020205020404" pitchFamily="49" charset="0"/>
-                <a:cs typeface="Courier New" panose="02070309020205020404" pitchFamily="49" charset="0"/>
-              </a:rPr>
-              <a:t>FluxType</a:t>
-            </a:r>
-            <a:r>
-              <a:rPr lang="en-US" sz="1600" dirty="0">
-                <a:latin typeface="Courier New" panose="02070309020205020404" pitchFamily="49" charset="0"/>
-                <a:cs typeface="Courier New" panose="02070309020205020404" pitchFamily="49" charset="0"/>
-              </a:rPr>
-              <a:t> integral --</a:t>
-            </a:r>
-            <a:r>
-              <a:rPr lang="en-US" sz="1600" dirty="0" err="1">
-                <a:latin typeface="Courier New" panose="02070309020205020404" pitchFamily="49" charset="0"/>
-                <a:cs typeface="Courier New" panose="02070309020205020404" pitchFamily="49" charset="0"/>
-              </a:rPr>
-              <a:t>showplot</a:t>
-            </a:r>
-            <a:endParaRPr lang="en-US" sz="1600" dirty="0">
-              <a:latin typeface="Courier New" panose="02070309020205020404" pitchFamily="49" charset="0"/>
-              <a:cs typeface="Courier New" panose="02070309020205020404" pitchFamily="49" charset="0"/>
-            </a:endParaRPr>
-          </a:p>
-          <a:p>
-            <a:pPr marL="342900" indent="-342900">
-              <a:buFont typeface="+mj-lt"/>
-              <a:buAutoNum type="arabicPeriod"/>
-            </a:pPr>
-            <a:r>
-              <a:rPr lang="en-US" dirty="0"/>
-              <a:t>You may type </a:t>
-            </a:r>
-            <a:r>
-              <a:rPr lang="en-US" dirty="0">
-                <a:latin typeface="Courier New" panose="02070309020205020404" pitchFamily="49" charset="0"/>
-                <a:cs typeface="Courier New" panose="02070309020205020404" pitchFamily="49" charset="0"/>
-              </a:rPr>
-              <a:t>python3 </a:t>
-            </a:r>
-            <a:r>
-              <a:rPr lang="en-US" dirty="0" err="1">
-                <a:latin typeface="Courier New" panose="02070309020205020404" pitchFamily="49" charset="0"/>
-                <a:cs typeface="Courier New" panose="02070309020205020404" pitchFamily="49" charset="0"/>
-              </a:rPr>
-              <a:t>operational_sep_quantities.py</a:t>
-            </a:r>
-            <a:r>
-              <a:rPr lang="en-US" dirty="0">
-                <a:latin typeface="Courier New" panose="02070309020205020404" pitchFamily="49" charset="0"/>
-                <a:cs typeface="Courier New" panose="02070309020205020404" pitchFamily="49" charset="0"/>
-              </a:rPr>
-              <a:t> --help</a:t>
-            </a:r>
-            <a:r>
-              <a:rPr lang="en-US" dirty="0"/>
-              <a:t>  to  see all of the possible input.</a:t>
-            </a:r>
-          </a:p>
-          <a:p>
-            <a:endParaRPr lang="en-US" dirty="0"/>
-          </a:p>
-        </p:txBody>
-      </p:sp>
-      <p:sp>
-        <p:nvSpPr>
-          <p:cNvPr id="4" name="Slide Number Placeholder 3">
-            <a:extLst>
-              <a:ext uri="{FF2B5EF4-FFF2-40B4-BE49-F238E27FC236}">
-                <a16:creationId xmlns:a16="http://schemas.microsoft.com/office/drawing/2014/main" id="{807F0A30-3552-C246-A4FB-CFB98DCDC44F}"/>
+              <a:rPr lang="en-US" sz="2400" dirty="0"/>
+              <a:t> for your model</a:t>
+            </a:r>
+          </a:p>
+        </p:txBody>
+      </p:sp>
+      <p:sp>
+        <p:nvSpPr>
+          <p:cNvPr id="9" name="TextBox 8">
+            <a:extLst>
+              <a:ext uri="{FF2B5EF4-FFF2-40B4-BE49-F238E27FC236}">
+                <a16:creationId xmlns:a16="http://schemas.microsoft.com/office/drawing/2014/main" id="{DEEE39AC-D552-3749-A5C3-703AB7D3CA9D}"/>
+              </a:ext>
+            </a:extLst>
+          </p:cNvPr>
+          <p:cNvSpPr txBox="1"/>
+          <p:nvPr/>
+        </p:nvSpPr>
+        <p:spPr>
+          <a:xfrm>
+            <a:off x="324731" y="1975535"/>
+            <a:ext cx="5434818" cy="1200329"/>
+          </a:xfrm>
+          <a:prstGeom prst="rect">
+            <a:avLst/>
+          </a:prstGeom>
+          <a:noFill/>
+        </p:spPr>
+        <p:txBody>
+          <a:bodyPr wrap="square" rtlCol="0">
+            <a:spAutoFit/>
+          </a:bodyPr>
+          <a:lstStyle/>
+          <a:p>
+            <a:r>
+              <a:rPr lang="en-US" sz="2400" dirty="0"/>
+              <a:t>Values that should be changed in the </a:t>
+            </a:r>
+            <a:r>
+              <a:rPr lang="en-US" sz="2400" dirty="0" err="1"/>
+              <a:t>operational_SEP_SHINE_wrapper.py</a:t>
+            </a:r>
+            <a:r>
+              <a:rPr lang="en-US" sz="2400" dirty="0"/>
+              <a:t> for your model</a:t>
+            </a:r>
+          </a:p>
+        </p:txBody>
+      </p:sp>
+      <p:sp>
+        <p:nvSpPr>
+          <p:cNvPr id="12" name="Slide Number Placeholder 11">
+            <a:extLst>
+              <a:ext uri="{FF2B5EF4-FFF2-40B4-BE49-F238E27FC236}">
+                <a16:creationId xmlns:a16="http://schemas.microsoft.com/office/drawing/2014/main" id="{0EAF5039-B6F6-924F-AA9F-D52CA8637BE6}"/>
               </a:ext>
             </a:extLst>
           </p:cNvPr>
@@ -6468,7 +8506,7 @@
     </p:spTree>
     <p:extLst>
       <p:ext uri="{BB962C8B-B14F-4D97-AF65-F5344CB8AC3E}">
-        <p14:creationId xmlns:p14="http://schemas.microsoft.com/office/powerpoint/2010/main" val="1514367269"/>
+        <p14:creationId xmlns:p14="http://schemas.microsoft.com/office/powerpoint/2010/main" val="3420365610"/>
       </p:ext>
     </p:extLst>
   </p:cSld>
@@ -6500,7 +8538,7 @@
           <p:cNvPr id="2" name="Title 1">
             <a:extLst>
               <a:ext uri="{FF2B5EF4-FFF2-40B4-BE49-F238E27FC236}">
-                <a16:creationId xmlns:a16="http://schemas.microsoft.com/office/drawing/2014/main" id="{5CF6014D-E8E0-6341-B485-C53A0818A376}"/>
+                <a16:creationId xmlns:a16="http://schemas.microsoft.com/office/drawing/2014/main" id="{9E86FFA0-1D01-AC45-82EC-8F39E175F520}"/>
               </a:ext>
             </a:extLst>
           </p:cNvPr>
@@ -6511,12 +8549,7 @@
             <p:ph type="title"/>
           </p:nvPr>
         </p:nvSpPr>
-        <p:spPr>
-          <a:xfrm>
-            <a:off x="839912" y="0"/>
-            <a:ext cx="10515600" cy="1325563"/>
-          </a:xfrm>
-        </p:spPr>
+        <p:spPr/>
         <p:txBody>
           <a:bodyPr>
             <a:normAutofit/>
@@ -6525,17 +8558,17 @@
           <a:p>
             <a:r>
               <a:rPr lang="en-US" sz="3600" dirty="0"/>
-              <a:t>Example Run and Output – January 23, 2012 </a:t>
-            </a:r>
-          </a:p>
-        </p:txBody>
-      </p:sp>
-      <p:sp>
-        <p:nvSpPr>
-          <p:cNvPr id="6" name="TextBox 5">
-            <a:extLst>
-              <a:ext uri="{FF2B5EF4-FFF2-40B4-BE49-F238E27FC236}">
-                <a16:creationId xmlns:a16="http://schemas.microsoft.com/office/drawing/2014/main" id="{85BCFCD7-5005-B34B-B274-5404DDBFF933}"/>
+              <a:t>INSTRUCTIONS: To Run the Wrapper Code (Mac)</a:t>
+            </a:r>
+          </a:p>
+        </p:txBody>
+      </p:sp>
+      <p:sp>
+        <p:nvSpPr>
+          <p:cNvPr id="3" name="TextBox 2">
+            <a:extLst>
+              <a:ext uri="{FF2B5EF4-FFF2-40B4-BE49-F238E27FC236}">
+                <a16:creationId xmlns:a16="http://schemas.microsoft.com/office/drawing/2014/main" id="{D2BBCC0E-D940-9D4C-9875-A702E1E78409}"/>
               </a:ext>
             </a:extLst>
           </p:cNvPr>
@@ -6544,8 +8577,8 @@
         </p:nvSpPr>
         <p:spPr>
           <a:xfrm>
-            <a:off x="133563" y="1119883"/>
-            <a:ext cx="11928297" cy="5647700"/>
+            <a:off x="838200" y="1510145"/>
+            <a:ext cx="10744200" cy="4708981"/>
           </a:xfrm>
           <a:prstGeom prst="rect">
             <a:avLst/>
@@ -6559,398 +8592,257 @@
           <a:lstStyle/>
           <a:p>
             <a:r>
-              <a:rPr lang="en-US" sz="1050" b="1" dirty="0" err="1">
+              <a:rPr lang="en-US" b="1" dirty="0"/>
+              <a:t>Do steps 1 – 3 the first time you run the code to ensure you have the correct libraries.</a:t>
+            </a:r>
+          </a:p>
+          <a:p>
+            <a:endParaRPr lang="en-US" dirty="0"/>
+          </a:p>
+          <a:p>
+            <a:r>
+              <a:rPr lang="en-US" dirty="0"/>
+              <a:t>For Macs, I prefer using Homebrew. If you don’t have homebrew, you may install with:</a:t>
+            </a:r>
+          </a:p>
+          <a:p>
+            <a:r>
+              <a:rPr lang="en-US" sz="1400" dirty="0">
                 <a:latin typeface="Courier New" panose="02070309020205020404" pitchFamily="49" charset="0"/>
                 <a:cs typeface="Courier New" panose="02070309020205020404" pitchFamily="49" charset="0"/>
               </a:rPr>
-              <a:t>kwhitman</a:t>
-            </a:r>
-            <a:r>
-              <a:rPr lang="en-US" sz="1050" b="1" dirty="0">
+              <a:t>/</a:t>
+            </a:r>
+            <a:r>
+              <a:rPr lang="en-US" sz="1400" dirty="0" err="1">
                 <a:latin typeface="Courier New" panose="02070309020205020404" pitchFamily="49" charset="0"/>
                 <a:cs typeface="Courier New" panose="02070309020205020404" pitchFamily="49" charset="0"/>
               </a:rPr>
-              <a:t>$ python3 </a:t>
-            </a:r>
-            <a:r>
-              <a:rPr lang="en-US" sz="1050" b="1" dirty="0" err="1">
+              <a:t>usr</a:t>
+            </a:r>
+            <a:r>
+              <a:rPr lang="en-US" sz="1400" dirty="0">
                 <a:latin typeface="Courier New" panose="02070309020205020404" pitchFamily="49" charset="0"/>
                 <a:cs typeface="Courier New" panose="02070309020205020404" pitchFamily="49" charset="0"/>
               </a:rPr>
-              <a:t>operational_sep_quantities.py</a:t>
-            </a:r>
-            <a:r>
-              <a:rPr lang="en-US" sz="1050" b="1" dirty="0">
+              <a:t>/bin/ruby -e "$(curl -</a:t>
+            </a:r>
+            <a:r>
+              <a:rPr lang="en-US" sz="1400" dirty="0" err="1">
                 <a:latin typeface="Courier New" panose="02070309020205020404" pitchFamily="49" charset="0"/>
                 <a:cs typeface="Courier New" panose="02070309020205020404" pitchFamily="49" charset="0"/>
               </a:rPr>
-              <a:t> --StartDate 2012-01-22 --</a:t>
-            </a:r>
-            <a:r>
-              <a:rPr lang="en-US" sz="1050" b="1" dirty="0" err="1">
+              <a:t>fsSL</a:t>
+            </a:r>
+            <a:r>
+              <a:rPr lang="en-US" sz="1400" dirty="0">
                 <a:latin typeface="Courier New" panose="02070309020205020404" pitchFamily="49" charset="0"/>
                 <a:cs typeface="Courier New" panose="02070309020205020404" pitchFamily="49" charset="0"/>
               </a:rPr>
-              <a:t>EndDate</a:t>
-            </a:r>
-            <a:r>
-              <a:rPr lang="en-US" sz="1050" b="1" dirty="0">
+              <a:t> </a:t>
+            </a:r>
+            <a:r>
+              <a:rPr lang="en-US" sz="1400" u="sng" dirty="0">
+                <a:latin typeface="Courier New" panose="02070309020205020404" pitchFamily="49" charset="0"/>
+                <a:cs typeface="Courier New" panose="02070309020205020404" pitchFamily="49" charset="0"/>
+                <a:hlinkClick r:id="rId2"/>
+              </a:rPr>
+              <a:t>https://raw.githubusercontent.com/Homebrew/install/master/install)</a:t>
+            </a:r>
+            <a:r>
+              <a:rPr lang="en-US" sz="1400" dirty="0">
                 <a:latin typeface="Courier New" panose="02070309020205020404" pitchFamily="49" charset="0"/>
                 <a:cs typeface="Courier New" panose="02070309020205020404" pitchFamily="49" charset="0"/>
               </a:rPr>
-              <a:t> 2012-01-29 --Experiment GOES-13 --</a:t>
-            </a:r>
-            <a:r>
-              <a:rPr lang="en-US" sz="1050" b="1" dirty="0" err="1">
+              <a:t>”</a:t>
+            </a:r>
+          </a:p>
+          <a:p>
+            <a:endParaRPr lang="en-US" dirty="0"/>
+          </a:p>
+          <a:p>
+            <a:pPr marL="342900" indent="-342900">
+              <a:buFont typeface="+mj-lt"/>
+              <a:buAutoNum type="arabicPeriod"/>
+            </a:pPr>
+            <a:r>
+              <a:rPr lang="en-US" dirty="0"/>
+              <a:t>Install python3. </a:t>
+            </a:r>
+          </a:p>
+          <a:p>
+            <a:pPr marL="800100" lvl="1" indent="-342900">
+              <a:buFont typeface="Arial" panose="020B0604020202020204" pitchFamily="34" charset="0"/>
+              <a:buChar char="•"/>
+            </a:pPr>
+            <a:r>
+              <a:rPr lang="en-US" dirty="0"/>
+              <a:t>If you use homebrew, you may use this command in the terminal:</a:t>
+            </a:r>
+            <a:br>
+              <a:rPr lang="en-US" dirty="0"/>
+            </a:br>
+            <a:r>
+              <a:rPr lang="en-US" dirty="0">
                 <a:latin typeface="Courier New" panose="02070309020205020404" pitchFamily="49" charset="0"/>
                 <a:cs typeface="Courier New" panose="02070309020205020404" pitchFamily="49" charset="0"/>
               </a:rPr>
-              <a:t>FluxType</a:t>
-            </a:r>
-            <a:r>
-              <a:rPr lang="en-US" sz="1050" b="1" dirty="0">
+              <a:t>brew install python</a:t>
+            </a:r>
+          </a:p>
+          <a:p>
+            <a:pPr marL="342900" indent="-342900">
+              <a:buFont typeface="+mj-lt"/>
+              <a:buAutoNum type="arabicPeriod"/>
+            </a:pPr>
+            <a:r>
+              <a:rPr lang="en-US" dirty="0"/>
+              <a:t>Install additional libraries matplotlib, </a:t>
+            </a:r>
+            <a:r>
+              <a:rPr lang="en-US" dirty="0" err="1"/>
+              <a:t>wget</a:t>
+            </a:r>
+            <a:r>
+              <a:rPr lang="en-US" dirty="0"/>
+              <a:t>, </a:t>
+            </a:r>
+            <a:r>
+              <a:rPr lang="en-US" dirty="0" err="1"/>
+              <a:t>scipy</a:t>
+            </a:r>
+            <a:endParaRPr lang="en-US" dirty="0"/>
+          </a:p>
+          <a:p>
+            <a:pPr marL="800100" lvl="1" indent="-342900">
+              <a:buFont typeface="Arial" panose="020B0604020202020204" pitchFamily="34" charset="0"/>
+              <a:buChar char="•"/>
+            </a:pPr>
+            <a:r>
+              <a:rPr lang="en-US" dirty="0">
                 <a:latin typeface="Courier New" panose="02070309020205020404" pitchFamily="49" charset="0"/>
                 <a:cs typeface="Courier New" panose="02070309020205020404" pitchFamily="49" charset="0"/>
               </a:rPr>
-              <a:t> differential --</a:t>
-            </a:r>
-            <a:r>
-              <a:rPr lang="en-US" sz="1050" b="1" dirty="0" err="1">
-                <a:latin typeface="Courier New" panose="02070309020205020404" pitchFamily="49" charset="0"/>
-                <a:cs typeface="Courier New" panose="02070309020205020404" pitchFamily="49" charset="0"/>
-              </a:rPr>
-              <a:t>showplot</a:t>
-            </a:r>
-            <a:endParaRPr lang="en-US" sz="1050" b="1" dirty="0">
-              <a:latin typeface="Courier New" panose="02070309020205020404" pitchFamily="49" charset="0"/>
-              <a:cs typeface="Courier New" panose="02070309020205020404" pitchFamily="49" charset="0"/>
-            </a:endParaRPr>
-          </a:p>
-          <a:p>
-            <a:r>
-              <a:rPr lang="en-US" sz="1000" dirty="0">
-                <a:latin typeface="Courier New" panose="02070309020205020404" pitchFamily="49" charset="0"/>
-                <a:cs typeface="Courier New" panose="02070309020205020404" pitchFamily="49" charset="0"/>
-              </a:rPr>
-              <a:t>Checking that paths exist: data and output</a:t>
-            </a:r>
-          </a:p>
-          <a:p>
-            <a:r>
-              <a:rPr lang="en-US" sz="1000" dirty="0">
-                <a:latin typeface="Courier New" panose="02070309020205020404" pitchFamily="49" charset="0"/>
-                <a:cs typeface="Courier New" panose="02070309020205020404" pitchFamily="49" charset="0"/>
-              </a:rPr>
-              <a:t>Checking that the requested data is present on your computer.</a:t>
-            </a:r>
-          </a:p>
-          <a:p>
-            <a:r>
-              <a:rPr lang="en-US" sz="1000" dirty="0">
-                <a:latin typeface="Courier New" panose="02070309020205020404" pitchFamily="49" charset="0"/>
-                <a:cs typeface="Courier New" panose="02070309020205020404" pitchFamily="49" charset="0"/>
-              </a:rPr>
-              <a:t>Reading in data files for GOES-13.</a:t>
-            </a:r>
-          </a:p>
-          <a:p>
-            <a:r>
-              <a:rPr lang="en-US" sz="1000" dirty="0">
-                <a:latin typeface="Courier New" panose="02070309020205020404" pitchFamily="49" charset="0"/>
-                <a:cs typeface="Courier New" panose="02070309020205020404" pitchFamily="49" charset="0"/>
-              </a:rPr>
-              <a:t>Extracting fluxes for dates: 2012-01-22 00:00:00 to 2012-01-29 00:00:00</a:t>
-            </a:r>
-          </a:p>
-          <a:p>
-            <a:r>
-              <a:rPr lang="en-US" sz="1000" dirty="0">
-                <a:latin typeface="Courier New" panose="02070309020205020404" pitchFamily="49" charset="0"/>
-                <a:cs typeface="Courier New" panose="02070309020205020404" pitchFamily="49" charset="0"/>
-              </a:rPr>
-              <a:t>Checking for bad data values and filling with linear interpolation with time.</a:t>
+              <a:t>pip3 install matplotlib</a:t>
             </a:r>
             <a:br>
-              <a:rPr lang="en-US" sz="1000" dirty="0">
+              <a:rPr lang="en-US" dirty="0">
                 <a:latin typeface="Courier New" panose="02070309020205020404" pitchFamily="49" charset="0"/>
                 <a:cs typeface="Courier New" panose="02070309020205020404" pitchFamily="49" charset="0"/>
               </a:rPr>
             </a:br>
-            <a:endParaRPr lang="en-US" sz="1000" dirty="0">
+            <a:r>
+              <a:rPr lang="en-US" dirty="0">
+                <a:latin typeface="Courier New" panose="02070309020205020404" pitchFamily="49" charset="0"/>
+                <a:cs typeface="Courier New" panose="02070309020205020404" pitchFamily="49" charset="0"/>
+              </a:rPr>
+              <a:t>pip3 install </a:t>
+            </a:r>
+            <a:r>
+              <a:rPr lang="en-US" dirty="0" err="1">
+                <a:latin typeface="Courier New" panose="02070309020205020404" pitchFamily="49" charset="0"/>
+                <a:cs typeface="Courier New" panose="02070309020205020404" pitchFamily="49" charset="0"/>
+              </a:rPr>
+              <a:t>wget</a:t>
+            </a:r>
+            <a:br>
+              <a:rPr lang="en-US" dirty="0">
+                <a:latin typeface="Courier New" panose="02070309020205020404" pitchFamily="49" charset="0"/>
+                <a:cs typeface="Courier New" panose="02070309020205020404" pitchFamily="49" charset="0"/>
+              </a:rPr>
+            </a:br>
+            <a:r>
+              <a:rPr lang="en-US" dirty="0">
+                <a:latin typeface="Courier New" panose="02070309020205020404" pitchFamily="49" charset="0"/>
+                <a:cs typeface="Courier New" panose="02070309020205020404" pitchFamily="49" charset="0"/>
+              </a:rPr>
+              <a:t>pip3 install </a:t>
+            </a:r>
+            <a:r>
+              <a:rPr lang="en-US" dirty="0" err="1">
+                <a:latin typeface="Courier New" panose="02070309020205020404" pitchFamily="49" charset="0"/>
+                <a:cs typeface="Courier New" panose="02070309020205020404" pitchFamily="49" charset="0"/>
+              </a:rPr>
+              <a:t>scipy</a:t>
+            </a:r>
+            <a:endParaRPr lang="en-US" dirty="0">
               <a:latin typeface="Courier New" panose="02070309020205020404" pitchFamily="49" charset="0"/>
               <a:cs typeface="Courier New" panose="02070309020205020404" pitchFamily="49" charset="0"/>
             </a:endParaRPr>
           </a:p>
           <a:p>
-            <a:r>
-              <a:rPr lang="en-US" sz="1000" dirty="0">
+            <a:pPr marL="342900" indent="-342900">
+              <a:buFont typeface="+mj-lt"/>
+              <a:buAutoNum type="arabicPeriod"/>
+            </a:pPr>
+            <a:r>
+              <a:rPr lang="en-US" dirty="0"/>
+              <a:t>If you try to run the code and get an error related to certificates, you may need to also run:</a:t>
+            </a:r>
+            <a:br>
+              <a:rPr lang="en-US" dirty="0"/>
+            </a:br>
+            <a:r>
+              <a:rPr lang="en-US" dirty="0">
                 <a:latin typeface="Courier New" panose="02070309020205020404" pitchFamily="49" charset="0"/>
                 <a:cs typeface="Courier New" panose="02070309020205020404" pitchFamily="49" charset="0"/>
               </a:rPr>
-              <a:t>There is a data gap for time 2012-01-25 16:25:00 and energy 4.2 - 8.7 MeV. Filling in missing value with linear interpolation in time.</a:t>
-            </a:r>
-          </a:p>
-          <a:p>
-            <a:r>
-              <a:rPr lang="en-US" sz="1000" dirty="0">
+              <a:t>pip3 install </a:t>
+            </a:r>
+            <a:r>
+              <a:rPr lang="en-US" dirty="0" err="1">
                 <a:latin typeface="Courier New" panose="02070309020205020404" pitchFamily="49" charset="0"/>
                 <a:cs typeface="Courier New" panose="02070309020205020404" pitchFamily="49" charset="0"/>
               </a:rPr>
-              <a:t>The first good value previous to gap is on 2012-01-25 16:20:00 with value 57.995</a:t>
-            </a:r>
-          </a:p>
-          <a:p>
-            <a:r>
-              <a:rPr lang="en-US" sz="1000" dirty="0">
+              <a:t>certifi</a:t>
+            </a:r>
+            <a:endParaRPr lang="en-US" dirty="0">
+              <a:latin typeface="Courier New" panose="02070309020205020404" pitchFamily="49" charset="0"/>
+              <a:cs typeface="Courier New" panose="02070309020205020404" pitchFamily="49" charset="0"/>
+            </a:endParaRPr>
+          </a:p>
+          <a:p>
+            <a:pPr marL="342900" indent="-342900">
+              <a:buFont typeface="+mj-lt"/>
+              <a:buAutoNum type="arabicPeriod"/>
+            </a:pPr>
+            <a:r>
+              <a:rPr lang="en-US" dirty="0"/>
+              <a:t>Run the code in terminal while inside the directory containing the code (try python if python3 doesn’t work):</a:t>
+            </a:r>
+            <a:br>
+              <a:rPr lang="en-US" dirty="0"/>
+            </a:br>
+            <a:r>
+              <a:rPr lang="en-US" sz="1600" dirty="0">
                 <a:latin typeface="Courier New" panose="02070309020205020404" pitchFamily="49" charset="0"/>
                 <a:cs typeface="Courier New" panose="02070309020205020404" pitchFamily="49" charset="0"/>
               </a:rPr>
-              <a:t>The first good value after to gap is on 2012-01-25 16:30:00 with value 58.943</a:t>
-            </a:r>
-          </a:p>
-          <a:p>
-            <a:r>
-              <a:rPr lang="en-US" sz="1000" dirty="0">
+              <a:t>python3 </a:t>
+            </a:r>
+            <a:r>
+              <a:rPr lang="en-US" sz="1600" dirty="0" err="1">
                 <a:latin typeface="Courier New" panose="02070309020205020404" pitchFamily="49" charset="0"/>
                 <a:cs typeface="Courier New" panose="02070309020205020404" pitchFamily="49" charset="0"/>
               </a:rPr>
-              <a:t>Filling gap at time 2012-01-25 16:25:00 with interpolated flux 58.468999999999994</a:t>
-            </a:r>
-          </a:p>
-          <a:p>
-            <a:r>
-              <a:rPr lang="en-US" sz="1000" dirty="0">
-                <a:latin typeface="Courier New" panose="02070309020205020404" pitchFamily="49" charset="0"/>
-                <a:cs typeface="Courier New" panose="02070309020205020404" pitchFamily="49" charset="0"/>
-              </a:rPr>
-              <a:t>… (</a:t>
-            </a:r>
-            <a:r>
-              <a:rPr lang="en-US" sz="1000" dirty="0">
-                <a:cs typeface="Courier New" panose="02070309020205020404" pitchFamily="49" charset="0"/>
-              </a:rPr>
-              <a:t>More output for corrections to other energy channels but left out to save space</a:t>
-            </a:r>
-            <a:r>
-              <a:rPr lang="en-US" sz="1000" dirty="0">
-                <a:latin typeface="Courier New" panose="02070309020205020404" pitchFamily="49" charset="0"/>
-                <a:cs typeface="Courier New" panose="02070309020205020404" pitchFamily="49" charset="0"/>
-              </a:rPr>
-              <a:t>)</a:t>
-            </a:r>
-          </a:p>
-          <a:p>
-            <a:r>
-              <a:rPr lang="en-US" sz="1000" dirty="0">
-                <a:latin typeface="Courier New" panose="02070309020205020404" pitchFamily="49" charset="0"/>
-                <a:cs typeface="Courier New" panose="02070309020205020404" pitchFamily="49" charset="0"/>
-              </a:rPr>
-              <a:t>Finished checking for bad data.</a:t>
-            </a:r>
-          </a:p>
-          <a:p>
-            <a:endParaRPr lang="en-US" sz="1000" dirty="0">
+              <a:t>operational_SEP_SHINE_wrapper.py</a:t>
+            </a:r>
+            <a:endParaRPr lang="en-US" sz="1600" dirty="0">
               <a:latin typeface="Courier New" panose="02070309020205020404" pitchFamily="49" charset="0"/>
               <a:cs typeface="Courier New" panose="02070309020205020404" pitchFamily="49" charset="0"/>
             </a:endParaRPr>
           </a:p>
           <a:p>
-            <a:r>
-              <a:rPr lang="en-US" sz="1000" dirty="0">
-                <a:latin typeface="Courier New" panose="02070309020205020404" pitchFamily="49" charset="0"/>
-                <a:cs typeface="Courier New" panose="02070309020205020404" pitchFamily="49" charset="0"/>
-              </a:rPr>
-              <a:t>Converting differential flux to integral flux for &gt;10MeV.</a:t>
-            </a:r>
-          </a:p>
-          <a:p>
-            <a:r>
-              <a:rPr lang="en-US" sz="1000" dirty="0">
-                <a:latin typeface="Courier New" panose="02070309020205020404" pitchFamily="49" charset="0"/>
-                <a:cs typeface="Courier New" panose="02070309020205020404" pitchFamily="49" charset="0"/>
-              </a:rPr>
-              <a:t>Converting differential flux to integral flux for &gt;100MeV.</a:t>
-            </a:r>
-          </a:p>
-          <a:p>
-            <a:r>
-              <a:rPr lang="en-US" sz="1000" dirty="0">
-                <a:latin typeface="Courier New" panose="02070309020205020404" pitchFamily="49" charset="0"/>
-                <a:cs typeface="Courier New" panose="02070309020205020404" pitchFamily="49" charset="0"/>
-              </a:rPr>
-              <a:t>Calculating threshold crossings and SEP event characteristics.</a:t>
-            </a:r>
-          </a:p>
-          <a:p>
-            <a:r>
-              <a:rPr lang="en-US" sz="1000" b="1" dirty="0">
-                <a:latin typeface="Courier New" panose="02070309020205020404" pitchFamily="49" charset="0"/>
-                <a:cs typeface="Courier New" panose="02070309020205020404" pitchFamily="49" charset="0"/>
-              </a:rPr>
-              <a:t>Flux      Threshold    Time Crossed         Peak Flux            Peak Time            Rise Time  End Time            Duration</a:t>
-            </a:r>
-          </a:p>
-          <a:p>
-            <a:r>
-              <a:rPr lang="en-US" sz="1000" b="1" dirty="0">
-                <a:latin typeface="Courier New" panose="02070309020205020404" pitchFamily="49" charset="0"/>
-                <a:cs typeface="Courier New" panose="02070309020205020404" pitchFamily="49" charset="0"/>
-              </a:rPr>
-              <a:t>&gt;10 MeV   10 pfu       2012-01-23 05:25:00  6740.972728430253   2012-01-24 15:30:00  1 day, 10:05:00    2012-01-27 15:15:00  4 days, 9:50:00</a:t>
-            </a:r>
-          </a:p>
-          <a:p>
-            <a:r>
-              <a:rPr lang="en-US" sz="1000" dirty="0">
-                <a:latin typeface="Courier New" panose="02070309020205020404" pitchFamily="49" charset="0"/>
-                <a:cs typeface="Courier New" panose="02070309020205020404" pitchFamily="49" charset="0"/>
-              </a:rPr>
-              <a:t>Calculating threshold crossings and SEP event characteristics.</a:t>
-            </a:r>
-          </a:p>
-          <a:p>
-            <a:r>
-              <a:rPr lang="en-US" sz="1000" b="1" dirty="0">
-                <a:latin typeface="Courier New" panose="02070309020205020404" pitchFamily="49" charset="0"/>
-                <a:cs typeface="Courier New" panose="02070309020205020404" pitchFamily="49" charset="0"/>
-              </a:rPr>
-              <a:t>Flux      Threshold    Time Crossed         Peak Flux            Peak Time            Rise Time  End Time            Duration</a:t>
-            </a:r>
-          </a:p>
-          <a:p>
-            <a:r>
-              <a:rPr lang="en-US" sz="1000" b="1" dirty="0">
-                <a:latin typeface="Courier New" panose="02070309020205020404" pitchFamily="49" charset="0"/>
-                <a:cs typeface="Courier New" panose="02070309020205020404" pitchFamily="49" charset="0"/>
-              </a:rPr>
-              <a:t>&gt;100 MeV   1 pfu       2012-01-23 04:35:00  4.2245477057861   2012-01-23 08:05:00  3:30:00    2012-01-24 18:40:00  1 day, 14:05:00</a:t>
-            </a:r>
-          </a:p>
-          <a:p>
-            <a:r>
-              <a:rPr lang="en-US" sz="1000" dirty="0">
-                <a:latin typeface="Courier New" panose="02070309020205020404" pitchFamily="49" charset="0"/>
-                <a:cs typeface="Courier New" panose="02070309020205020404" pitchFamily="49" charset="0"/>
-              </a:rPr>
-              <a:t>Extracting fluxes for dates: 2012-01-23 05:25:00 to 2012-01-27 15:15:00</a:t>
-            </a:r>
-          </a:p>
-          <a:p>
-            <a:r>
-              <a:rPr lang="en-US" sz="1000" b="1" dirty="0">
-                <a:latin typeface="Courier New" panose="02070309020205020404" pitchFamily="49" charset="0"/>
-                <a:cs typeface="Courier New" panose="02070309020205020404" pitchFamily="49" charset="0"/>
-              </a:rPr>
-              <a:t>=====Calculating event fluence for event defined by &gt;10 MeV, for 2012-01-23 05:25:00 to 2012-01-27 15:15:00</a:t>
-            </a:r>
-          </a:p>
-          <a:p>
-            <a:r>
-              <a:rPr lang="en-US" sz="1000" dirty="0">
-                <a:latin typeface="Courier New" panose="02070309020205020404" pitchFamily="49" charset="0"/>
-                <a:cs typeface="Courier New" panose="02070309020205020404" pitchFamily="49" charset="0"/>
-              </a:rPr>
-              <a:t>Extracting fluxes for dates: 2012-01-23 05:25:00 to 2012-01-27 15:15:00</a:t>
-            </a:r>
-          </a:p>
-          <a:p>
-            <a:r>
-              <a:rPr lang="en-US" sz="1000" dirty="0">
-                <a:latin typeface="Courier New" panose="02070309020205020404" pitchFamily="49" charset="0"/>
-                <a:cs typeface="Courier New" panose="02070309020205020404" pitchFamily="49" charset="0"/>
-              </a:rPr>
-              <a:t>Event-integrated fluence for &gt;10.0 MeV: 5028965340.697082 1/[cm^2]</a:t>
-            </a:r>
-          </a:p>
-          <a:p>
-            <a:r>
-              <a:rPr lang="en-US" sz="1000" dirty="0">
-                <a:latin typeface="Courier New" panose="02070309020205020404" pitchFamily="49" charset="0"/>
-                <a:cs typeface="Courier New" panose="02070309020205020404" pitchFamily="49" charset="0"/>
-              </a:rPr>
-              <a:t>Event-integrated fluence for &gt;100.0 MeV: 4867346.341940369 1/[cm^2]</a:t>
-            </a:r>
-          </a:p>
-          <a:p>
-            <a:r>
-              <a:rPr lang="en-US" sz="1000" dirty="0">
-                <a:latin typeface="Courier New" panose="02070309020205020404" pitchFamily="49" charset="0"/>
-                <a:cs typeface="Courier New" panose="02070309020205020404" pitchFamily="49" charset="0"/>
-              </a:rPr>
-              <a:t>Extracting fluxes for dates: 2012-01-23 04:35:00 to 2012-01-24 18:40:00</a:t>
-            </a:r>
-          </a:p>
-          <a:p>
-            <a:r>
-              <a:rPr lang="en-US" sz="1000" b="1" dirty="0">
-                <a:latin typeface="Courier New" panose="02070309020205020404" pitchFamily="49" charset="0"/>
-                <a:cs typeface="Courier New" panose="02070309020205020404" pitchFamily="49" charset="0"/>
-              </a:rPr>
-              <a:t>=====Calculating event fluence for event defined by &gt;100 MeV, for 2012-01-23 04:35:00 to 2012-01-24 18:40:00</a:t>
-            </a:r>
-          </a:p>
-          <a:p>
-            <a:r>
-              <a:rPr lang="en-US" sz="1000" dirty="0">
-                <a:latin typeface="Courier New" panose="02070309020205020404" pitchFamily="49" charset="0"/>
-                <a:cs typeface="Courier New" panose="02070309020205020404" pitchFamily="49" charset="0"/>
-              </a:rPr>
-              <a:t>Extracting fluxes for dates: 2012-01-23 04:35:00 to 2012-01-24 18:40:00</a:t>
-            </a:r>
-          </a:p>
-          <a:p>
-            <a:r>
-              <a:rPr lang="en-US" sz="1000" dirty="0">
-                <a:latin typeface="Courier New" panose="02070309020205020404" pitchFamily="49" charset="0"/>
-                <a:cs typeface="Courier New" panose="02070309020205020404" pitchFamily="49" charset="0"/>
-              </a:rPr>
-              <a:t>Event-integrated fluence for &gt;10.0 MeV: 4254464976.467603 1/[cm^2]</a:t>
-            </a:r>
-          </a:p>
-          <a:p>
-            <a:r>
-              <a:rPr lang="en-US" sz="1000" dirty="0">
-                <a:latin typeface="Courier New" panose="02070309020205020404" pitchFamily="49" charset="0"/>
-                <a:cs typeface="Courier New" panose="02070309020205020404" pitchFamily="49" charset="0"/>
-              </a:rPr>
-              <a:t>Event-integrated fluence for &gt;100.0 MeV: 3486739.9315438424 1/[cm^2]</a:t>
-            </a:r>
-          </a:p>
-          <a:p>
-            <a:r>
-              <a:rPr lang="en-US" sz="1000" dirty="0">
-                <a:latin typeface="Courier New" panose="02070309020205020404" pitchFamily="49" charset="0"/>
-                <a:cs typeface="Courier New" panose="02070309020205020404" pitchFamily="49" charset="0"/>
-              </a:rPr>
-              <a:t>Plotting estimated integral fluxes with threshold crossings.</a:t>
-            </a:r>
-          </a:p>
-          <a:p>
-            <a:r>
-              <a:rPr lang="en-US" sz="1000" dirty="0">
-                <a:latin typeface="Courier New" panose="02070309020205020404" pitchFamily="49" charset="0"/>
-                <a:cs typeface="Courier New" panose="02070309020205020404" pitchFamily="49" charset="0"/>
-              </a:rPr>
-              <a:t>Plotting fluxes in original energy bins. Any bad data points were interpolated. Lines indicate event start and stop for thresholds.</a:t>
-            </a:r>
-          </a:p>
-          <a:p>
-            <a:r>
-              <a:rPr lang="en-US" sz="1000" dirty="0">
-                <a:latin typeface="Courier New" panose="02070309020205020404" pitchFamily="49" charset="0"/>
-                <a:cs typeface="Courier New" panose="02070309020205020404" pitchFamily="49" charset="0"/>
-              </a:rPr>
-              <a:t>Plotting event-integrated fluence spectrum.</a:t>
-            </a:r>
-          </a:p>
-        </p:txBody>
-      </p:sp>
-      <p:sp>
-        <p:nvSpPr>
-          <p:cNvPr id="3" name="Slide Number Placeholder 2">
-            <a:extLst>
-              <a:ext uri="{FF2B5EF4-FFF2-40B4-BE49-F238E27FC236}">
-                <a16:creationId xmlns:a16="http://schemas.microsoft.com/office/drawing/2014/main" id="{DD0D24B1-DD2D-D141-A168-744600E5F927}"/>
+            <a:endParaRPr lang="en-US" dirty="0"/>
+          </a:p>
+        </p:txBody>
+      </p:sp>
+      <p:sp>
+        <p:nvSpPr>
+          <p:cNvPr id="4" name="Slide Number Placeholder 3">
+            <a:extLst>
+              <a:ext uri="{FF2B5EF4-FFF2-40B4-BE49-F238E27FC236}">
+                <a16:creationId xmlns:a16="http://schemas.microsoft.com/office/drawing/2014/main" id="{B6839E2A-C717-4940-A36D-DFA2142AA1B9}"/>
               </a:ext>
             </a:extLst>
           </p:cNvPr>
@@ -6977,7 +8869,7 @@
     </p:spTree>
     <p:extLst>
       <p:ext uri="{BB962C8B-B14F-4D97-AF65-F5344CB8AC3E}">
-        <p14:creationId xmlns:p14="http://schemas.microsoft.com/office/powerpoint/2010/main" val="3917253052"/>
+        <p14:creationId xmlns:p14="http://schemas.microsoft.com/office/powerpoint/2010/main" val="1952445227"/>
       </p:ext>
     </p:extLst>
   </p:cSld>
@@ -7009,7 +8901,7 @@
           <p:cNvPr id="2" name="Title 1">
             <a:extLst>
               <a:ext uri="{FF2B5EF4-FFF2-40B4-BE49-F238E27FC236}">
-                <a16:creationId xmlns:a16="http://schemas.microsoft.com/office/drawing/2014/main" id="{5CF6014D-E8E0-6341-B485-C53A0818A376}"/>
+                <a16:creationId xmlns:a16="http://schemas.microsoft.com/office/drawing/2014/main" id="{9E86FFA0-1D01-AC45-82EC-8F39E175F520}"/>
               </a:ext>
             </a:extLst>
           </p:cNvPr>
@@ -7029,17 +8921,17 @@
           <a:p>
             <a:r>
               <a:rPr lang="en-US" sz="3600" dirty="0"/>
-              <a:t>Example Run and Output – January 23, 2012 </a:t>
-            </a:r>
-          </a:p>
-        </p:txBody>
-      </p:sp>
-      <p:sp>
-        <p:nvSpPr>
-          <p:cNvPr id="10" name="TextBox 9">
-            <a:extLst>
-              <a:ext uri="{FF2B5EF4-FFF2-40B4-BE49-F238E27FC236}">
-                <a16:creationId xmlns:a16="http://schemas.microsoft.com/office/drawing/2014/main" id="{A5E933CB-A67F-8146-A23E-5B38684C17BF}"/>
+              <a:t>INSTRUCTIONS: To Run the Wrapper Code (Windows)</a:t>
+            </a:r>
+          </a:p>
+        </p:txBody>
+      </p:sp>
+      <p:sp>
+        <p:nvSpPr>
+          <p:cNvPr id="3" name="TextBox 2">
+            <a:extLst>
+              <a:ext uri="{FF2B5EF4-FFF2-40B4-BE49-F238E27FC236}">
+                <a16:creationId xmlns:a16="http://schemas.microsoft.com/office/drawing/2014/main" id="{D2BBCC0E-D940-9D4C-9875-A702E1E78409}"/>
               </a:ext>
             </a:extLst>
           </p:cNvPr>
@@ -7048,8 +8940,8 @@
         </p:nvSpPr>
         <p:spPr>
           <a:xfrm>
-            <a:off x="410966" y="4859678"/>
-            <a:ext cx="3811713" cy="1477328"/>
+            <a:off x="838200" y="1510145"/>
+            <a:ext cx="10744200" cy="4216539"/>
           </a:xfrm>
           <a:prstGeom prst="rect">
             <a:avLst/>
@@ -7062,182 +8954,212 @@
           </a:bodyPr>
           <a:lstStyle/>
           <a:p>
-            <a:pPr algn="just"/>
+            <a:r>
+              <a:rPr lang="en-US" b="1" dirty="0"/>
+              <a:t>This is one way to run the code on Windows. Do steps 1 – 2 the first time you run the code to ensure you have the correct libraries.</a:t>
+            </a:r>
+          </a:p>
+          <a:p>
+            <a:endParaRPr lang="en-US" dirty="0"/>
+          </a:p>
+          <a:p>
+            <a:pPr marL="342900" indent="-342900">
+              <a:buFont typeface="+mj-lt"/>
+              <a:buAutoNum type="arabicPeriod"/>
+            </a:pPr>
             <a:r>
               <a:rPr lang="en-US" dirty="0"/>
-              <a:t>Integral fluxes estimated from the differential channels using power law interpolation across energy bins. Event start and end times for each threshold indicated by vertical black lines.</a:t>
-            </a:r>
-          </a:p>
-        </p:txBody>
-      </p:sp>
-      <p:sp>
-        <p:nvSpPr>
-          <p:cNvPr id="11" name="TextBox 10">
-            <a:extLst>
-              <a:ext uri="{FF2B5EF4-FFF2-40B4-BE49-F238E27FC236}">
-                <a16:creationId xmlns:a16="http://schemas.microsoft.com/office/drawing/2014/main" id="{440B152C-AD6A-804A-9DAE-B8F59AE893FD}"/>
-              </a:ext>
-            </a:extLst>
-          </p:cNvPr>
-          <p:cNvSpPr txBox="1"/>
-          <p:nvPr/>
-        </p:nvSpPr>
-        <p:spPr>
-          <a:xfrm>
-            <a:off x="4572000" y="4859678"/>
-            <a:ext cx="3698697" cy="1200329"/>
-          </a:xfrm>
-          <a:prstGeom prst="rect">
-            <a:avLst/>
-          </a:prstGeom>
-          <a:noFill/>
-        </p:spPr>
-        <p:txBody>
-          <a:bodyPr wrap="square" rtlCol="0">
-            <a:spAutoFit/>
-          </a:bodyPr>
-          <a:lstStyle/>
-          <a:p>
-            <a:pPr algn="just"/>
+              <a:t>Install python3. </a:t>
+            </a:r>
+          </a:p>
+          <a:p>
+            <a:pPr marL="800100" lvl="1" indent="-342900">
+              <a:buFont typeface="Arial" panose="020B0604020202020204" pitchFamily="34" charset="0"/>
+              <a:buChar char="•"/>
+            </a:pPr>
             <a:r>
               <a:rPr lang="en-US" dirty="0"/>
-              <a:t>Plot of differential channels with the event start and end times for &gt;100 MeV, 1 pfu threshold indicated by vertical black lines.</a:t>
-            </a:r>
-          </a:p>
-        </p:txBody>
-      </p:sp>
-      <p:sp>
-        <p:nvSpPr>
-          <p:cNvPr id="12" name="TextBox 11">
-            <a:extLst>
-              <a:ext uri="{FF2B5EF4-FFF2-40B4-BE49-F238E27FC236}">
-                <a16:creationId xmlns:a16="http://schemas.microsoft.com/office/drawing/2014/main" id="{4FD548FA-5585-FB4C-94D3-BBFF4A6DA5E8}"/>
-              </a:ext>
-            </a:extLst>
-          </p:cNvPr>
-          <p:cNvSpPr txBox="1"/>
-          <p:nvPr/>
-        </p:nvSpPr>
-        <p:spPr>
-          <a:xfrm>
-            <a:off x="8445357" y="4859678"/>
-            <a:ext cx="3695273" cy="1754326"/>
-          </a:xfrm>
-          <a:prstGeom prst="rect">
-            <a:avLst/>
-          </a:prstGeom>
-          <a:noFill/>
-        </p:spPr>
-        <p:txBody>
-          <a:bodyPr wrap="square" rtlCol="0">
-            <a:spAutoFit/>
-          </a:bodyPr>
-          <a:lstStyle/>
-          <a:p>
-            <a:pPr algn="just"/>
+              <a:t>Download anaconda navigator from </a:t>
+            </a:r>
+            <a:r>
+              <a:rPr lang="en-US" dirty="0">
+                <a:hlinkClick r:id="rId2"/>
+              </a:rPr>
+              <a:t>https://www.anaconda.com/</a:t>
+            </a:r>
             <a:r>
               <a:rPr lang="en-US" dirty="0"/>
-              <a:t>Event-integrated fluence of differential channels for the start and end times defined by &gt;100 MeV, 1 pfu threshold. HEPAD channels could benefit from background-subtraction, especially when increase is small.</a:t>
-            </a:r>
-          </a:p>
-        </p:txBody>
-      </p:sp>
-      <p:pic>
-        <p:nvPicPr>
-          <p:cNvPr id="14" name="Picture 13">
-            <a:extLst>
-              <a:ext uri="{FF2B5EF4-FFF2-40B4-BE49-F238E27FC236}">
-                <a16:creationId xmlns:a16="http://schemas.microsoft.com/office/drawing/2014/main" id="{FCCAEBFA-19F6-674B-80BC-FC99A942D0B3}"/>
-              </a:ext>
-            </a:extLst>
-          </p:cNvPr>
-          <p:cNvPicPr>
-            <a:picLocks noChangeAspect="1"/>
-          </p:cNvPicPr>
-          <p:nvPr/>
-        </p:nvPicPr>
-        <p:blipFill>
-          <a:blip r:embed="rId2"/>
-          <a:stretch>
-            <a:fillRect/>
-          </a:stretch>
-        </p:blipFill>
-        <p:spPr>
-          <a:xfrm>
-            <a:off x="0" y="1690688"/>
-            <a:ext cx="4572000" cy="3048000"/>
-          </a:xfrm>
-          <a:prstGeom prst="rect">
-            <a:avLst/>
-          </a:prstGeom>
-        </p:spPr>
-      </p:pic>
-      <p:pic>
-        <p:nvPicPr>
-          <p:cNvPr id="16" name="Picture 15">
-            <a:extLst>
-              <a:ext uri="{FF2B5EF4-FFF2-40B4-BE49-F238E27FC236}">
-                <a16:creationId xmlns:a16="http://schemas.microsoft.com/office/drawing/2014/main" id="{AC407723-D927-C34A-AA15-DB9E15ED3CFB}"/>
-              </a:ext>
-            </a:extLst>
-          </p:cNvPr>
-          <p:cNvPicPr>
-            <a:picLocks noChangeAspect="1"/>
-          </p:cNvPicPr>
-          <p:nvPr/>
-        </p:nvPicPr>
-        <p:blipFill>
-          <a:blip r:embed="rId3"/>
-          <a:stretch>
-            <a:fillRect/>
-          </a:stretch>
-        </p:blipFill>
-        <p:spPr>
-          <a:xfrm>
-            <a:off x="4171309" y="2198688"/>
-            <a:ext cx="4572000" cy="2032000"/>
-          </a:xfrm>
-          <a:prstGeom prst="rect">
-            <a:avLst/>
-          </a:prstGeom>
-        </p:spPr>
-      </p:pic>
-      <p:pic>
-        <p:nvPicPr>
-          <p:cNvPr id="18" name="Picture 17">
-            <a:extLst>
-              <a:ext uri="{FF2B5EF4-FFF2-40B4-BE49-F238E27FC236}">
-                <a16:creationId xmlns:a16="http://schemas.microsoft.com/office/drawing/2014/main" id="{F01DC71B-0897-454B-B9B6-9EFC05A7E139}"/>
-              </a:ext>
-            </a:extLst>
-          </p:cNvPr>
-          <p:cNvPicPr>
-            <a:picLocks noChangeAspect="1"/>
-          </p:cNvPicPr>
-          <p:nvPr/>
-        </p:nvPicPr>
-        <p:blipFill>
-          <a:blip r:embed="rId4"/>
-          <a:stretch>
-            <a:fillRect/>
-          </a:stretch>
-        </p:blipFill>
-        <p:spPr>
-          <a:xfrm>
-            <a:off x="8774985" y="2071688"/>
-            <a:ext cx="3200400" cy="2667000"/>
-          </a:xfrm>
-          <a:prstGeom prst="rect">
-            <a:avLst/>
-          </a:prstGeom>
-        </p:spPr>
-      </p:pic>
-      <p:sp>
-        <p:nvSpPr>
-          <p:cNvPr id="3" name="Slide Number Placeholder 2">
-            <a:extLst>
-              <a:ext uri="{FF2B5EF4-FFF2-40B4-BE49-F238E27FC236}">
-                <a16:creationId xmlns:a16="http://schemas.microsoft.com/office/drawing/2014/main" id="{D4848128-51A7-DE42-B8F3-DF36C5C1CAED}"/>
+              <a:t> (this downloads python3 plus a bunch of packages)</a:t>
+            </a:r>
+            <a:endParaRPr lang="en-US" dirty="0">
+              <a:latin typeface="Courier New" panose="02070309020205020404" pitchFamily="49" charset="0"/>
+              <a:cs typeface="Courier New" panose="02070309020205020404" pitchFamily="49" charset="0"/>
+            </a:endParaRPr>
+          </a:p>
+          <a:p>
+            <a:pPr marL="342900" indent="-342900">
+              <a:buFont typeface="+mj-lt"/>
+              <a:buAutoNum type="arabicPeriod"/>
+            </a:pPr>
+            <a:r>
+              <a:rPr lang="en-US" dirty="0"/>
+              <a:t>Install additional libraries matplotlib, </a:t>
+            </a:r>
+            <a:r>
+              <a:rPr lang="en-US" dirty="0" err="1"/>
+              <a:t>wget</a:t>
+            </a:r>
+            <a:r>
+              <a:rPr lang="en-US" dirty="0"/>
+              <a:t>, </a:t>
+            </a:r>
+            <a:r>
+              <a:rPr lang="en-US" dirty="0" err="1"/>
+              <a:t>scipy</a:t>
+            </a:r>
+            <a:endParaRPr lang="en-US" dirty="0"/>
+          </a:p>
+          <a:p>
+            <a:pPr marL="800100" lvl="1" indent="-342900">
+              <a:buFont typeface="Arial" panose="020B0604020202020204" pitchFamily="34" charset="0"/>
+              <a:buChar char="•"/>
+            </a:pPr>
+            <a:r>
+              <a:rPr lang="en-US" dirty="0"/>
+              <a:t>In Anaconda Prompt (which comes with anaconda navigator, NOT in command prompt)</a:t>
+            </a:r>
+            <a:br>
+              <a:rPr lang="en-US" dirty="0"/>
+            </a:br>
+            <a:r>
+              <a:rPr lang="en-US" dirty="0">
+                <a:latin typeface="Courier New" panose="02070309020205020404" pitchFamily="49" charset="0"/>
+                <a:cs typeface="Courier New" panose="02070309020205020404" pitchFamily="49" charset="0"/>
+              </a:rPr>
+              <a:t>pip install matplotlib</a:t>
+            </a:r>
+            <a:br>
+              <a:rPr lang="en-US" dirty="0">
+                <a:latin typeface="Courier New" panose="02070309020205020404" pitchFamily="49" charset="0"/>
+                <a:cs typeface="Courier New" panose="02070309020205020404" pitchFamily="49" charset="0"/>
+              </a:rPr>
+            </a:br>
+            <a:r>
+              <a:rPr lang="en-US" dirty="0">
+                <a:latin typeface="Courier New" panose="02070309020205020404" pitchFamily="49" charset="0"/>
+                <a:cs typeface="Courier New" panose="02070309020205020404" pitchFamily="49" charset="0"/>
+              </a:rPr>
+              <a:t>pip install </a:t>
+            </a:r>
+            <a:r>
+              <a:rPr lang="en-US" dirty="0" err="1">
+                <a:latin typeface="Courier New" panose="02070309020205020404" pitchFamily="49" charset="0"/>
+                <a:cs typeface="Courier New" panose="02070309020205020404" pitchFamily="49" charset="0"/>
+              </a:rPr>
+              <a:t>wget</a:t>
+            </a:r>
+            <a:br>
+              <a:rPr lang="en-US" dirty="0">
+                <a:latin typeface="Courier New" panose="02070309020205020404" pitchFamily="49" charset="0"/>
+                <a:cs typeface="Courier New" panose="02070309020205020404" pitchFamily="49" charset="0"/>
+              </a:rPr>
+            </a:br>
+            <a:r>
+              <a:rPr lang="en-US" dirty="0">
+                <a:latin typeface="Courier New" panose="02070309020205020404" pitchFamily="49" charset="0"/>
+                <a:cs typeface="Courier New" panose="02070309020205020404" pitchFamily="49" charset="0"/>
+              </a:rPr>
+              <a:t>pip install certify</a:t>
+            </a:r>
+          </a:p>
+          <a:p>
+            <a:pPr marL="800100" lvl="1" indent="-342900">
+              <a:buFont typeface="Arial" panose="020B0604020202020204" pitchFamily="34" charset="0"/>
+              <a:buChar char="•"/>
+            </a:pPr>
+            <a:r>
+              <a:rPr lang="en-US" dirty="0"/>
+              <a:t>If pip install doesn’t work, try: </a:t>
+            </a:r>
+            <a:r>
+              <a:rPr lang="en-US" dirty="0" err="1">
+                <a:latin typeface="Courier New" panose="02070309020205020404" pitchFamily="49" charset="0"/>
+                <a:cs typeface="Courier New" panose="02070309020205020404" pitchFamily="49" charset="0"/>
+              </a:rPr>
+              <a:t>conda</a:t>
+            </a:r>
+            <a:r>
+              <a:rPr lang="en-US" dirty="0">
+                <a:latin typeface="Courier New" panose="02070309020205020404" pitchFamily="49" charset="0"/>
+                <a:cs typeface="Courier New" panose="02070309020205020404" pitchFamily="49" charset="0"/>
+              </a:rPr>
+              <a:t> install matplotlib</a:t>
+            </a:r>
+            <a:r>
+              <a:rPr lang="en-US" dirty="0">
+                <a:cs typeface="Courier New" panose="02070309020205020404" pitchFamily="49" charset="0"/>
+              </a:rPr>
+              <a:t>, </a:t>
+            </a:r>
+            <a:r>
+              <a:rPr lang="en-US" dirty="0" err="1">
+                <a:cs typeface="Courier New" panose="02070309020205020404" pitchFamily="49" charset="0"/>
+              </a:rPr>
+              <a:t>etc</a:t>
+            </a:r>
+            <a:endParaRPr lang="en-US" dirty="0">
+              <a:cs typeface="Courier New" panose="02070309020205020404" pitchFamily="49" charset="0"/>
+            </a:endParaRPr>
+          </a:p>
+          <a:p>
+            <a:pPr marL="342900" indent="-342900">
+              <a:buFont typeface="+mj-lt"/>
+              <a:buAutoNum type="arabicPeriod"/>
+            </a:pPr>
+            <a:r>
+              <a:rPr lang="en-US" dirty="0"/>
+              <a:t>Run the code in Anaconda Prompt while inside the directory containing the code:</a:t>
+            </a:r>
+            <a:br>
+              <a:rPr lang="en-US" dirty="0"/>
+            </a:br>
+            <a:r>
+              <a:rPr lang="en-US" sz="1600" dirty="0" err="1">
+                <a:latin typeface="Courier New" panose="02070309020205020404" pitchFamily="49" charset="0"/>
+                <a:cs typeface="Courier New" panose="02070309020205020404" pitchFamily="49" charset="0"/>
+              </a:rPr>
+              <a:t>py</a:t>
+            </a:r>
+            <a:r>
+              <a:rPr lang="en-US" sz="1600" dirty="0">
+                <a:latin typeface="Courier New" panose="02070309020205020404" pitchFamily="49" charset="0"/>
+                <a:cs typeface="Courier New" panose="02070309020205020404" pitchFamily="49" charset="0"/>
+              </a:rPr>
+              <a:t> </a:t>
+            </a:r>
+            <a:r>
+              <a:rPr lang="en-US" sz="1600" dirty="0" err="1">
+                <a:latin typeface="Courier New" panose="02070309020205020404" pitchFamily="49" charset="0"/>
+                <a:cs typeface="Courier New" panose="02070309020205020404" pitchFamily="49" charset="0"/>
+              </a:rPr>
+              <a:t>operational_SEP_SHINE_wrapper.py</a:t>
+            </a:r>
+            <a:endParaRPr lang="en-US" sz="1600" dirty="0">
+              <a:latin typeface="Courier New" panose="02070309020205020404" pitchFamily="49" charset="0"/>
+              <a:cs typeface="Courier New" panose="02070309020205020404" pitchFamily="49" charset="0"/>
+            </a:endParaRPr>
+          </a:p>
+          <a:p>
+            <a:endParaRPr lang="en-US" dirty="0"/>
+          </a:p>
+        </p:txBody>
+      </p:sp>
+      <p:sp>
+        <p:nvSpPr>
+          <p:cNvPr id="4" name="Slide Number Placeholder 3">
+            <a:extLst>
+              <a:ext uri="{FF2B5EF4-FFF2-40B4-BE49-F238E27FC236}">
+                <a16:creationId xmlns:a16="http://schemas.microsoft.com/office/drawing/2014/main" id="{4B7E5B3F-5808-7245-A2D3-883E920908A6}"/>
               </a:ext>
             </a:extLst>
           </p:cNvPr>
@@ -7264,7 +9186,7 @@
     </p:spTree>
     <p:extLst>
       <p:ext uri="{BB962C8B-B14F-4D97-AF65-F5344CB8AC3E}">
-        <p14:creationId xmlns:p14="http://schemas.microsoft.com/office/powerpoint/2010/main" val="480199196"/>
+        <p14:creationId xmlns:p14="http://schemas.microsoft.com/office/powerpoint/2010/main" val="1715223869"/>
       </p:ext>
     </p:extLst>
   </p:cSld>
